--- a/Presentation/Post_2week_Presentation.pptx
+++ b/Presentation/Post_2week_Presentation.pptx
@@ -5,28 +5,30 @@
     <p:sldMasterId id="2147483660" r:id="rId4"/>
   </p:sldMasterIdLst>
   <p:notesMasterIdLst>
-    <p:notesMasterId r:id="rId24"/>
+    <p:notesMasterId r:id="rId26"/>
   </p:notesMasterIdLst>
   <p:sldIdLst>
     <p:sldId id="256" r:id="rId5"/>
-    <p:sldId id="257" r:id="rId6"/>
-    <p:sldId id="258" r:id="rId7"/>
-    <p:sldId id="259" r:id="rId8"/>
-    <p:sldId id="260" r:id="rId9"/>
-    <p:sldId id="261" r:id="rId10"/>
-    <p:sldId id="262" r:id="rId11"/>
-    <p:sldId id="263" r:id="rId12"/>
-    <p:sldId id="264" r:id="rId13"/>
-    <p:sldId id="265" r:id="rId14"/>
-    <p:sldId id="266" r:id="rId15"/>
-    <p:sldId id="267" r:id="rId16"/>
-    <p:sldId id="268" r:id="rId17"/>
-    <p:sldId id="269" r:id="rId18"/>
-    <p:sldId id="270" r:id="rId19"/>
-    <p:sldId id="271" r:id="rId20"/>
-    <p:sldId id="272" r:id="rId21"/>
-    <p:sldId id="273" r:id="rId22"/>
-    <p:sldId id="274" r:id="rId23"/>
+    <p:sldId id="275" r:id="rId6"/>
+    <p:sldId id="276" r:id="rId7"/>
+    <p:sldId id="257" r:id="rId8"/>
+    <p:sldId id="258" r:id="rId9"/>
+    <p:sldId id="259" r:id="rId10"/>
+    <p:sldId id="260" r:id="rId11"/>
+    <p:sldId id="261" r:id="rId12"/>
+    <p:sldId id="262" r:id="rId13"/>
+    <p:sldId id="263" r:id="rId14"/>
+    <p:sldId id="264" r:id="rId15"/>
+    <p:sldId id="265" r:id="rId16"/>
+    <p:sldId id="266" r:id="rId17"/>
+    <p:sldId id="267" r:id="rId18"/>
+    <p:sldId id="268" r:id="rId19"/>
+    <p:sldId id="269" r:id="rId20"/>
+    <p:sldId id="270" r:id="rId21"/>
+    <p:sldId id="271" r:id="rId22"/>
+    <p:sldId id="272" r:id="rId23"/>
+    <p:sldId id="273" r:id="rId24"/>
+    <p:sldId id="274" r:id="rId25"/>
   </p:sldIdLst>
   <p:sldSz cx="12192000" cy="6858000"/>
   <p:notesSz cx="6858000" cy="9144000"/>
@@ -190,7 +192,7 @@
             </a:lvl1pPr>
           </a:lstStyle>
           <a:p>
-            <a:endParaRPr lang="en-IN"/>
+            <a:endParaRPr lang="en-IN" dirty="0"/>
           </a:p>
         </p:txBody>
       </p:sp>
@@ -225,7 +227,7 @@
               <a:rPr lang="en-IN" smtClean="0"/>
               <a:t>16-07-2021</a:t>
             </a:fld>
-            <a:endParaRPr lang="en-IN"/>
+            <a:endParaRPr lang="en-IN" dirty="0"/>
           </a:p>
         </p:txBody>
       </p:sp>
@@ -258,7 +260,7 @@
           <a:bodyPr vert="horz" lIns="91440" tIns="45720" rIns="91440" bIns="45720" rtlCol="0" anchor="ctr"/>
           <a:lstStyle/>
           <a:p>
-            <a:endParaRPr lang="en-IN"/>
+            <a:endParaRPr lang="en-IN" dirty="0"/>
           </a:p>
         </p:txBody>
       </p:sp>
@@ -349,7 +351,7 @@
             </a:lvl1pPr>
           </a:lstStyle>
           <a:p>
-            <a:endParaRPr lang="en-IN"/>
+            <a:endParaRPr lang="en-IN" dirty="0"/>
           </a:p>
         </p:txBody>
       </p:sp>
@@ -384,7 +386,7 @@
               <a:rPr lang="en-IN" smtClean="0"/>
               <a:t>‹#›</a:t>
             </a:fld>
-            <a:endParaRPr lang="en-IN"/>
+            <a:endParaRPr lang="en-IN" dirty="0"/>
           </a:p>
         </p:txBody>
       </p:sp>
@@ -556,9 +558,9 @@
           <a:p>
             <a:fld id="{AC007174-BA17-4DEC-AB70-1C679DC8CAEF}" type="slidenum">
               <a:rPr lang="en-IN" smtClean="0"/>
-              <a:t>2</a:t>
+              <a:t>4</a:t>
             </a:fld>
-            <a:endParaRPr lang="en-IN"/>
+            <a:endParaRPr lang="en-IN" dirty="0"/>
           </a:p>
         </p:txBody>
       </p:sp>
@@ -1299,7 +1301,7 @@
               <a:rPr lang="en-IN" smtClean="0"/>
               <a:t>16-07-2021</a:t>
             </a:fld>
-            <a:endParaRPr lang="en-IN"/>
+            <a:endParaRPr lang="en-IN" dirty="0"/>
           </a:p>
         </p:txBody>
       </p:sp>
@@ -1318,7 +1320,7 @@
           <a:bodyPr/>
           <a:lstStyle/>
           <a:p>
-            <a:endParaRPr lang="en-IN"/>
+            <a:endParaRPr lang="en-IN" dirty="0"/>
           </a:p>
         </p:txBody>
       </p:sp>
@@ -1341,7 +1343,7 @@
               <a:rPr lang="en-IN" smtClean="0"/>
               <a:t>‹#›</a:t>
             </a:fld>
-            <a:endParaRPr lang="en-IN"/>
+            <a:endParaRPr lang="en-IN" dirty="0"/>
           </a:p>
         </p:txBody>
       </p:sp>
@@ -1550,7 +1552,7 @@
               <a:rPr lang="en-IN" smtClean="0"/>
               <a:t>16-07-2021</a:t>
             </a:fld>
-            <a:endParaRPr lang="en-IN"/>
+            <a:endParaRPr lang="en-IN" dirty="0"/>
           </a:p>
         </p:txBody>
       </p:sp>
@@ -1569,7 +1571,7 @@
           <a:bodyPr/>
           <a:lstStyle/>
           <a:p>
-            <a:endParaRPr lang="en-IN"/>
+            <a:endParaRPr lang="en-IN" dirty="0"/>
           </a:p>
         </p:txBody>
       </p:sp>
@@ -1592,7 +1594,7 @@
               <a:rPr lang="en-IN" smtClean="0"/>
               <a:t>‹#›</a:t>
             </a:fld>
-            <a:endParaRPr lang="en-IN"/>
+            <a:endParaRPr lang="en-IN" dirty="0"/>
           </a:p>
         </p:txBody>
       </p:sp>
@@ -1864,7 +1866,7 @@
               <a:rPr lang="en-IN" smtClean="0"/>
               <a:t>16-07-2021</a:t>
             </a:fld>
-            <a:endParaRPr lang="en-IN"/>
+            <a:endParaRPr lang="en-IN" dirty="0"/>
           </a:p>
         </p:txBody>
       </p:sp>
@@ -1883,7 +1885,7 @@
           <a:bodyPr/>
           <a:lstStyle/>
           <a:p>
-            <a:endParaRPr lang="en-IN"/>
+            <a:endParaRPr lang="en-IN" dirty="0"/>
           </a:p>
         </p:txBody>
       </p:sp>
@@ -1906,7 +1908,7 @@
               <a:rPr lang="en-IN" smtClean="0"/>
               <a:t>‹#›</a:t>
             </a:fld>
-            <a:endParaRPr lang="en-IN"/>
+            <a:endParaRPr lang="en-IN" dirty="0"/>
           </a:p>
         </p:txBody>
       </p:sp>
@@ -2205,7 +2207,7 @@
               <a:rPr lang="en-IN" smtClean="0"/>
               <a:t>16-07-2021</a:t>
             </a:fld>
-            <a:endParaRPr lang="en-IN"/>
+            <a:endParaRPr lang="en-IN" dirty="0"/>
           </a:p>
         </p:txBody>
       </p:sp>
@@ -2224,7 +2226,7 @@
           <a:bodyPr/>
           <a:lstStyle/>
           <a:p>
-            <a:endParaRPr lang="en-IN"/>
+            <a:endParaRPr lang="en-IN" dirty="0"/>
           </a:p>
         </p:txBody>
       </p:sp>
@@ -2247,7 +2249,7 @@
               <a:rPr lang="en-IN" smtClean="0"/>
               <a:t>‹#›</a:t>
             </a:fld>
-            <a:endParaRPr lang="en-IN"/>
+            <a:endParaRPr lang="en-IN" dirty="0"/>
           </a:p>
         </p:txBody>
       </p:sp>
@@ -2519,7 +2521,7 @@
               <a:rPr lang="en-IN" smtClean="0"/>
               <a:t>16-07-2021</a:t>
             </a:fld>
-            <a:endParaRPr lang="en-IN"/>
+            <a:endParaRPr lang="en-IN" dirty="0"/>
           </a:p>
         </p:txBody>
       </p:sp>
@@ -2538,7 +2540,7 @@
           <a:bodyPr/>
           <a:lstStyle/>
           <a:p>
-            <a:endParaRPr lang="en-IN"/>
+            <a:endParaRPr lang="en-IN" dirty="0"/>
           </a:p>
         </p:txBody>
       </p:sp>
@@ -2561,7 +2563,7 @@
               <a:rPr lang="en-IN" smtClean="0"/>
               <a:t>‹#›</a:t>
             </a:fld>
-            <a:endParaRPr lang="en-IN"/>
+            <a:endParaRPr lang="en-IN" dirty="0"/>
           </a:p>
         </p:txBody>
       </p:sp>
@@ -2912,7 +2914,7 @@
               <a:rPr lang="en-IN" smtClean="0"/>
               <a:t>16-07-2021</a:t>
             </a:fld>
-            <a:endParaRPr lang="en-IN"/>
+            <a:endParaRPr lang="en-IN" dirty="0"/>
           </a:p>
         </p:txBody>
       </p:sp>
@@ -2931,7 +2933,7 @@
           <a:bodyPr/>
           <a:lstStyle/>
           <a:p>
-            <a:endParaRPr lang="en-IN"/>
+            <a:endParaRPr lang="en-IN" dirty="0"/>
           </a:p>
         </p:txBody>
       </p:sp>
@@ -2954,7 +2956,7 @@
               <a:rPr lang="en-IN" smtClean="0"/>
               <a:t>‹#›</a:t>
             </a:fld>
-            <a:endParaRPr lang="en-IN"/>
+            <a:endParaRPr lang="en-IN" dirty="0"/>
           </a:p>
         </p:txBody>
       </p:sp>
@@ -3082,7 +3084,7 @@
               <a:rPr lang="en-IN" smtClean="0"/>
               <a:t>16-07-2021</a:t>
             </a:fld>
-            <a:endParaRPr lang="en-IN"/>
+            <a:endParaRPr lang="en-IN" dirty="0"/>
           </a:p>
         </p:txBody>
       </p:sp>
@@ -3101,7 +3103,7 @@
           <a:bodyPr/>
           <a:lstStyle/>
           <a:p>
-            <a:endParaRPr lang="en-IN"/>
+            <a:endParaRPr lang="en-IN" dirty="0"/>
           </a:p>
         </p:txBody>
       </p:sp>
@@ -3124,7 +3126,7 @@
               <a:rPr lang="en-IN" smtClean="0"/>
               <a:t>‹#›</a:t>
             </a:fld>
-            <a:endParaRPr lang="en-IN"/>
+            <a:endParaRPr lang="en-IN" dirty="0"/>
           </a:p>
         </p:txBody>
       </p:sp>
@@ -3262,7 +3264,7 @@
               <a:rPr lang="en-IN" smtClean="0"/>
               <a:t>16-07-2021</a:t>
             </a:fld>
-            <a:endParaRPr lang="en-IN"/>
+            <a:endParaRPr lang="en-IN" dirty="0"/>
           </a:p>
         </p:txBody>
       </p:sp>
@@ -3281,7 +3283,7 @@
           <a:bodyPr/>
           <a:lstStyle/>
           <a:p>
-            <a:endParaRPr lang="en-IN"/>
+            <a:endParaRPr lang="en-IN" dirty="0"/>
           </a:p>
         </p:txBody>
       </p:sp>
@@ -3304,7 +3306,7 @@
               <a:rPr lang="en-IN" smtClean="0"/>
               <a:t>‹#›</a:t>
             </a:fld>
-            <a:endParaRPr lang="en-IN"/>
+            <a:endParaRPr lang="en-IN" dirty="0"/>
           </a:p>
         </p:txBody>
       </p:sp>
@@ -3438,7 +3440,7 @@
               <a:rPr lang="en-IN" smtClean="0"/>
               <a:t>16-07-2021</a:t>
             </a:fld>
-            <a:endParaRPr lang="en-IN"/>
+            <a:endParaRPr lang="en-IN" dirty="0"/>
           </a:p>
         </p:txBody>
       </p:sp>
@@ -3457,7 +3459,7 @@
           <a:bodyPr/>
           <a:lstStyle/>
           <a:p>
-            <a:endParaRPr lang="en-IN"/>
+            <a:endParaRPr lang="en-IN" dirty="0"/>
           </a:p>
         </p:txBody>
       </p:sp>
@@ -3480,7 +3482,7 @@
               <a:rPr lang="en-IN" smtClean="0"/>
               <a:t>‹#›</a:t>
             </a:fld>
-            <a:endParaRPr lang="en-IN"/>
+            <a:endParaRPr lang="en-IN" dirty="0"/>
           </a:p>
         </p:txBody>
       </p:sp>
@@ -3685,7 +3687,7 @@
               <a:rPr lang="en-IN" smtClean="0"/>
               <a:t>16-07-2021</a:t>
             </a:fld>
-            <a:endParaRPr lang="en-IN"/>
+            <a:endParaRPr lang="en-IN" dirty="0"/>
           </a:p>
         </p:txBody>
       </p:sp>
@@ -3704,7 +3706,7 @@
           <a:bodyPr/>
           <a:lstStyle/>
           <a:p>
-            <a:endParaRPr lang="en-IN"/>
+            <a:endParaRPr lang="en-IN" dirty="0"/>
           </a:p>
         </p:txBody>
       </p:sp>
@@ -3727,7 +3729,7 @@
               <a:rPr lang="en-IN" smtClean="0"/>
               <a:t>‹#›</a:t>
             </a:fld>
-            <a:endParaRPr lang="en-IN"/>
+            <a:endParaRPr lang="en-IN" dirty="0"/>
           </a:p>
         </p:txBody>
       </p:sp>
@@ -3917,7 +3919,7 @@
               <a:rPr lang="en-IN" smtClean="0"/>
               <a:t>16-07-2021</a:t>
             </a:fld>
-            <a:endParaRPr lang="en-IN"/>
+            <a:endParaRPr lang="en-IN" dirty="0"/>
           </a:p>
         </p:txBody>
       </p:sp>
@@ -3936,7 +3938,7 @@
           <a:bodyPr/>
           <a:lstStyle/>
           <a:p>
-            <a:endParaRPr lang="en-IN"/>
+            <a:endParaRPr lang="en-IN" dirty="0"/>
           </a:p>
         </p:txBody>
       </p:sp>
@@ -3959,7 +3961,7 @@
               <a:rPr lang="en-IN" smtClean="0"/>
               <a:t>‹#›</a:t>
             </a:fld>
-            <a:endParaRPr lang="en-IN"/>
+            <a:endParaRPr lang="en-IN" dirty="0"/>
           </a:p>
         </p:txBody>
       </p:sp>
@@ -4291,7 +4293,7 @@
               <a:rPr lang="en-IN" smtClean="0"/>
               <a:t>16-07-2021</a:t>
             </a:fld>
-            <a:endParaRPr lang="en-IN"/>
+            <a:endParaRPr lang="en-IN" dirty="0"/>
           </a:p>
         </p:txBody>
       </p:sp>
@@ -4310,7 +4312,7 @@
           <a:bodyPr/>
           <a:lstStyle/>
           <a:p>
-            <a:endParaRPr lang="en-IN"/>
+            <a:endParaRPr lang="en-IN" dirty="0"/>
           </a:p>
         </p:txBody>
       </p:sp>
@@ -4333,7 +4335,7 @@
               <a:rPr lang="en-IN" smtClean="0"/>
               <a:t>‹#›</a:t>
             </a:fld>
-            <a:endParaRPr lang="en-IN"/>
+            <a:endParaRPr lang="en-IN" dirty="0"/>
           </a:p>
         </p:txBody>
       </p:sp>
@@ -4414,7 +4416,7 @@
               <a:rPr lang="en-IN" smtClean="0"/>
               <a:t>16-07-2021</a:t>
             </a:fld>
-            <a:endParaRPr lang="en-IN"/>
+            <a:endParaRPr lang="en-IN" dirty="0"/>
           </a:p>
         </p:txBody>
       </p:sp>
@@ -4433,7 +4435,7 @@
           <a:bodyPr/>
           <a:lstStyle/>
           <a:p>
-            <a:endParaRPr lang="en-IN"/>
+            <a:endParaRPr lang="en-IN" dirty="0"/>
           </a:p>
         </p:txBody>
       </p:sp>
@@ -4456,7 +4458,7 @@
               <a:rPr lang="en-IN" smtClean="0"/>
               <a:t>‹#›</a:t>
             </a:fld>
-            <a:endParaRPr lang="en-IN"/>
+            <a:endParaRPr lang="en-IN" dirty="0"/>
           </a:p>
         </p:txBody>
       </p:sp>
@@ -4509,7 +4511,7 @@
               <a:rPr lang="en-IN" smtClean="0"/>
               <a:t>16-07-2021</a:t>
             </a:fld>
-            <a:endParaRPr lang="en-IN"/>
+            <a:endParaRPr lang="en-IN" dirty="0"/>
           </a:p>
         </p:txBody>
       </p:sp>
@@ -4528,7 +4530,7 @@
           <a:bodyPr/>
           <a:lstStyle/>
           <a:p>
-            <a:endParaRPr lang="en-IN"/>
+            <a:endParaRPr lang="en-IN" dirty="0"/>
           </a:p>
         </p:txBody>
       </p:sp>
@@ -4551,7 +4553,7 @@
               <a:rPr lang="en-IN" smtClean="0"/>
               <a:t>‹#›</a:t>
             </a:fld>
-            <a:endParaRPr lang="en-IN"/>
+            <a:endParaRPr lang="en-IN" dirty="0"/>
           </a:p>
         </p:txBody>
       </p:sp>
@@ -4764,7 +4766,7 @@
               <a:rPr lang="en-IN" smtClean="0"/>
               <a:t>16-07-2021</a:t>
             </a:fld>
-            <a:endParaRPr lang="en-IN"/>
+            <a:endParaRPr lang="en-IN" dirty="0"/>
           </a:p>
         </p:txBody>
       </p:sp>
@@ -4783,7 +4785,7 @@
           <a:bodyPr/>
           <a:lstStyle/>
           <a:p>
-            <a:endParaRPr lang="en-IN"/>
+            <a:endParaRPr lang="en-IN" dirty="0"/>
           </a:p>
         </p:txBody>
       </p:sp>
@@ -4806,7 +4808,7 @@
               <a:rPr lang="en-IN" smtClean="0"/>
               <a:t>‹#›</a:t>
             </a:fld>
-            <a:endParaRPr lang="en-IN"/>
+            <a:endParaRPr lang="en-IN" dirty="0"/>
           </a:p>
         </p:txBody>
       </p:sp>
@@ -4934,10 +4936,9 @@
           </a:lstStyle>
           <a:p>
             <a:r>
-              <a:rPr lang="en-US"/>
+              <a:rPr lang="en-US" dirty="0"/>
               <a:t>Click icon to add picture</a:t>
             </a:r>
-            <a:endParaRPr lang="en-US" dirty="0"/>
           </a:p>
         </p:txBody>
       </p:sp>
@@ -5027,7 +5028,7 @@
               <a:rPr lang="en-IN" smtClean="0"/>
               <a:t>16-07-2021</a:t>
             </a:fld>
-            <a:endParaRPr lang="en-IN"/>
+            <a:endParaRPr lang="en-IN" dirty="0"/>
           </a:p>
         </p:txBody>
       </p:sp>
@@ -5046,7 +5047,7 @@
           <a:bodyPr/>
           <a:lstStyle/>
           <a:p>
-            <a:endParaRPr lang="en-IN"/>
+            <a:endParaRPr lang="en-IN" dirty="0"/>
           </a:p>
         </p:txBody>
       </p:sp>
@@ -5069,7 +5070,7 @@
               <a:rPr lang="en-IN" smtClean="0"/>
               <a:t>‹#›</a:t>
             </a:fld>
-            <a:endParaRPr lang="en-IN"/>
+            <a:endParaRPr lang="en-IN" dirty="0"/>
           </a:p>
         </p:txBody>
       </p:sp>
@@ -5770,7 +5771,7 @@
               <a:rPr lang="en-IN" smtClean="0"/>
               <a:t>16-07-2021</a:t>
             </a:fld>
-            <a:endParaRPr lang="en-IN"/>
+            <a:endParaRPr lang="en-IN" dirty="0"/>
           </a:p>
         </p:txBody>
       </p:sp>
@@ -5807,7 +5808,7 @@
             </a:lvl1pPr>
           </a:lstStyle>
           <a:p>
-            <a:endParaRPr lang="en-IN"/>
+            <a:endParaRPr lang="en-IN" dirty="0"/>
           </a:p>
         </p:txBody>
       </p:sp>
@@ -5846,7 +5847,7 @@
               <a:rPr lang="en-IN" smtClean="0"/>
               <a:t>‹#›</a:t>
             </a:fld>
-            <a:endParaRPr lang="en-IN"/>
+            <a:endParaRPr lang="en-IN" dirty="0"/>
           </a:p>
         </p:txBody>
       </p:sp>
@@ -6391,6 +6392,2899 @@
           <p:cNvPr id="2" name="Title 1">
             <a:extLst>
               <a:ext uri="{FF2B5EF4-FFF2-40B4-BE49-F238E27FC236}">
+                <a16:creationId xmlns:a16="http://schemas.microsoft.com/office/drawing/2014/main" id="{33CCC9F3-3F2A-4B9B-8119-F481EFC80553}"/>
+              </a:ext>
+            </a:extLst>
+          </p:cNvPr>
+          <p:cNvSpPr>
+            <a:spLocks noGrp="1"/>
+          </p:cNvSpPr>
+          <p:nvPr>
+            <p:ph type="title"/>
+          </p:nvPr>
+        </p:nvSpPr>
+        <p:spPr>
+          <a:xfrm>
+            <a:off x="677334" y="76939"/>
+            <a:ext cx="8315746" cy="801950"/>
+          </a:xfrm>
+        </p:spPr>
+        <p:txBody>
+          <a:bodyPr/>
+          <a:lstStyle/>
+          <a:p>
+            <a:r>
+              <a:rPr lang="en-US" dirty="0"/>
+              <a:t>VSS Essentials-</a:t>
+            </a:r>
+            <a:endParaRPr lang="en-IN" dirty="0"/>
+          </a:p>
+        </p:txBody>
+      </p:sp>
+      <p:sp>
+        <p:nvSpPr>
+          <p:cNvPr id="3" name="Content Placeholder 2">
+            <a:extLst>
+              <a:ext uri="{FF2B5EF4-FFF2-40B4-BE49-F238E27FC236}">
+                <a16:creationId xmlns:a16="http://schemas.microsoft.com/office/drawing/2014/main" id="{829BF13B-E567-42CB-B475-A5DE8BF3ED54}"/>
+              </a:ext>
+            </a:extLst>
+          </p:cNvPr>
+          <p:cNvSpPr>
+            <a:spLocks noGrp="1"/>
+          </p:cNvSpPr>
+          <p:nvPr>
+            <p:ph idx="1"/>
+          </p:nvPr>
+        </p:nvSpPr>
+        <p:spPr>
+          <a:xfrm>
+            <a:off x="180185" y="692815"/>
+            <a:ext cx="8596668" cy="5130937"/>
+          </a:xfrm>
+        </p:spPr>
+        <p:txBody>
+          <a:bodyPr>
+            <a:normAutofit lnSpcReduction="10000"/>
+          </a:bodyPr>
+          <a:lstStyle/>
+          <a:p>
+            <a:pPr>
+              <a:buFont typeface="Wingdings" panose="05000000000000000000" pitchFamily="2" charset="2"/>
+              <a:buChar char="§"/>
+            </a:pPr>
+            <a:r>
+              <a:rPr lang="en-US" dirty="0"/>
+              <a:t>VSS Writers-</a:t>
+            </a:r>
+          </a:p>
+          <a:p>
+            <a:pPr lvl="1">
+              <a:buFont typeface="Courier New" panose="02070309020205020404" pitchFamily="49" charset="0"/>
+              <a:buChar char="o"/>
+            </a:pPr>
+            <a:r>
+              <a:rPr lang="en-US" dirty="0"/>
+              <a:t>They tell Shadow Copy when it can start backup. </a:t>
+            </a:r>
+          </a:p>
+          <a:p>
+            <a:pPr lvl="1">
+              <a:buFont typeface="Courier New" panose="02070309020205020404" pitchFamily="49" charset="0"/>
+              <a:buChar char="o"/>
+            </a:pPr>
+            <a:r>
+              <a:rPr lang="en-US" dirty="0"/>
+              <a:t>They are application specific (e.g., SQL Writer, Exchange Writer). </a:t>
+            </a:r>
+          </a:p>
+          <a:p>
+            <a:pPr lvl="1">
+              <a:buFont typeface="Courier New" panose="02070309020205020404" pitchFamily="49" charset="0"/>
+              <a:buChar char="o"/>
+            </a:pPr>
+            <a:r>
+              <a:rPr lang="en-US" dirty="0"/>
+              <a:t>They are provided by the of the vendor application. </a:t>
+            </a:r>
+          </a:p>
+          <a:p>
+            <a:pPr lvl="1">
+              <a:buFont typeface="Courier New" panose="02070309020205020404" pitchFamily="49" charset="0"/>
+              <a:buChar char="o"/>
+            </a:pPr>
+            <a:r>
+              <a:rPr lang="en-US" dirty="0"/>
+              <a:t>If an application does not have its own VSS Writer, there is a chance that the backed-up file might end up corrupted.</a:t>
+            </a:r>
+          </a:p>
+          <a:p>
+            <a:pPr lvl="1">
+              <a:buFont typeface="Courier New" panose="02070309020205020404" pitchFamily="49" charset="0"/>
+              <a:buChar char="o"/>
+            </a:pPr>
+            <a:r>
+              <a:rPr lang="en-US" dirty="0"/>
+              <a:t>They trigger the backup process.</a:t>
+            </a:r>
+            <a:endParaRPr lang="en-IN" b="0" dirty="0">
+              <a:solidFill>
+                <a:srgbClr val="CE9178"/>
+              </a:solidFill>
+              <a:effectLst/>
+              <a:latin typeface="Consolas" panose="020B0609020204030204" pitchFamily="49" charset="0"/>
+            </a:endParaRPr>
+          </a:p>
+          <a:p>
+            <a:pPr>
+              <a:buFont typeface="Wingdings" panose="05000000000000000000" pitchFamily="2" charset="2"/>
+              <a:buChar char="§"/>
+            </a:pPr>
+            <a:r>
+              <a:rPr lang="en-US" dirty="0"/>
+              <a:t>VSS Requesters–</a:t>
+            </a:r>
+          </a:p>
+          <a:p>
+            <a:pPr lvl="1">
+              <a:buFont typeface="Courier New" panose="02070309020205020404" pitchFamily="49" charset="0"/>
+              <a:buChar char="o"/>
+            </a:pPr>
+            <a:r>
+              <a:rPr lang="en-US" dirty="0"/>
+              <a:t>They initiate the request for VSS. </a:t>
+            </a:r>
+          </a:p>
+          <a:p>
+            <a:pPr lvl="1">
+              <a:buFont typeface="Courier New" panose="02070309020205020404" pitchFamily="49" charset="0"/>
+              <a:buChar char="o"/>
+            </a:pPr>
+            <a:r>
+              <a:rPr lang="en-US" dirty="0"/>
+              <a:t>It could be a click in the UI, a backup app which starts the request, or even a system activity. </a:t>
+            </a:r>
+          </a:p>
+          <a:p>
+            <a:pPr>
+              <a:buFont typeface="Wingdings" panose="05000000000000000000" pitchFamily="2" charset="2"/>
+              <a:buChar char="§"/>
+            </a:pPr>
+            <a:r>
+              <a:rPr lang="en-US" dirty="0"/>
+              <a:t>VSS Providers-</a:t>
+            </a:r>
+          </a:p>
+          <a:p>
+            <a:pPr lvl="1">
+              <a:buFont typeface="Courier New" panose="02070309020205020404" pitchFamily="49" charset="0"/>
+              <a:buChar char="o"/>
+            </a:pPr>
+            <a:r>
+              <a:rPr lang="en-US" dirty="0"/>
+              <a:t>Triggered by the vss requester.</a:t>
+            </a:r>
+          </a:p>
+          <a:p>
+            <a:pPr lvl="1">
+              <a:buFont typeface="Courier New" panose="02070309020205020404" pitchFamily="49" charset="0"/>
+              <a:buChar char="o"/>
+            </a:pPr>
+            <a:r>
+              <a:rPr lang="en-US" dirty="0"/>
+              <a:t>They tell Windows where to go and start a backup.</a:t>
+            </a:r>
+          </a:p>
+          <a:p>
+            <a:pPr lvl="1">
+              <a:buFont typeface="Courier New" panose="02070309020205020404" pitchFamily="49" charset="0"/>
+              <a:buChar char="o"/>
+            </a:pPr>
+            <a:r>
+              <a:rPr lang="en-US" dirty="0"/>
+              <a:t>Can be hardware or software</a:t>
+            </a:r>
+          </a:p>
+          <a:p>
+            <a:pPr>
+              <a:buFont typeface="Wingdings" panose="05000000000000000000" pitchFamily="2" charset="2"/>
+              <a:buChar char="§"/>
+            </a:pPr>
+            <a:endParaRPr lang="en-IN" dirty="0">
+              <a:solidFill>
+                <a:srgbClr val="D4D4D4"/>
+              </a:solidFill>
+              <a:latin typeface="Consolas" panose="020B0609020204030204" pitchFamily="49" charset="0"/>
+            </a:endParaRPr>
+          </a:p>
+        </p:txBody>
+      </p:sp>
+      <p:pic>
+        <p:nvPicPr>
+          <p:cNvPr id="6" name="Picture 5" descr="Text&#10;&#10;Description automatically generated with medium confidence">
+            <a:extLst>
+              <a:ext uri="{FF2B5EF4-FFF2-40B4-BE49-F238E27FC236}">
+                <a16:creationId xmlns:a16="http://schemas.microsoft.com/office/drawing/2014/main" id="{18ADD2F1-2902-4CB2-896D-AC2AEFF09EDB}"/>
+              </a:ext>
+            </a:extLst>
+          </p:cNvPr>
+          <p:cNvPicPr>
+            <a:picLocks noChangeAspect="1"/>
+          </p:cNvPicPr>
+          <p:nvPr/>
+        </p:nvPicPr>
+        <p:blipFill>
+          <a:blip r:embed="rId2">
+            <a:extLst>
+              <a:ext uri="{28A0092B-C50C-407E-A947-70E740481C1C}">
+                <a14:useLocalDpi xmlns:a14="http://schemas.microsoft.com/office/drawing/2010/main" val="0"/>
+              </a:ext>
+            </a:extLst>
+          </a:blip>
+          <a:stretch>
+            <a:fillRect/>
+          </a:stretch>
+        </p:blipFill>
+        <p:spPr>
+          <a:xfrm>
+            <a:off x="8540318" y="11097"/>
+            <a:ext cx="3651681" cy="6858000"/>
+          </a:xfrm>
+          <a:prstGeom prst="rect">
+            <a:avLst/>
+          </a:prstGeom>
+        </p:spPr>
+      </p:pic>
+      <p:pic>
+        <p:nvPicPr>
+          <p:cNvPr id="11" name="Picture 10" descr="Graphical user interface, text, application&#10;&#10;Description automatically generated">
+            <a:extLst>
+              <a:ext uri="{FF2B5EF4-FFF2-40B4-BE49-F238E27FC236}">
+                <a16:creationId xmlns:a16="http://schemas.microsoft.com/office/drawing/2014/main" id="{5A4255DD-6921-44BC-88E1-E92A38543A3D}"/>
+              </a:ext>
+            </a:extLst>
+          </p:cNvPr>
+          <p:cNvPicPr>
+            <a:picLocks noChangeAspect="1"/>
+          </p:cNvPicPr>
+          <p:nvPr/>
+        </p:nvPicPr>
+        <p:blipFill>
+          <a:blip r:embed="rId3">
+            <a:extLst>
+              <a:ext uri="{28A0092B-C50C-407E-A947-70E740481C1C}">
+                <a14:useLocalDpi xmlns:a14="http://schemas.microsoft.com/office/drawing/2010/main" val="0"/>
+              </a:ext>
+            </a:extLst>
+          </a:blip>
+          <a:stretch>
+            <a:fillRect/>
+          </a:stretch>
+        </p:blipFill>
+        <p:spPr>
+          <a:xfrm>
+            <a:off x="7495952" y="4069854"/>
+            <a:ext cx="4696047" cy="2711207"/>
+          </a:xfrm>
+          <a:prstGeom prst="rect">
+            <a:avLst/>
+          </a:prstGeom>
+        </p:spPr>
+      </p:pic>
+    </p:spTree>
+    <p:extLst>
+      <p:ext uri="{BB962C8B-B14F-4D97-AF65-F5344CB8AC3E}">
+        <p14:creationId xmlns:p14="http://schemas.microsoft.com/office/powerpoint/2010/main" val="3739000251"/>
+      </p:ext>
+    </p:extLst>
+  </p:cSld>
+  <p:clrMapOvr>
+    <a:masterClrMapping/>
+  </p:clrMapOvr>
+  <p:timing>
+    <p:tnLst>
+      <p:par>
+        <p:cTn id="1" dur="indefinite" restart="never" nodeType="tmRoot">
+          <p:childTnLst>
+            <p:seq concurrent="1" nextAc="seek">
+              <p:cTn id="2" dur="indefinite" nodeType="mainSeq">
+                <p:childTnLst>
+                  <p:par>
+                    <p:cTn id="3" fill="hold">
+                      <p:stCondLst>
+                        <p:cond delay="indefinite"/>
+                      </p:stCondLst>
+                      <p:childTnLst>
+                        <p:par>
+                          <p:cTn id="4" fill="hold">
+                            <p:stCondLst>
+                              <p:cond delay="0"/>
+                            </p:stCondLst>
+                            <p:childTnLst>
+                              <p:par>
+                                <p:cTn id="5" presetID="2" presetClass="entr" presetSubtype="4" fill="hold" nodeType="clickEffect">
+                                  <p:stCondLst>
+                                    <p:cond delay="0"/>
+                                  </p:stCondLst>
+                                  <p:childTnLst>
+                                    <p:set>
+                                      <p:cBhvr>
+                                        <p:cTn id="6" dur="1" fill="hold">
+                                          <p:stCondLst>
+                                            <p:cond delay="0"/>
+                                          </p:stCondLst>
+                                        </p:cTn>
+                                        <p:tgtEl>
+                                          <p:spTgt spid="6"/>
+                                        </p:tgtEl>
+                                        <p:attrNameLst>
+                                          <p:attrName>style.visibility</p:attrName>
+                                        </p:attrNameLst>
+                                      </p:cBhvr>
+                                      <p:to>
+                                        <p:strVal val="visible"/>
+                                      </p:to>
+                                    </p:set>
+                                    <p:anim calcmode="lin" valueType="num">
+                                      <p:cBhvr additive="base">
+                                        <p:cTn id="7" dur="500" fill="hold"/>
+                                        <p:tgtEl>
+                                          <p:spTgt spid="6"/>
+                                        </p:tgtEl>
+                                        <p:attrNameLst>
+                                          <p:attrName>ppt_x</p:attrName>
+                                        </p:attrNameLst>
+                                      </p:cBhvr>
+                                      <p:tavLst>
+                                        <p:tav tm="0">
+                                          <p:val>
+                                            <p:strVal val="#ppt_x"/>
+                                          </p:val>
+                                        </p:tav>
+                                        <p:tav tm="100000">
+                                          <p:val>
+                                            <p:strVal val="#ppt_x"/>
+                                          </p:val>
+                                        </p:tav>
+                                      </p:tavLst>
+                                    </p:anim>
+                                    <p:anim calcmode="lin" valueType="num">
+                                      <p:cBhvr additive="base">
+                                        <p:cTn id="8" dur="500" fill="hold"/>
+                                        <p:tgtEl>
+                                          <p:spTgt spid="6"/>
+                                        </p:tgtEl>
+                                        <p:attrNameLst>
+                                          <p:attrName>ppt_y</p:attrName>
+                                        </p:attrNameLst>
+                                      </p:cBhvr>
+                                      <p:tavLst>
+                                        <p:tav tm="0">
+                                          <p:val>
+                                            <p:strVal val="1+#ppt_h/2"/>
+                                          </p:val>
+                                        </p:tav>
+                                        <p:tav tm="100000">
+                                          <p:val>
+                                            <p:strVal val="#ppt_y"/>
+                                          </p:val>
+                                        </p:tav>
+                                      </p:tavLst>
+                                    </p:anim>
+                                  </p:childTnLst>
+                                </p:cTn>
+                              </p:par>
+                            </p:childTnLst>
+                          </p:cTn>
+                        </p:par>
+                      </p:childTnLst>
+                    </p:cTn>
+                  </p:par>
+                  <p:par>
+                    <p:cTn id="9" fill="hold">
+                      <p:stCondLst>
+                        <p:cond delay="indefinite"/>
+                      </p:stCondLst>
+                      <p:childTnLst>
+                        <p:par>
+                          <p:cTn id="10" fill="hold">
+                            <p:stCondLst>
+                              <p:cond delay="0"/>
+                            </p:stCondLst>
+                            <p:childTnLst>
+                              <p:par>
+                                <p:cTn id="11" presetID="2" presetClass="entr" presetSubtype="4" fill="hold" nodeType="clickEffect">
+                                  <p:stCondLst>
+                                    <p:cond delay="0"/>
+                                  </p:stCondLst>
+                                  <p:childTnLst>
+                                    <p:set>
+                                      <p:cBhvr>
+                                        <p:cTn id="12" dur="1" fill="hold">
+                                          <p:stCondLst>
+                                            <p:cond delay="0"/>
+                                          </p:stCondLst>
+                                        </p:cTn>
+                                        <p:tgtEl>
+                                          <p:spTgt spid="11"/>
+                                        </p:tgtEl>
+                                        <p:attrNameLst>
+                                          <p:attrName>style.visibility</p:attrName>
+                                        </p:attrNameLst>
+                                      </p:cBhvr>
+                                      <p:to>
+                                        <p:strVal val="visible"/>
+                                      </p:to>
+                                    </p:set>
+                                    <p:anim calcmode="lin" valueType="num">
+                                      <p:cBhvr additive="base">
+                                        <p:cTn id="13" dur="500" fill="hold"/>
+                                        <p:tgtEl>
+                                          <p:spTgt spid="11"/>
+                                        </p:tgtEl>
+                                        <p:attrNameLst>
+                                          <p:attrName>ppt_x</p:attrName>
+                                        </p:attrNameLst>
+                                      </p:cBhvr>
+                                      <p:tavLst>
+                                        <p:tav tm="0">
+                                          <p:val>
+                                            <p:strVal val="#ppt_x"/>
+                                          </p:val>
+                                        </p:tav>
+                                        <p:tav tm="100000">
+                                          <p:val>
+                                            <p:strVal val="#ppt_x"/>
+                                          </p:val>
+                                        </p:tav>
+                                      </p:tavLst>
+                                    </p:anim>
+                                    <p:anim calcmode="lin" valueType="num">
+                                      <p:cBhvr additive="base">
+                                        <p:cTn id="14" dur="500" fill="hold"/>
+                                        <p:tgtEl>
+                                          <p:spTgt spid="11"/>
+                                        </p:tgtEl>
+                                        <p:attrNameLst>
+                                          <p:attrName>ppt_y</p:attrName>
+                                        </p:attrNameLst>
+                                      </p:cBhvr>
+                                      <p:tavLst>
+                                        <p:tav tm="0">
+                                          <p:val>
+                                            <p:strVal val="1+#ppt_h/2"/>
+                                          </p:val>
+                                        </p:tav>
+                                        <p:tav tm="100000">
+                                          <p:val>
+                                            <p:strVal val="#ppt_y"/>
+                                          </p:val>
+                                        </p:tav>
+                                      </p:tavLst>
+                                    </p:anim>
+                                  </p:childTnLst>
+                                </p:cTn>
+                              </p:par>
+                              <p:par>
+                                <p:cTn id="15" presetID="10" presetClass="exit" presetSubtype="0" fill="hold" nodeType="withEffect">
+                                  <p:stCondLst>
+                                    <p:cond delay="0"/>
+                                  </p:stCondLst>
+                                  <p:childTnLst>
+                                    <p:animEffect transition="out" filter="fade">
+                                      <p:cBhvr>
+                                        <p:cTn id="16" dur="500"/>
+                                        <p:tgtEl>
+                                          <p:spTgt spid="6"/>
+                                        </p:tgtEl>
+                                      </p:cBhvr>
+                                    </p:animEffect>
+                                    <p:set>
+                                      <p:cBhvr>
+                                        <p:cTn id="17" dur="1" fill="hold">
+                                          <p:stCondLst>
+                                            <p:cond delay="499"/>
+                                          </p:stCondLst>
+                                        </p:cTn>
+                                        <p:tgtEl>
+                                          <p:spTgt spid="6"/>
+                                        </p:tgtEl>
+                                        <p:attrNameLst>
+                                          <p:attrName>style.visibility</p:attrName>
+                                        </p:attrNameLst>
+                                      </p:cBhvr>
+                                      <p:to>
+                                        <p:strVal val="hidden"/>
+                                      </p:to>
+                                    </p:set>
+                                  </p:childTnLst>
+                                </p:cTn>
+                              </p:par>
+                            </p:childTnLst>
+                          </p:cTn>
+                        </p:par>
+                      </p:childTnLst>
+                    </p:cTn>
+                  </p:par>
+                </p:childTnLst>
+              </p:cTn>
+              <p:prevCondLst>
+                <p:cond evt="onPrev" delay="0">
+                  <p:tgtEl>
+                    <p:sldTgt/>
+                  </p:tgtEl>
+                </p:cond>
+              </p:prevCondLst>
+              <p:nextCondLst>
+                <p:cond evt="onNext" delay="0">
+                  <p:tgtEl>
+                    <p:sldTgt/>
+                  </p:tgtEl>
+                </p:cond>
+              </p:nextCondLst>
+            </p:seq>
+          </p:childTnLst>
+        </p:cTn>
+      </p:par>
+    </p:tnLst>
+  </p:timing>
+</p:sld>
+</file>
+
+<file path=ppt/slides/slide11.xml><?xml version="1.0" encoding="utf-8"?>
+<p:sld xmlns:a="http://schemas.openxmlformats.org/drawingml/2006/main" xmlns:r="http://schemas.openxmlformats.org/officeDocument/2006/relationships" xmlns:p="http://schemas.openxmlformats.org/presentationml/2006/main">
+  <p:cSld>
+    <p:spTree>
+      <p:nvGrpSpPr>
+        <p:cNvPr id="1" name=""/>
+        <p:cNvGrpSpPr/>
+        <p:nvPr/>
+      </p:nvGrpSpPr>
+      <p:grpSpPr>
+        <a:xfrm>
+          <a:off x="0" y="0"/>
+          <a:ext cx="0" cy="0"/>
+          <a:chOff x="0" y="0"/>
+          <a:chExt cx="0" cy="0"/>
+        </a:xfrm>
+      </p:grpSpPr>
+      <p:sp>
+        <p:nvSpPr>
+          <p:cNvPr id="2" name="Title 1">
+            <a:extLst>
+              <a:ext uri="{FF2B5EF4-FFF2-40B4-BE49-F238E27FC236}">
+                <a16:creationId xmlns:a16="http://schemas.microsoft.com/office/drawing/2014/main" id="{B3A59590-1EEE-480C-95E2-A050A8E92F50}"/>
+              </a:ext>
+            </a:extLst>
+          </p:cNvPr>
+          <p:cNvSpPr>
+            <a:spLocks noGrp="1"/>
+          </p:cNvSpPr>
+          <p:nvPr>
+            <p:ph type="title"/>
+          </p:nvPr>
+        </p:nvSpPr>
+        <p:spPr>
+          <a:xfrm>
+            <a:off x="592274" y="311888"/>
+            <a:ext cx="8596668" cy="1320800"/>
+          </a:xfrm>
+        </p:spPr>
+        <p:txBody>
+          <a:bodyPr/>
+          <a:lstStyle/>
+          <a:p>
+            <a:r>
+              <a:rPr lang="en-US" dirty="0"/>
+              <a:t>The assignment</a:t>
+            </a:r>
+            <a:endParaRPr lang="en-IN" dirty="0"/>
+          </a:p>
+        </p:txBody>
+      </p:sp>
+      <p:sp>
+        <p:nvSpPr>
+          <p:cNvPr id="3" name="Content Placeholder 2">
+            <a:extLst>
+              <a:ext uri="{FF2B5EF4-FFF2-40B4-BE49-F238E27FC236}">
+                <a16:creationId xmlns:a16="http://schemas.microsoft.com/office/drawing/2014/main" id="{A075F498-B51C-48D6-92D5-0C253EFD1064}"/>
+              </a:ext>
+            </a:extLst>
+          </p:cNvPr>
+          <p:cNvSpPr>
+            <a:spLocks noGrp="1"/>
+          </p:cNvSpPr>
+          <p:nvPr>
+            <p:ph idx="1"/>
+          </p:nvPr>
+        </p:nvSpPr>
+        <p:spPr>
+          <a:xfrm>
+            <a:off x="592274" y="1488613"/>
+            <a:ext cx="8596668" cy="3880773"/>
+          </a:xfrm>
+        </p:spPr>
+        <p:txBody>
+          <a:bodyPr>
+            <a:normAutofit fontScale="92500" lnSpcReduction="20000"/>
+          </a:bodyPr>
+          <a:lstStyle/>
+          <a:p>
+            <a:pPr>
+              <a:buFont typeface="+mj-lt"/>
+              <a:buAutoNum type="arabicPeriod"/>
+            </a:pPr>
+            <a:r>
+              <a:rPr lang="en-US" dirty="0"/>
+              <a:t>Creating sample file</a:t>
+            </a:r>
+          </a:p>
+          <a:p>
+            <a:pPr>
+              <a:buFont typeface="+mj-lt"/>
+              <a:buAutoNum type="arabicPeriod"/>
+            </a:pPr>
+            <a:r>
+              <a:rPr lang="en-US" dirty="0"/>
+              <a:t>Creating persistent shadow copy</a:t>
+            </a:r>
+          </a:p>
+          <a:p>
+            <a:pPr marL="800100" lvl="1" indent="-342900">
+              <a:buFont typeface="+mj-lt"/>
+              <a:buAutoNum type="alphaLcPeriod"/>
+            </a:pPr>
+            <a:r>
+              <a:rPr lang="en-IN" dirty="0"/>
+              <a:t>diskshadow</a:t>
+            </a:r>
+          </a:p>
+          <a:p>
+            <a:pPr marL="800100" lvl="1" indent="-342900">
+              <a:buFont typeface="+mj-lt"/>
+              <a:buAutoNum type="alphaLcPeriod"/>
+            </a:pPr>
+            <a:r>
+              <a:rPr lang="en-IN" dirty="0"/>
+              <a:t>add volume volume_path</a:t>
+            </a:r>
+          </a:p>
+          <a:p>
+            <a:pPr marL="800100" lvl="1" indent="-342900">
+              <a:buFont typeface="+mj-lt"/>
+              <a:buAutoNum type="alphaLcPeriod"/>
+            </a:pPr>
+            <a:r>
+              <a:rPr lang="en-IN" dirty="0"/>
+              <a:t>set context persistent</a:t>
+            </a:r>
+          </a:p>
+          <a:p>
+            <a:pPr marL="400050">
+              <a:buFont typeface="+mj-lt"/>
+              <a:buAutoNum type="arabicPeriod"/>
+            </a:pPr>
+            <a:r>
+              <a:rPr lang="en-IN" dirty="0"/>
+              <a:t>Making changes</a:t>
+            </a:r>
+          </a:p>
+          <a:p>
+            <a:pPr marL="400050">
+              <a:buFont typeface="+mj-lt"/>
+              <a:buAutoNum type="arabicPeriod"/>
+            </a:pPr>
+            <a:r>
+              <a:rPr lang="en-IN" dirty="0"/>
+              <a:t>Exposing the shadow copy to the filesystem</a:t>
+            </a:r>
+          </a:p>
+          <a:p>
+            <a:pPr marL="857250" lvl="1" indent="-342900">
+              <a:buFont typeface="+mj-lt"/>
+              <a:buAutoNum type="alphaLcPeriod"/>
+            </a:pPr>
+            <a:r>
+              <a:rPr lang="en-US" dirty="0"/>
+              <a:t>expose shadow_copy_id new_drive_letter</a:t>
+            </a:r>
+          </a:p>
+          <a:p>
+            <a:pPr marL="857250" lvl="1" indent="-342900">
+              <a:buFont typeface="+mj-lt"/>
+              <a:buAutoNum type="alphaLcPeriod"/>
+            </a:pPr>
+            <a:r>
+              <a:rPr lang="en-US" dirty="0"/>
+              <a:t>Recover file</a:t>
+            </a:r>
+          </a:p>
+          <a:p>
+            <a:pPr marL="457200">
+              <a:buFont typeface="+mj-lt"/>
+              <a:buAutoNum type="arabicPeriod"/>
+            </a:pPr>
+            <a:r>
+              <a:rPr lang="en-IN" dirty="0"/>
+              <a:t>Cleaning Up</a:t>
+            </a:r>
+          </a:p>
+          <a:p>
+            <a:pPr marL="914400" lvl="1" indent="-342900">
+              <a:buFont typeface="+mj-lt"/>
+              <a:buAutoNum type="alphaLcPeriod"/>
+            </a:pPr>
+            <a:r>
+              <a:rPr lang="en-IN" dirty="0"/>
+              <a:t> unexpose shadow_copy_id</a:t>
+            </a:r>
+          </a:p>
+          <a:p>
+            <a:pPr marL="914400" lvl="1" indent="-342900">
+              <a:buFont typeface="+mj-lt"/>
+              <a:buAutoNum type="alphaLcPeriod"/>
+            </a:pPr>
+            <a:r>
+              <a:rPr lang="en-US" dirty="0"/>
+              <a:t>delete shadows id shadow_copy_id</a:t>
+            </a:r>
+            <a:endParaRPr lang="en-IN" dirty="0"/>
+          </a:p>
+          <a:p>
+            <a:pPr marL="457200">
+              <a:buFont typeface="+mj-lt"/>
+              <a:buAutoNum type="arabicPeriod"/>
+            </a:pPr>
+            <a:endParaRPr lang="en-IN" dirty="0"/>
+          </a:p>
+        </p:txBody>
+      </p:sp>
+      <p:pic>
+        <p:nvPicPr>
+          <p:cNvPr id="5" name="Picture 4" descr="Text&#10;&#10;Description automatically generated">
+            <a:extLst>
+              <a:ext uri="{FF2B5EF4-FFF2-40B4-BE49-F238E27FC236}">
+                <a16:creationId xmlns:a16="http://schemas.microsoft.com/office/drawing/2014/main" id="{C9244002-E467-4BD7-9F40-E6E586CE9686}"/>
+              </a:ext>
+            </a:extLst>
+          </p:cNvPr>
+          <p:cNvPicPr>
+            <a:picLocks noChangeAspect="1"/>
+          </p:cNvPicPr>
+          <p:nvPr/>
+        </p:nvPicPr>
+        <p:blipFill>
+          <a:blip r:embed="rId2">
+            <a:extLst>
+              <a:ext uri="{28A0092B-C50C-407E-A947-70E740481C1C}">
+                <a14:useLocalDpi xmlns:a14="http://schemas.microsoft.com/office/drawing/2010/main" val="0"/>
+              </a:ext>
+            </a:extLst>
+          </a:blip>
+          <a:stretch>
+            <a:fillRect/>
+          </a:stretch>
+        </p:blipFill>
+        <p:spPr>
+          <a:xfrm>
+            <a:off x="6409518" y="0"/>
+            <a:ext cx="5782482" cy="4182059"/>
+          </a:xfrm>
+          <a:prstGeom prst="rect">
+            <a:avLst/>
+          </a:prstGeom>
+        </p:spPr>
+      </p:pic>
+      <p:pic>
+        <p:nvPicPr>
+          <p:cNvPr id="7" name="Picture 6" descr="Graphical user interface, text&#10;&#10;Description automatically generated">
+            <a:extLst>
+              <a:ext uri="{FF2B5EF4-FFF2-40B4-BE49-F238E27FC236}">
+                <a16:creationId xmlns:a16="http://schemas.microsoft.com/office/drawing/2014/main" id="{5EC961BB-0716-4F30-8341-47CA36CDF043}"/>
+              </a:ext>
+            </a:extLst>
+          </p:cNvPr>
+          <p:cNvPicPr>
+            <a:picLocks noChangeAspect="1"/>
+          </p:cNvPicPr>
+          <p:nvPr/>
+        </p:nvPicPr>
+        <p:blipFill>
+          <a:blip r:embed="rId3">
+            <a:extLst>
+              <a:ext uri="{28A0092B-C50C-407E-A947-70E740481C1C}">
+                <a14:useLocalDpi xmlns:a14="http://schemas.microsoft.com/office/drawing/2010/main" val="0"/>
+              </a:ext>
+            </a:extLst>
+          </a:blip>
+          <a:stretch>
+            <a:fillRect/>
+          </a:stretch>
+        </p:blipFill>
+        <p:spPr>
+          <a:xfrm>
+            <a:off x="5221496" y="608083"/>
+            <a:ext cx="7129992" cy="4598582"/>
+          </a:xfrm>
+          <a:prstGeom prst="rect">
+            <a:avLst/>
+          </a:prstGeom>
+        </p:spPr>
+      </p:pic>
+      <p:pic>
+        <p:nvPicPr>
+          <p:cNvPr id="9" name="Picture 8" descr="Graphical user interface, application&#10;&#10;Description automatically generated">
+            <a:extLst>
+              <a:ext uri="{FF2B5EF4-FFF2-40B4-BE49-F238E27FC236}">
+                <a16:creationId xmlns:a16="http://schemas.microsoft.com/office/drawing/2014/main" id="{49CCCD94-C9A5-47B6-865C-98516125CF3A}"/>
+              </a:ext>
+            </a:extLst>
+          </p:cNvPr>
+          <p:cNvPicPr>
+            <a:picLocks noChangeAspect="1"/>
+          </p:cNvPicPr>
+          <p:nvPr/>
+        </p:nvPicPr>
+        <p:blipFill>
+          <a:blip r:embed="rId4">
+            <a:extLst>
+              <a:ext uri="{28A0092B-C50C-407E-A947-70E740481C1C}">
+                <a14:useLocalDpi xmlns:a14="http://schemas.microsoft.com/office/drawing/2010/main" val="0"/>
+              </a:ext>
+            </a:extLst>
+          </a:blip>
+          <a:stretch>
+            <a:fillRect/>
+          </a:stretch>
+        </p:blipFill>
+        <p:spPr>
+          <a:xfrm>
+            <a:off x="6371413" y="-39589"/>
+            <a:ext cx="5820587" cy="3381847"/>
+          </a:xfrm>
+          <a:prstGeom prst="rect">
+            <a:avLst/>
+          </a:prstGeom>
+        </p:spPr>
+      </p:pic>
+      <p:pic>
+        <p:nvPicPr>
+          <p:cNvPr id="11" name="Picture 10" descr="Graphical user interface, application&#10;&#10;Description automatically generated">
+            <a:extLst>
+              <a:ext uri="{FF2B5EF4-FFF2-40B4-BE49-F238E27FC236}">
+                <a16:creationId xmlns:a16="http://schemas.microsoft.com/office/drawing/2014/main" id="{F7D0F81D-2D6D-44AE-B36F-6F8BD32A468E}"/>
+              </a:ext>
+            </a:extLst>
+          </p:cNvPr>
+          <p:cNvPicPr>
+            <a:picLocks noChangeAspect="1"/>
+          </p:cNvPicPr>
+          <p:nvPr/>
+        </p:nvPicPr>
+        <p:blipFill>
+          <a:blip r:embed="rId5">
+            <a:extLst>
+              <a:ext uri="{28A0092B-C50C-407E-A947-70E740481C1C}">
+                <a14:useLocalDpi xmlns:a14="http://schemas.microsoft.com/office/drawing/2010/main" val="0"/>
+              </a:ext>
+            </a:extLst>
+          </a:blip>
+          <a:stretch>
+            <a:fillRect/>
+          </a:stretch>
+        </p:blipFill>
+        <p:spPr>
+          <a:xfrm>
+            <a:off x="5618833" y="3190363"/>
+            <a:ext cx="6573167" cy="3667637"/>
+          </a:xfrm>
+          <a:prstGeom prst="rect">
+            <a:avLst/>
+          </a:prstGeom>
+        </p:spPr>
+      </p:pic>
+      <p:pic>
+        <p:nvPicPr>
+          <p:cNvPr id="13" name="Picture 12" descr="Text&#10;&#10;Description automatically generated">
+            <a:extLst>
+              <a:ext uri="{FF2B5EF4-FFF2-40B4-BE49-F238E27FC236}">
+                <a16:creationId xmlns:a16="http://schemas.microsoft.com/office/drawing/2014/main" id="{D87535C5-8434-44B3-97AE-A8ECAB506253}"/>
+              </a:ext>
+            </a:extLst>
+          </p:cNvPr>
+          <p:cNvPicPr>
+            <a:picLocks noChangeAspect="1"/>
+          </p:cNvPicPr>
+          <p:nvPr/>
+        </p:nvPicPr>
+        <p:blipFill>
+          <a:blip r:embed="rId6">
+            <a:extLst>
+              <a:ext uri="{28A0092B-C50C-407E-A947-70E740481C1C}">
+                <a14:useLocalDpi xmlns:a14="http://schemas.microsoft.com/office/drawing/2010/main" val="0"/>
+              </a:ext>
+            </a:extLst>
+          </a:blip>
+          <a:stretch>
+            <a:fillRect/>
+          </a:stretch>
+        </p:blipFill>
+        <p:spPr>
+          <a:xfrm>
+            <a:off x="5618833" y="-23958"/>
+            <a:ext cx="6573167" cy="3078787"/>
+          </a:xfrm>
+          <a:prstGeom prst="rect">
+            <a:avLst/>
+          </a:prstGeom>
+        </p:spPr>
+      </p:pic>
+      <p:pic>
+        <p:nvPicPr>
+          <p:cNvPr id="15" name="Picture 14" descr="Graphical user interface, text, application&#10;&#10;Description automatically generated">
+            <a:extLst>
+              <a:ext uri="{FF2B5EF4-FFF2-40B4-BE49-F238E27FC236}">
+                <a16:creationId xmlns:a16="http://schemas.microsoft.com/office/drawing/2014/main" id="{8592268F-6F80-457C-86A1-952CC1DFBB36}"/>
+              </a:ext>
+            </a:extLst>
+          </p:cNvPr>
+          <p:cNvPicPr>
+            <a:picLocks noChangeAspect="1"/>
+          </p:cNvPicPr>
+          <p:nvPr/>
+        </p:nvPicPr>
+        <p:blipFill>
+          <a:blip r:embed="rId7">
+            <a:extLst>
+              <a:ext uri="{28A0092B-C50C-407E-A947-70E740481C1C}">
+                <a14:useLocalDpi xmlns:a14="http://schemas.microsoft.com/office/drawing/2010/main" val="0"/>
+              </a:ext>
+            </a:extLst>
+          </a:blip>
+          <a:stretch>
+            <a:fillRect/>
+          </a:stretch>
+        </p:blipFill>
+        <p:spPr>
+          <a:xfrm>
+            <a:off x="6253655" y="3125189"/>
+            <a:ext cx="6116885" cy="3732811"/>
+          </a:xfrm>
+          <a:prstGeom prst="rect">
+            <a:avLst/>
+          </a:prstGeom>
+        </p:spPr>
+      </p:pic>
+      <p:pic>
+        <p:nvPicPr>
+          <p:cNvPr id="17" name="Picture 16" descr="Graphical user interface, text, application, email&#10;&#10;Description automatically generated">
+            <a:extLst>
+              <a:ext uri="{FF2B5EF4-FFF2-40B4-BE49-F238E27FC236}">
+                <a16:creationId xmlns:a16="http://schemas.microsoft.com/office/drawing/2014/main" id="{DD5DFCD3-B688-4D42-BC5F-69F6FC1C2F4C}"/>
+              </a:ext>
+            </a:extLst>
+          </p:cNvPr>
+          <p:cNvPicPr>
+            <a:picLocks noChangeAspect="1"/>
+          </p:cNvPicPr>
+          <p:nvPr/>
+        </p:nvPicPr>
+        <p:blipFill>
+          <a:blip r:embed="rId8">
+            <a:extLst>
+              <a:ext uri="{28A0092B-C50C-407E-A947-70E740481C1C}">
+                <a14:useLocalDpi xmlns:a14="http://schemas.microsoft.com/office/drawing/2010/main" val="0"/>
+              </a:ext>
+            </a:extLst>
+          </a:blip>
+          <a:stretch>
+            <a:fillRect/>
+          </a:stretch>
+        </p:blipFill>
+        <p:spPr>
+          <a:xfrm>
+            <a:off x="5440292" y="-39589"/>
+            <a:ext cx="6707245" cy="3625709"/>
+          </a:xfrm>
+          <a:prstGeom prst="rect">
+            <a:avLst/>
+          </a:prstGeom>
+        </p:spPr>
+      </p:pic>
+      <p:pic>
+        <p:nvPicPr>
+          <p:cNvPr id="19" name="Picture 18" descr="A screenshot of a computer&#10;&#10;Description automatically generated with low confidence">
+            <a:extLst>
+              <a:ext uri="{FF2B5EF4-FFF2-40B4-BE49-F238E27FC236}">
+                <a16:creationId xmlns:a16="http://schemas.microsoft.com/office/drawing/2014/main" id="{9AE64704-437E-45B2-B931-F2451A7F9612}"/>
+              </a:ext>
+            </a:extLst>
+          </p:cNvPr>
+          <p:cNvPicPr>
+            <a:picLocks noChangeAspect="1"/>
+          </p:cNvPicPr>
+          <p:nvPr/>
+        </p:nvPicPr>
+        <p:blipFill>
+          <a:blip r:embed="rId9">
+            <a:extLst>
+              <a:ext uri="{28A0092B-C50C-407E-A947-70E740481C1C}">
+                <a14:useLocalDpi xmlns:a14="http://schemas.microsoft.com/office/drawing/2010/main" val="0"/>
+              </a:ext>
+            </a:extLst>
+          </a:blip>
+          <a:stretch>
+            <a:fillRect/>
+          </a:stretch>
+        </p:blipFill>
+        <p:spPr>
+          <a:xfrm>
+            <a:off x="5395829" y="3586660"/>
+            <a:ext cx="6751708" cy="2945204"/>
+          </a:xfrm>
+          <a:prstGeom prst="rect">
+            <a:avLst/>
+          </a:prstGeom>
+        </p:spPr>
+      </p:pic>
+      <p:pic>
+        <p:nvPicPr>
+          <p:cNvPr id="21" name="Picture 20" descr="Graphical user interface, text, application&#10;&#10;Description automatically generated">
+            <a:extLst>
+              <a:ext uri="{FF2B5EF4-FFF2-40B4-BE49-F238E27FC236}">
+                <a16:creationId xmlns:a16="http://schemas.microsoft.com/office/drawing/2014/main" id="{CA815168-9E50-407A-A611-56AE06AF06AB}"/>
+              </a:ext>
+            </a:extLst>
+          </p:cNvPr>
+          <p:cNvPicPr>
+            <a:picLocks noChangeAspect="1"/>
+          </p:cNvPicPr>
+          <p:nvPr/>
+        </p:nvPicPr>
+        <p:blipFill>
+          <a:blip r:embed="rId10">
+            <a:extLst>
+              <a:ext uri="{28A0092B-C50C-407E-A947-70E740481C1C}">
+                <a14:useLocalDpi xmlns:a14="http://schemas.microsoft.com/office/drawing/2010/main" val="0"/>
+              </a:ext>
+            </a:extLst>
+          </a:blip>
+          <a:stretch>
+            <a:fillRect/>
+          </a:stretch>
+        </p:blipFill>
+        <p:spPr>
+          <a:xfrm>
+            <a:off x="6029993" y="-12226"/>
+            <a:ext cx="6117544" cy="3622304"/>
+          </a:xfrm>
+          <a:prstGeom prst="rect">
+            <a:avLst/>
+          </a:prstGeom>
+        </p:spPr>
+      </p:pic>
+      <p:pic>
+        <p:nvPicPr>
+          <p:cNvPr id="23" name="Picture 22" descr="Text&#10;&#10;Description automatically generated">
+            <a:extLst>
+              <a:ext uri="{FF2B5EF4-FFF2-40B4-BE49-F238E27FC236}">
+                <a16:creationId xmlns:a16="http://schemas.microsoft.com/office/drawing/2014/main" id="{1186EF2A-937A-4C62-9C75-58B377EE6979}"/>
+              </a:ext>
+            </a:extLst>
+          </p:cNvPr>
+          <p:cNvPicPr>
+            <a:picLocks noChangeAspect="1"/>
+          </p:cNvPicPr>
+          <p:nvPr/>
+        </p:nvPicPr>
+        <p:blipFill>
+          <a:blip r:embed="rId11">
+            <a:extLst>
+              <a:ext uri="{28A0092B-C50C-407E-A947-70E740481C1C}">
+                <a14:useLocalDpi xmlns:a14="http://schemas.microsoft.com/office/drawing/2010/main" val="0"/>
+              </a:ext>
+            </a:extLst>
+          </a:blip>
+          <a:stretch>
+            <a:fillRect/>
+          </a:stretch>
+        </p:blipFill>
+        <p:spPr>
+          <a:xfrm>
+            <a:off x="5778236" y="-79143"/>
+            <a:ext cx="6367279" cy="4182059"/>
+          </a:xfrm>
+          <a:prstGeom prst="rect">
+            <a:avLst/>
+          </a:prstGeom>
+        </p:spPr>
+      </p:pic>
+    </p:spTree>
+    <p:extLst>
+      <p:ext uri="{BB962C8B-B14F-4D97-AF65-F5344CB8AC3E}">
+        <p14:creationId xmlns:p14="http://schemas.microsoft.com/office/powerpoint/2010/main" val="2534275052"/>
+      </p:ext>
+    </p:extLst>
+  </p:cSld>
+  <p:clrMapOvr>
+    <a:masterClrMapping/>
+  </p:clrMapOvr>
+  <p:timing>
+    <p:tnLst>
+      <p:par>
+        <p:cTn id="1" dur="indefinite" restart="never" nodeType="tmRoot">
+          <p:childTnLst>
+            <p:seq concurrent="1" nextAc="seek">
+              <p:cTn id="2" dur="indefinite" nodeType="mainSeq">
+                <p:childTnLst>
+                  <p:par>
+                    <p:cTn id="3" fill="hold">
+                      <p:stCondLst>
+                        <p:cond delay="indefinite"/>
+                      </p:stCondLst>
+                      <p:childTnLst>
+                        <p:par>
+                          <p:cTn id="4" fill="hold">
+                            <p:stCondLst>
+                              <p:cond delay="0"/>
+                            </p:stCondLst>
+                            <p:childTnLst>
+                              <p:par>
+                                <p:cTn id="5" presetID="10" presetClass="entr" presetSubtype="0" fill="hold" nodeType="clickEffect">
+                                  <p:stCondLst>
+                                    <p:cond delay="0"/>
+                                  </p:stCondLst>
+                                  <p:childTnLst>
+                                    <p:set>
+                                      <p:cBhvr>
+                                        <p:cTn id="6" dur="1" fill="hold">
+                                          <p:stCondLst>
+                                            <p:cond delay="0"/>
+                                          </p:stCondLst>
+                                        </p:cTn>
+                                        <p:tgtEl>
+                                          <p:spTgt spid="3">
+                                            <p:txEl>
+                                              <p:pRg st="0" end="0"/>
+                                            </p:txEl>
+                                          </p:spTgt>
+                                        </p:tgtEl>
+                                        <p:attrNameLst>
+                                          <p:attrName>style.visibility</p:attrName>
+                                        </p:attrNameLst>
+                                      </p:cBhvr>
+                                      <p:to>
+                                        <p:strVal val="visible"/>
+                                      </p:to>
+                                    </p:set>
+                                    <p:animEffect transition="in" filter="fade">
+                                      <p:cBhvr>
+                                        <p:cTn id="7" dur="500"/>
+                                        <p:tgtEl>
+                                          <p:spTgt spid="3">
+                                            <p:txEl>
+                                              <p:pRg st="0" end="0"/>
+                                            </p:txEl>
+                                          </p:spTgt>
+                                        </p:tgtEl>
+                                      </p:cBhvr>
+                                    </p:animEffect>
+                                  </p:childTnLst>
+                                </p:cTn>
+                              </p:par>
+                              <p:par>
+                                <p:cTn id="8" presetID="2" presetClass="entr" presetSubtype="4" fill="hold" nodeType="withEffect">
+                                  <p:stCondLst>
+                                    <p:cond delay="0"/>
+                                  </p:stCondLst>
+                                  <p:childTnLst>
+                                    <p:set>
+                                      <p:cBhvr>
+                                        <p:cTn id="9" dur="1" fill="hold">
+                                          <p:stCondLst>
+                                            <p:cond delay="0"/>
+                                          </p:stCondLst>
+                                        </p:cTn>
+                                        <p:tgtEl>
+                                          <p:spTgt spid="5"/>
+                                        </p:tgtEl>
+                                        <p:attrNameLst>
+                                          <p:attrName>style.visibility</p:attrName>
+                                        </p:attrNameLst>
+                                      </p:cBhvr>
+                                      <p:to>
+                                        <p:strVal val="visible"/>
+                                      </p:to>
+                                    </p:set>
+                                    <p:anim calcmode="lin" valueType="num">
+                                      <p:cBhvr additive="base">
+                                        <p:cTn id="10" dur="500" fill="hold"/>
+                                        <p:tgtEl>
+                                          <p:spTgt spid="5"/>
+                                        </p:tgtEl>
+                                        <p:attrNameLst>
+                                          <p:attrName>ppt_x</p:attrName>
+                                        </p:attrNameLst>
+                                      </p:cBhvr>
+                                      <p:tavLst>
+                                        <p:tav tm="0">
+                                          <p:val>
+                                            <p:strVal val="#ppt_x"/>
+                                          </p:val>
+                                        </p:tav>
+                                        <p:tav tm="100000">
+                                          <p:val>
+                                            <p:strVal val="#ppt_x"/>
+                                          </p:val>
+                                        </p:tav>
+                                      </p:tavLst>
+                                    </p:anim>
+                                    <p:anim calcmode="lin" valueType="num">
+                                      <p:cBhvr additive="base">
+                                        <p:cTn id="11" dur="500" fill="hold"/>
+                                        <p:tgtEl>
+                                          <p:spTgt spid="5"/>
+                                        </p:tgtEl>
+                                        <p:attrNameLst>
+                                          <p:attrName>ppt_y</p:attrName>
+                                        </p:attrNameLst>
+                                      </p:cBhvr>
+                                      <p:tavLst>
+                                        <p:tav tm="0">
+                                          <p:val>
+                                            <p:strVal val="1+#ppt_h/2"/>
+                                          </p:val>
+                                        </p:tav>
+                                        <p:tav tm="100000">
+                                          <p:val>
+                                            <p:strVal val="#ppt_y"/>
+                                          </p:val>
+                                        </p:tav>
+                                      </p:tavLst>
+                                    </p:anim>
+                                  </p:childTnLst>
+                                </p:cTn>
+                              </p:par>
+                            </p:childTnLst>
+                          </p:cTn>
+                        </p:par>
+                      </p:childTnLst>
+                    </p:cTn>
+                  </p:par>
+                  <p:par>
+                    <p:cTn id="12" fill="hold">
+                      <p:stCondLst>
+                        <p:cond delay="indefinite"/>
+                      </p:stCondLst>
+                      <p:childTnLst>
+                        <p:par>
+                          <p:cTn id="13" fill="hold">
+                            <p:stCondLst>
+                              <p:cond delay="0"/>
+                            </p:stCondLst>
+                            <p:childTnLst>
+                              <p:par>
+                                <p:cTn id="14" presetID="10" presetClass="entr" presetSubtype="0" fill="hold" nodeType="clickEffect">
+                                  <p:stCondLst>
+                                    <p:cond delay="0"/>
+                                  </p:stCondLst>
+                                  <p:childTnLst>
+                                    <p:set>
+                                      <p:cBhvr>
+                                        <p:cTn id="15" dur="1" fill="hold">
+                                          <p:stCondLst>
+                                            <p:cond delay="0"/>
+                                          </p:stCondLst>
+                                        </p:cTn>
+                                        <p:tgtEl>
+                                          <p:spTgt spid="3">
+                                            <p:txEl>
+                                              <p:pRg st="1" end="1"/>
+                                            </p:txEl>
+                                          </p:spTgt>
+                                        </p:tgtEl>
+                                        <p:attrNameLst>
+                                          <p:attrName>style.visibility</p:attrName>
+                                        </p:attrNameLst>
+                                      </p:cBhvr>
+                                      <p:to>
+                                        <p:strVal val="visible"/>
+                                      </p:to>
+                                    </p:set>
+                                    <p:animEffect transition="in" filter="fade">
+                                      <p:cBhvr>
+                                        <p:cTn id="16" dur="500"/>
+                                        <p:tgtEl>
+                                          <p:spTgt spid="3">
+                                            <p:txEl>
+                                              <p:pRg st="1" end="1"/>
+                                            </p:txEl>
+                                          </p:spTgt>
+                                        </p:tgtEl>
+                                      </p:cBhvr>
+                                    </p:animEffect>
+                                  </p:childTnLst>
+                                </p:cTn>
+                              </p:par>
+                              <p:par>
+                                <p:cTn id="17" presetID="10" presetClass="entr" presetSubtype="0" fill="hold" nodeType="withEffect">
+                                  <p:stCondLst>
+                                    <p:cond delay="0"/>
+                                  </p:stCondLst>
+                                  <p:childTnLst>
+                                    <p:set>
+                                      <p:cBhvr>
+                                        <p:cTn id="18" dur="1" fill="hold">
+                                          <p:stCondLst>
+                                            <p:cond delay="0"/>
+                                          </p:stCondLst>
+                                        </p:cTn>
+                                        <p:tgtEl>
+                                          <p:spTgt spid="3">
+                                            <p:txEl>
+                                              <p:pRg st="2" end="2"/>
+                                            </p:txEl>
+                                          </p:spTgt>
+                                        </p:tgtEl>
+                                        <p:attrNameLst>
+                                          <p:attrName>style.visibility</p:attrName>
+                                        </p:attrNameLst>
+                                      </p:cBhvr>
+                                      <p:to>
+                                        <p:strVal val="visible"/>
+                                      </p:to>
+                                    </p:set>
+                                    <p:animEffect transition="in" filter="fade">
+                                      <p:cBhvr>
+                                        <p:cTn id="19" dur="500"/>
+                                        <p:tgtEl>
+                                          <p:spTgt spid="3">
+                                            <p:txEl>
+                                              <p:pRg st="2" end="2"/>
+                                            </p:txEl>
+                                          </p:spTgt>
+                                        </p:tgtEl>
+                                      </p:cBhvr>
+                                    </p:animEffect>
+                                  </p:childTnLst>
+                                </p:cTn>
+                              </p:par>
+                              <p:par>
+                                <p:cTn id="20" presetID="10" presetClass="entr" presetSubtype="0" fill="hold" nodeType="withEffect">
+                                  <p:stCondLst>
+                                    <p:cond delay="0"/>
+                                  </p:stCondLst>
+                                  <p:childTnLst>
+                                    <p:set>
+                                      <p:cBhvr>
+                                        <p:cTn id="21" dur="1" fill="hold">
+                                          <p:stCondLst>
+                                            <p:cond delay="0"/>
+                                          </p:stCondLst>
+                                        </p:cTn>
+                                        <p:tgtEl>
+                                          <p:spTgt spid="3">
+                                            <p:txEl>
+                                              <p:pRg st="3" end="3"/>
+                                            </p:txEl>
+                                          </p:spTgt>
+                                        </p:tgtEl>
+                                        <p:attrNameLst>
+                                          <p:attrName>style.visibility</p:attrName>
+                                        </p:attrNameLst>
+                                      </p:cBhvr>
+                                      <p:to>
+                                        <p:strVal val="visible"/>
+                                      </p:to>
+                                    </p:set>
+                                    <p:animEffect transition="in" filter="fade">
+                                      <p:cBhvr>
+                                        <p:cTn id="22" dur="500"/>
+                                        <p:tgtEl>
+                                          <p:spTgt spid="3">
+                                            <p:txEl>
+                                              <p:pRg st="3" end="3"/>
+                                            </p:txEl>
+                                          </p:spTgt>
+                                        </p:tgtEl>
+                                      </p:cBhvr>
+                                    </p:animEffect>
+                                  </p:childTnLst>
+                                </p:cTn>
+                              </p:par>
+                              <p:par>
+                                <p:cTn id="23" presetID="10" presetClass="entr" presetSubtype="0" fill="hold" nodeType="withEffect">
+                                  <p:stCondLst>
+                                    <p:cond delay="0"/>
+                                  </p:stCondLst>
+                                  <p:childTnLst>
+                                    <p:set>
+                                      <p:cBhvr>
+                                        <p:cTn id="24" dur="1" fill="hold">
+                                          <p:stCondLst>
+                                            <p:cond delay="0"/>
+                                          </p:stCondLst>
+                                        </p:cTn>
+                                        <p:tgtEl>
+                                          <p:spTgt spid="3">
+                                            <p:txEl>
+                                              <p:pRg st="4" end="4"/>
+                                            </p:txEl>
+                                          </p:spTgt>
+                                        </p:tgtEl>
+                                        <p:attrNameLst>
+                                          <p:attrName>style.visibility</p:attrName>
+                                        </p:attrNameLst>
+                                      </p:cBhvr>
+                                      <p:to>
+                                        <p:strVal val="visible"/>
+                                      </p:to>
+                                    </p:set>
+                                    <p:animEffect transition="in" filter="fade">
+                                      <p:cBhvr>
+                                        <p:cTn id="25" dur="500"/>
+                                        <p:tgtEl>
+                                          <p:spTgt spid="3">
+                                            <p:txEl>
+                                              <p:pRg st="4" end="4"/>
+                                            </p:txEl>
+                                          </p:spTgt>
+                                        </p:tgtEl>
+                                      </p:cBhvr>
+                                    </p:animEffect>
+                                  </p:childTnLst>
+                                </p:cTn>
+                              </p:par>
+                              <p:par>
+                                <p:cTn id="26" presetID="2" presetClass="entr" presetSubtype="4" fill="hold" nodeType="withEffect">
+                                  <p:stCondLst>
+                                    <p:cond delay="0"/>
+                                  </p:stCondLst>
+                                  <p:childTnLst>
+                                    <p:set>
+                                      <p:cBhvr>
+                                        <p:cTn id="27" dur="1" fill="hold">
+                                          <p:stCondLst>
+                                            <p:cond delay="0"/>
+                                          </p:stCondLst>
+                                        </p:cTn>
+                                        <p:tgtEl>
+                                          <p:spTgt spid="7"/>
+                                        </p:tgtEl>
+                                        <p:attrNameLst>
+                                          <p:attrName>style.visibility</p:attrName>
+                                        </p:attrNameLst>
+                                      </p:cBhvr>
+                                      <p:to>
+                                        <p:strVal val="visible"/>
+                                      </p:to>
+                                    </p:set>
+                                    <p:anim calcmode="lin" valueType="num">
+                                      <p:cBhvr additive="base">
+                                        <p:cTn id="28" dur="500" fill="hold"/>
+                                        <p:tgtEl>
+                                          <p:spTgt spid="7"/>
+                                        </p:tgtEl>
+                                        <p:attrNameLst>
+                                          <p:attrName>ppt_x</p:attrName>
+                                        </p:attrNameLst>
+                                      </p:cBhvr>
+                                      <p:tavLst>
+                                        <p:tav tm="0">
+                                          <p:val>
+                                            <p:strVal val="#ppt_x"/>
+                                          </p:val>
+                                        </p:tav>
+                                        <p:tav tm="100000">
+                                          <p:val>
+                                            <p:strVal val="#ppt_x"/>
+                                          </p:val>
+                                        </p:tav>
+                                      </p:tavLst>
+                                    </p:anim>
+                                    <p:anim calcmode="lin" valueType="num">
+                                      <p:cBhvr additive="base">
+                                        <p:cTn id="29" dur="500" fill="hold"/>
+                                        <p:tgtEl>
+                                          <p:spTgt spid="7"/>
+                                        </p:tgtEl>
+                                        <p:attrNameLst>
+                                          <p:attrName>ppt_y</p:attrName>
+                                        </p:attrNameLst>
+                                      </p:cBhvr>
+                                      <p:tavLst>
+                                        <p:tav tm="0">
+                                          <p:val>
+                                            <p:strVal val="1+#ppt_h/2"/>
+                                          </p:val>
+                                        </p:tav>
+                                        <p:tav tm="100000">
+                                          <p:val>
+                                            <p:strVal val="#ppt_y"/>
+                                          </p:val>
+                                        </p:tav>
+                                      </p:tavLst>
+                                    </p:anim>
+                                  </p:childTnLst>
+                                </p:cTn>
+                              </p:par>
+                              <p:par>
+                                <p:cTn id="30" presetID="10" presetClass="exit" presetSubtype="0" fill="hold" nodeType="withEffect">
+                                  <p:stCondLst>
+                                    <p:cond delay="0"/>
+                                  </p:stCondLst>
+                                  <p:childTnLst>
+                                    <p:animEffect transition="out" filter="fade">
+                                      <p:cBhvr>
+                                        <p:cTn id="31" dur="500"/>
+                                        <p:tgtEl>
+                                          <p:spTgt spid="5"/>
+                                        </p:tgtEl>
+                                      </p:cBhvr>
+                                    </p:animEffect>
+                                    <p:set>
+                                      <p:cBhvr>
+                                        <p:cTn id="32" dur="1" fill="hold">
+                                          <p:stCondLst>
+                                            <p:cond delay="499"/>
+                                          </p:stCondLst>
+                                        </p:cTn>
+                                        <p:tgtEl>
+                                          <p:spTgt spid="5"/>
+                                        </p:tgtEl>
+                                        <p:attrNameLst>
+                                          <p:attrName>style.visibility</p:attrName>
+                                        </p:attrNameLst>
+                                      </p:cBhvr>
+                                      <p:to>
+                                        <p:strVal val="hidden"/>
+                                      </p:to>
+                                    </p:set>
+                                  </p:childTnLst>
+                                </p:cTn>
+                              </p:par>
+                            </p:childTnLst>
+                          </p:cTn>
+                        </p:par>
+                      </p:childTnLst>
+                    </p:cTn>
+                  </p:par>
+                  <p:par>
+                    <p:cTn id="33" fill="hold">
+                      <p:stCondLst>
+                        <p:cond delay="indefinite"/>
+                      </p:stCondLst>
+                      <p:childTnLst>
+                        <p:par>
+                          <p:cTn id="34" fill="hold">
+                            <p:stCondLst>
+                              <p:cond delay="0"/>
+                            </p:stCondLst>
+                            <p:childTnLst>
+                              <p:par>
+                                <p:cTn id="35" presetID="10" presetClass="entr" presetSubtype="0" fill="hold" nodeType="clickEffect">
+                                  <p:stCondLst>
+                                    <p:cond delay="0"/>
+                                  </p:stCondLst>
+                                  <p:childTnLst>
+                                    <p:set>
+                                      <p:cBhvr>
+                                        <p:cTn id="36" dur="1" fill="hold">
+                                          <p:stCondLst>
+                                            <p:cond delay="0"/>
+                                          </p:stCondLst>
+                                        </p:cTn>
+                                        <p:tgtEl>
+                                          <p:spTgt spid="3">
+                                            <p:txEl>
+                                              <p:pRg st="5" end="5"/>
+                                            </p:txEl>
+                                          </p:spTgt>
+                                        </p:tgtEl>
+                                        <p:attrNameLst>
+                                          <p:attrName>style.visibility</p:attrName>
+                                        </p:attrNameLst>
+                                      </p:cBhvr>
+                                      <p:to>
+                                        <p:strVal val="visible"/>
+                                      </p:to>
+                                    </p:set>
+                                    <p:animEffect transition="in" filter="fade">
+                                      <p:cBhvr>
+                                        <p:cTn id="37" dur="500"/>
+                                        <p:tgtEl>
+                                          <p:spTgt spid="3">
+                                            <p:txEl>
+                                              <p:pRg st="5" end="5"/>
+                                            </p:txEl>
+                                          </p:spTgt>
+                                        </p:tgtEl>
+                                      </p:cBhvr>
+                                    </p:animEffect>
+                                  </p:childTnLst>
+                                </p:cTn>
+                              </p:par>
+                              <p:par>
+                                <p:cTn id="38" presetID="10" presetClass="exit" presetSubtype="0" fill="hold" nodeType="withEffect">
+                                  <p:stCondLst>
+                                    <p:cond delay="0"/>
+                                  </p:stCondLst>
+                                  <p:childTnLst>
+                                    <p:animEffect transition="out" filter="fade">
+                                      <p:cBhvr>
+                                        <p:cTn id="39" dur="500"/>
+                                        <p:tgtEl>
+                                          <p:spTgt spid="7"/>
+                                        </p:tgtEl>
+                                      </p:cBhvr>
+                                    </p:animEffect>
+                                    <p:set>
+                                      <p:cBhvr>
+                                        <p:cTn id="40" dur="1" fill="hold">
+                                          <p:stCondLst>
+                                            <p:cond delay="499"/>
+                                          </p:stCondLst>
+                                        </p:cTn>
+                                        <p:tgtEl>
+                                          <p:spTgt spid="7"/>
+                                        </p:tgtEl>
+                                        <p:attrNameLst>
+                                          <p:attrName>style.visibility</p:attrName>
+                                        </p:attrNameLst>
+                                      </p:cBhvr>
+                                      <p:to>
+                                        <p:strVal val="hidden"/>
+                                      </p:to>
+                                    </p:set>
+                                  </p:childTnLst>
+                                </p:cTn>
+                              </p:par>
+                              <p:par>
+                                <p:cTn id="41" presetID="2" presetClass="entr" presetSubtype="4" fill="hold" nodeType="withEffect">
+                                  <p:stCondLst>
+                                    <p:cond delay="0"/>
+                                  </p:stCondLst>
+                                  <p:childTnLst>
+                                    <p:set>
+                                      <p:cBhvr>
+                                        <p:cTn id="42" dur="1" fill="hold">
+                                          <p:stCondLst>
+                                            <p:cond delay="0"/>
+                                          </p:stCondLst>
+                                        </p:cTn>
+                                        <p:tgtEl>
+                                          <p:spTgt spid="9"/>
+                                        </p:tgtEl>
+                                        <p:attrNameLst>
+                                          <p:attrName>style.visibility</p:attrName>
+                                        </p:attrNameLst>
+                                      </p:cBhvr>
+                                      <p:to>
+                                        <p:strVal val="visible"/>
+                                      </p:to>
+                                    </p:set>
+                                    <p:anim calcmode="lin" valueType="num">
+                                      <p:cBhvr additive="base">
+                                        <p:cTn id="43" dur="500" fill="hold"/>
+                                        <p:tgtEl>
+                                          <p:spTgt spid="9"/>
+                                        </p:tgtEl>
+                                        <p:attrNameLst>
+                                          <p:attrName>ppt_x</p:attrName>
+                                        </p:attrNameLst>
+                                      </p:cBhvr>
+                                      <p:tavLst>
+                                        <p:tav tm="0">
+                                          <p:val>
+                                            <p:strVal val="#ppt_x"/>
+                                          </p:val>
+                                        </p:tav>
+                                        <p:tav tm="100000">
+                                          <p:val>
+                                            <p:strVal val="#ppt_x"/>
+                                          </p:val>
+                                        </p:tav>
+                                      </p:tavLst>
+                                    </p:anim>
+                                    <p:anim calcmode="lin" valueType="num">
+                                      <p:cBhvr additive="base">
+                                        <p:cTn id="44" dur="500" fill="hold"/>
+                                        <p:tgtEl>
+                                          <p:spTgt spid="9"/>
+                                        </p:tgtEl>
+                                        <p:attrNameLst>
+                                          <p:attrName>ppt_y</p:attrName>
+                                        </p:attrNameLst>
+                                      </p:cBhvr>
+                                      <p:tavLst>
+                                        <p:tav tm="0">
+                                          <p:val>
+                                            <p:strVal val="1+#ppt_h/2"/>
+                                          </p:val>
+                                        </p:tav>
+                                        <p:tav tm="100000">
+                                          <p:val>
+                                            <p:strVal val="#ppt_y"/>
+                                          </p:val>
+                                        </p:tav>
+                                      </p:tavLst>
+                                    </p:anim>
+                                  </p:childTnLst>
+                                </p:cTn>
+                              </p:par>
+                              <p:par>
+                                <p:cTn id="45" presetID="2" presetClass="entr" presetSubtype="4" fill="hold" nodeType="withEffect">
+                                  <p:stCondLst>
+                                    <p:cond delay="0"/>
+                                  </p:stCondLst>
+                                  <p:childTnLst>
+                                    <p:set>
+                                      <p:cBhvr>
+                                        <p:cTn id="46" dur="1" fill="hold">
+                                          <p:stCondLst>
+                                            <p:cond delay="0"/>
+                                          </p:stCondLst>
+                                        </p:cTn>
+                                        <p:tgtEl>
+                                          <p:spTgt spid="11"/>
+                                        </p:tgtEl>
+                                        <p:attrNameLst>
+                                          <p:attrName>style.visibility</p:attrName>
+                                        </p:attrNameLst>
+                                      </p:cBhvr>
+                                      <p:to>
+                                        <p:strVal val="visible"/>
+                                      </p:to>
+                                    </p:set>
+                                    <p:anim calcmode="lin" valueType="num">
+                                      <p:cBhvr additive="base">
+                                        <p:cTn id="47" dur="500" fill="hold"/>
+                                        <p:tgtEl>
+                                          <p:spTgt spid="11"/>
+                                        </p:tgtEl>
+                                        <p:attrNameLst>
+                                          <p:attrName>ppt_x</p:attrName>
+                                        </p:attrNameLst>
+                                      </p:cBhvr>
+                                      <p:tavLst>
+                                        <p:tav tm="0">
+                                          <p:val>
+                                            <p:strVal val="#ppt_x"/>
+                                          </p:val>
+                                        </p:tav>
+                                        <p:tav tm="100000">
+                                          <p:val>
+                                            <p:strVal val="#ppt_x"/>
+                                          </p:val>
+                                        </p:tav>
+                                      </p:tavLst>
+                                    </p:anim>
+                                    <p:anim calcmode="lin" valueType="num">
+                                      <p:cBhvr additive="base">
+                                        <p:cTn id="48" dur="500" fill="hold"/>
+                                        <p:tgtEl>
+                                          <p:spTgt spid="11"/>
+                                        </p:tgtEl>
+                                        <p:attrNameLst>
+                                          <p:attrName>ppt_y</p:attrName>
+                                        </p:attrNameLst>
+                                      </p:cBhvr>
+                                      <p:tavLst>
+                                        <p:tav tm="0">
+                                          <p:val>
+                                            <p:strVal val="1+#ppt_h/2"/>
+                                          </p:val>
+                                        </p:tav>
+                                        <p:tav tm="100000">
+                                          <p:val>
+                                            <p:strVal val="#ppt_y"/>
+                                          </p:val>
+                                        </p:tav>
+                                      </p:tavLst>
+                                    </p:anim>
+                                  </p:childTnLst>
+                                </p:cTn>
+                              </p:par>
+                            </p:childTnLst>
+                          </p:cTn>
+                        </p:par>
+                      </p:childTnLst>
+                    </p:cTn>
+                  </p:par>
+                  <p:par>
+                    <p:cTn id="49" fill="hold">
+                      <p:stCondLst>
+                        <p:cond delay="indefinite"/>
+                      </p:stCondLst>
+                      <p:childTnLst>
+                        <p:par>
+                          <p:cTn id="50" fill="hold">
+                            <p:stCondLst>
+                              <p:cond delay="0"/>
+                            </p:stCondLst>
+                            <p:childTnLst>
+                              <p:par>
+                                <p:cTn id="51" presetID="10" presetClass="entr" presetSubtype="0" fill="hold" nodeType="clickEffect">
+                                  <p:stCondLst>
+                                    <p:cond delay="0"/>
+                                  </p:stCondLst>
+                                  <p:childTnLst>
+                                    <p:set>
+                                      <p:cBhvr>
+                                        <p:cTn id="52" dur="1" fill="hold">
+                                          <p:stCondLst>
+                                            <p:cond delay="0"/>
+                                          </p:stCondLst>
+                                        </p:cTn>
+                                        <p:tgtEl>
+                                          <p:spTgt spid="3">
+                                            <p:txEl>
+                                              <p:pRg st="6" end="6"/>
+                                            </p:txEl>
+                                          </p:spTgt>
+                                        </p:tgtEl>
+                                        <p:attrNameLst>
+                                          <p:attrName>style.visibility</p:attrName>
+                                        </p:attrNameLst>
+                                      </p:cBhvr>
+                                      <p:to>
+                                        <p:strVal val="visible"/>
+                                      </p:to>
+                                    </p:set>
+                                    <p:animEffect transition="in" filter="fade">
+                                      <p:cBhvr>
+                                        <p:cTn id="53" dur="500"/>
+                                        <p:tgtEl>
+                                          <p:spTgt spid="3">
+                                            <p:txEl>
+                                              <p:pRg st="6" end="6"/>
+                                            </p:txEl>
+                                          </p:spTgt>
+                                        </p:tgtEl>
+                                      </p:cBhvr>
+                                    </p:animEffect>
+                                  </p:childTnLst>
+                                </p:cTn>
+                              </p:par>
+                              <p:par>
+                                <p:cTn id="54" presetID="10" presetClass="entr" presetSubtype="0" fill="hold" nodeType="withEffect">
+                                  <p:stCondLst>
+                                    <p:cond delay="0"/>
+                                  </p:stCondLst>
+                                  <p:childTnLst>
+                                    <p:set>
+                                      <p:cBhvr>
+                                        <p:cTn id="55" dur="1" fill="hold">
+                                          <p:stCondLst>
+                                            <p:cond delay="0"/>
+                                          </p:stCondLst>
+                                        </p:cTn>
+                                        <p:tgtEl>
+                                          <p:spTgt spid="3">
+                                            <p:txEl>
+                                              <p:pRg st="7" end="7"/>
+                                            </p:txEl>
+                                          </p:spTgt>
+                                        </p:tgtEl>
+                                        <p:attrNameLst>
+                                          <p:attrName>style.visibility</p:attrName>
+                                        </p:attrNameLst>
+                                      </p:cBhvr>
+                                      <p:to>
+                                        <p:strVal val="visible"/>
+                                      </p:to>
+                                    </p:set>
+                                    <p:animEffect transition="in" filter="fade">
+                                      <p:cBhvr>
+                                        <p:cTn id="56" dur="500"/>
+                                        <p:tgtEl>
+                                          <p:spTgt spid="3">
+                                            <p:txEl>
+                                              <p:pRg st="7" end="7"/>
+                                            </p:txEl>
+                                          </p:spTgt>
+                                        </p:tgtEl>
+                                      </p:cBhvr>
+                                    </p:animEffect>
+                                  </p:childTnLst>
+                                </p:cTn>
+                              </p:par>
+                              <p:par>
+                                <p:cTn id="57" presetID="10" presetClass="exit" presetSubtype="0" fill="hold" nodeType="withEffect">
+                                  <p:stCondLst>
+                                    <p:cond delay="0"/>
+                                  </p:stCondLst>
+                                  <p:childTnLst>
+                                    <p:animEffect transition="out" filter="fade">
+                                      <p:cBhvr>
+                                        <p:cTn id="58" dur="500"/>
+                                        <p:tgtEl>
+                                          <p:spTgt spid="9"/>
+                                        </p:tgtEl>
+                                      </p:cBhvr>
+                                    </p:animEffect>
+                                    <p:set>
+                                      <p:cBhvr>
+                                        <p:cTn id="59" dur="1" fill="hold">
+                                          <p:stCondLst>
+                                            <p:cond delay="499"/>
+                                          </p:stCondLst>
+                                        </p:cTn>
+                                        <p:tgtEl>
+                                          <p:spTgt spid="9"/>
+                                        </p:tgtEl>
+                                        <p:attrNameLst>
+                                          <p:attrName>style.visibility</p:attrName>
+                                        </p:attrNameLst>
+                                      </p:cBhvr>
+                                      <p:to>
+                                        <p:strVal val="hidden"/>
+                                      </p:to>
+                                    </p:set>
+                                  </p:childTnLst>
+                                </p:cTn>
+                              </p:par>
+                              <p:par>
+                                <p:cTn id="60" presetID="10" presetClass="exit" presetSubtype="0" fill="hold" nodeType="withEffect">
+                                  <p:stCondLst>
+                                    <p:cond delay="0"/>
+                                  </p:stCondLst>
+                                  <p:childTnLst>
+                                    <p:animEffect transition="out" filter="fade">
+                                      <p:cBhvr>
+                                        <p:cTn id="61" dur="500"/>
+                                        <p:tgtEl>
+                                          <p:spTgt spid="11"/>
+                                        </p:tgtEl>
+                                      </p:cBhvr>
+                                    </p:animEffect>
+                                    <p:set>
+                                      <p:cBhvr>
+                                        <p:cTn id="62" dur="1" fill="hold">
+                                          <p:stCondLst>
+                                            <p:cond delay="499"/>
+                                          </p:stCondLst>
+                                        </p:cTn>
+                                        <p:tgtEl>
+                                          <p:spTgt spid="11"/>
+                                        </p:tgtEl>
+                                        <p:attrNameLst>
+                                          <p:attrName>style.visibility</p:attrName>
+                                        </p:attrNameLst>
+                                      </p:cBhvr>
+                                      <p:to>
+                                        <p:strVal val="hidden"/>
+                                      </p:to>
+                                    </p:set>
+                                  </p:childTnLst>
+                                </p:cTn>
+                              </p:par>
+                              <p:par>
+                                <p:cTn id="63" presetID="42" presetClass="entr" presetSubtype="0" fill="hold" nodeType="withEffect">
+                                  <p:stCondLst>
+                                    <p:cond delay="0"/>
+                                  </p:stCondLst>
+                                  <p:childTnLst>
+                                    <p:set>
+                                      <p:cBhvr>
+                                        <p:cTn id="64" dur="1" fill="hold">
+                                          <p:stCondLst>
+                                            <p:cond delay="0"/>
+                                          </p:stCondLst>
+                                        </p:cTn>
+                                        <p:tgtEl>
+                                          <p:spTgt spid="13"/>
+                                        </p:tgtEl>
+                                        <p:attrNameLst>
+                                          <p:attrName>style.visibility</p:attrName>
+                                        </p:attrNameLst>
+                                      </p:cBhvr>
+                                      <p:to>
+                                        <p:strVal val="visible"/>
+                                      </p:to>
+                                    </p:set>
+                                    <p:animEffect transition="in" filter="fade">
+                                      <p:cBhvr>
+                                        <p:cTn id="65" dur="1000"/>
+                                        <p:tgtEl>
+                                          <p:spTgt spid="13"/>
+                                        </p:tgtEl>
+                                      </p:cBhvr>
+                                    </p:animEffect>
+                                    <p:anim calcmode="lin" valueType="num">
+                                      <p:cBhvr>
+                                        <p:cTn id="66" dur="1000" fill="hold"/>
+                                        <p:tgtEl>
+                                          <p:spTgt spid="13"/>
+                                        </p:tgtEl>
+                                        <p:attrNameLst>
+                                          <p:attrName>ppt_x</p:attrName>
+                                        </p:attrNameLst>
+                                      </p:cBhvr>
+                                      <p:tavLst>
+                                        <p:tav tm="0">
+                                          <p:val>
+                                            <p:strVal val="#ppt_x"/>
+                                          </p:val>
+                                        </p:tav>
+                                        <p:tav tm="100000">
+                                          <p:val>
+                                            <p:strVal val="#ppt_x"/>
+                                          </p:val>
+                                        </p:tav>
+                                      </p:tavLst>
+                                    </p:anim>
+                                    <p:anim calcmode="lin" valueType="num">
+                                      <p:cBhvr>
+                                        <p:cTn id="67" dur="1000" fill="hold"/>
+                                        <p:tgtEl>
+                                          <p:spTgt spid="13"/>
+                                        </p:tgtEl>
+                                        <p:attrNameLst>
+                                          <p:attrName>ppt_y</p:attrName>
+                                        </p:attrNameLst>
+                                      </p:cBhvr>
+                                      <p:tavLst>
+                                        <p:tav tm="0">
+                                          <p:val>
+                                            <p:strVal val="#ppt_y+.1"/>
+                                          </p:val>
+                                        </p:tav>
+                                        <p:tav tm="100000">
+                                          <p:val>
+                                            <p:strVal val="#ppt_y"/>
+                                          </p:val>
+                                        </p:tav>
+                                      </p:tavLst>
+                                    </p:anim>
+                                  </p:childTnLst>
+                                </p:cTn>
+                              </p:par>
+                              <p:par>
+                                <p:cTn id="68" presetID="42" presetClass="entr" presetSubtype="0" fill="hold" nodeType="withEffect">
+                                  <p:stCondLst>
+                                    <p:cond delay="0"/>
+                                  </p:stCondLst>
+                                  <p:childTnLst>
+                                    <p:set>
+                                      <p:cBhvr>
+                                        <p:cTn id="69" dur="1" fill="hold">
+                                          <p:stCondLst>
+                                            <p:cond delay="0"/>
+                                          </p:stCondLst>
+                                        </p:cTn>
+                                        <p:tgtEl>
+                                          <p:spTgt spid="15"/>
+                                        </p:tgtEl>
+                                        <p:attrNameLst>
+                                          <p:attrName>style.visibility</p:attrName>
+                                        </p:attrNameLst>
+                                      </p:cBhvr>
+                                      <p:to>
+                                        <p:strVal val="visible"/>
+                                      </p:to>
+                                    </p:set>
+                                    <p:animEffect transition="in" filter="fade">
+                                      <p:cBhvr>
+                                        <p:cTn id="70" dur="1000"/>
+                                        <p:tgtEl>
+                                          <p:spTgt spid="15"/>
+                                        </p:tgtEl>
+                                      </p:cBhvr>
+                                    </p:animEffect>
+                                    <p:anim calcmode="lin" valueType="num">
+                                      <p:cBhvr>
+                                        <p:cTn id="71" dur="1000" fill="hold"/>
+                                        <p:tgtEl>
+                                          <p:spTgt spid="15"/>
+                                        </p:tgtEl>
+                                        <p:attrNameLst>
+                                          <p:attrName>ppt_x</p:attrName>
+                                        </p:attrNameLst>
+                                      </p:cBhvr>
+                                      <p:tavLst>
+                                        <p:tav tm="0">
+                                          <p:val>
+                                            <p:strVal val="#ppt_x"/>
+                                          </p:val>
+                                        </p:tav>
+                                        <p:tav tm="100000">
+                                          <p:val>
+                                            <p:strVal val="#ppt_x"/>
+                                          </p:val>
+                                        </p:tav>
+                                      </p:tavLst>
+                                    </p:anim>
+                                    <p:anim calcmode="lin" valueType="num">
+                                      <p:cBhvr>
+                                        <p:cTn id="72" dur="1000" fill="hold"/>
+                                        <p:tgtEl>
+                                          <p:spTgt spid="15"/>
+                                        </p:tgtEl>
+                                        <p:attrNameLst>
+                                          <p:attrName>ppt_y</p:attrName>
+                                        </p:attrNameLst>
+                                      </p:cBhvr>
+                                      <p:tavLst>
+                                        <p:tav tm="0">
+                                          <p:val>
+                                            <p:strVal val="#ppt_y+.1"/>
+                                          </p:val>
+                                        </p:tav>
+                                        <p:tav tm="100000">
+                                          <p:val>
+                                            <p:strVal val="#ppt_y"/>
+                                          </p:val>
+                                        </p:tav>
+                                      </p:tavLst>
+                                    </p:anim>
+                                  </p:childTnLst>
+                                </p:cTn>
+                              </p:par>
+                            </p:childTnLst>
+                          </p:cTn>
+                        </p:par>
+                      </p:childTnLst>
+                    </p:cTn>
+                  </p:par>
+                  <p:par>
+                    <p:cTn id="73" fill="hold">
+                      <p:stCondLst>
+                        <p:cond delay="indefinite"/>
+                      </p:stCondLst>
+                      <p:childTnLst>
+                        <p:par>
+                          <p:cTn id="74" fill="hold">
+                            <p:stCondLst>
+                              <p:cond delay="0"/>
+                            </p:stCondLst>
+                            <p:childTnLst>
+                              <p:par>
+                                <p:cTn id="75" presetID="10" presetClass="entr" presetSubtype="0" fill="hold" nodeType="clickEffect">
+                                  <p:stCondLst>
+                                    <p:cond delay="0"/>
+                                  </p:stCondLst>
+                                  <p:childTnLst>
+                                    <p:set>
+                                      <p:cBhvr>
+                                        <p:cTn id="76" dur="1" fill="hold">
+                                          <p:stCondLst>
+                                            <p:cond delay="0"/>
+                                          </p:stCondLst>
+                                        </p:cTn>
+                                        <p:tgtEl>
+                                          <p:spTgt spid="3">
+                                            <p:txEl>
+                                              <p:pRg st="8" end="8"/>
+                                            </p:txEl>
+                                          </p:spTgt>
+                                        </p:tgtEl>
+                                        <p:attrNameLst>
+                                          <p:attrName>style.visibility</p:attrName>
+                                        </p:attrNameLst>
+                                      </p:cBhvr>
+                                      <p:to>
+                                        <p:strVal val="visible"/>
+                                      </p:to>
+                                    </p:set>
+                                    <p:animEffect transition="in" filter="fade">
+                                      <p:cBhvr>
+                                        <p:cTn id="77" dur="500"/>
+                                        <p:tgtEl>
+                                          <p:spTgt spid="3">
+                                            <p:txEl>
+                                              <p:pRg st="8" end="8"/>
+                                            </p:txEl>
+                                          </p:spTgt>
+                                        </p:tgtEl>
+                                      </p:cBhvr>
+                                    </p:animEffect>
+                                  </p:childTnLst>
+                                </p:cTn>
+                              </p:par>
+                              <p:par>
+                                <p:cTn id="78" presetID="10" presetClass="exit" presetSubtype="0" fill="hold" nodeType="withEffect">
+                                  <p:stCondLst>
+                                    <p:cond delay="0"/>
+                                  </p:stCondLst>
+                                  <p:childTnLst>
+                                    <p:animEffect transition="out" filter="fade">
+                                      <p:cBhvr>
+                                        <p:cTn id="79" dur="500"/>
+                                        <p:tgtEl>
+                                          <p:spTgt spid="13"/>
+                                        </p:tgtEl>
+                                      </p:cBhvr>
+                                    </p:animEffect>
+                                    <p:set>
+                                      <p:cBhvr>
+                                        <p:cTn id="80" dur="1" fill="hold">
+                                          <p:stCondLst>
+                                            <p:cond delay="499"/>
+                                          </p:stCondLst>
+                                        </p:cTn>
+                                        <p:tgtEl>
+                                          <p:spTgt spid="13"/>
+                                        </p:tgtEl>
+                                        <p:attrNameLst>
+                                          <p:attrName>style.visibility</p:attrName>
+                                        </p:attrNameLst>
+                                      </p:cBhvr>
+                                      <p:to>
+                                        <p:strVal val="hidden"/>
+                                      </p:to>
+                                    </p:set>
+                                  </p:childTnLst>
+                                </p:cTn>
+                              </p:par>
+                              <p:par>
+                                <p:cTn id="81" presetID="10" presetClass="exit" presetSubtype="0" fill="hold" nodeType="withEffect">
+                                  <p:stCondLst>
+                                    <p:cond delay="0"/>
+                                  </p:stCondLst>
+                                  <p:childTnLst>
+                                    <p:animEffect transition="out" filter="fade">
+                                      <p:cBhvr>
+                                        <p:cTn id="82" dur="500"/>
+                                        <p:tgtEl>
+                                          <p:spTgt spid="15"/>
+                                        </p:tgtEl>
+                                      </p:cBhvr>
+                                    </p:animEffect>
+                                    <p:set>
+                                      <p:cBhvr>
+                                        <p:cTn id="83" dur="1" fill="hold">
+                                          <p:stCondLst>
+                                            <p:cond delay="499"/>
+                                          </p:stCondLst>
+                                        </p:cTn>
+                                        <p:tgtEl>
+                                          <p:spTgt spid="15"/>
+                                        </p:tgtEl>
+                                        <p:attrNameLst>
+                                          <p:attrName>style.visibility</p:attrName>
+                                        </p:attrNameLst>
+                                      </p:cBhvr>
+                                      <p:to>
+                                        <p:strVal val="hidden"/>
+                                      </p:to>
+                                    </p:set>
+                                  </p:childTnLst>
+                                </p:cTn>
+                              </p:par>
+                              <p:par>
+                                <p:cTn id="84" presetID="2" presetClass="entr" presetSubtype="4" fill="hold" nodeType="withEffect">
+                                  <p:stCondLst>
+                                    <p:cond delay="0"/>
+                                  </p:stCondLst>
+                                  <p:childTnLst>
+                                    <p:set>
+                                      <p:cBhvr>
+                                        <p:cTn id="85" dur="1" fill="hold">
+                                          <p:stCondLst>
+                                            <p:cond delay="0"/>
+                                          </p:stCondLst>
+                                        </p:cTn>
+                                        <p:tgtEl>
+                                          <p:spTgt spid="17"/>
+                                        </p:tgtEl>
+                                        <p:attrNameLst>
+                                          <p:attrName>style.visibility</p:attrName>
+                                        </p:attrNameLst>
+                                      </p:cBhvr>
+                                      <p:to>
+                                        <p:strVal val="visible"/>
+                                      </p:to>
+                                    </p:set>
+                                    <p:anim calcmode="lin" valueType="num">
+                                      <p:cBhvr additive="base">
+                                        <p:cTn id="86" dur="500" fill="hold"/>
+                                        <p:tgtEl>
+                                          <p:spTgt spid="17"/>
+                                        </p:tgtEl>
+                                        <p:attrNameLst>
+                                          <p:attrName>ppt_x</p:attrName>
+                                        </p:attrNameLst>
+                                      </p:cBhvr>
+                                      <p:tavLst>
+                                        <p:tav tm="0">
+                                          <p:val>
+                                            <p:strVal val="#ppt_x"/>
+                                          </p:val>
+                                        </p:tav>
+                                        <p:tav tm="100000">
+                                          <p:val>
+                                            <p:strVal val="#ppt_x"/>
+                                          </p:val>
+                                        </p:tav>
+                                      </p:tavLst>
+                                    </p:anim>
+                                    <p:anim calcmode="lin" valueType="num">
+                                      <p:cBhvr additive="base">
+                                        <p:cTn id="87" dur="500" fill="hold"/>
+                                        <p:tgtEl>
+                                          <p:spTgt spid="17"/>
+                                        </p:tgtEl>
+                                        <p:attrNameLst>
+                                          <p:attrName>ppt_y</p:attrName>
+                                        </p:attrNameLst>
+                                      </p:cBhvr>
+                                      <p:tavLst>
+                                        <p:tav tm="0">
+                                          <p:val>
+                                            <p:strVal val="1+#ppt_h/2"/>
+                                          </p:val>
+                                        </p:tav>
+                                        <p:tav tm="100000">
+                                          <p:val>
+                                            <p:strVal val="#ppt_y"/>
+                                          </p:val>
+                                        </p:tav>
+                                      </p:tavLst>
+                                    </p:anim>
+                                  </p:childTnLst>
+                                </p:cTn>
+                              </p:par>
+                            </p:childTnLst>
+                          </p:cTn>
+                        </p:par>
+                      </p:childTnLst>
+                    </p:cTn>
+                  </p:par>
+                  <p:par>
+                    <p:cTn id="88" fill="hold">
+                      <p:stCondLst>
+                        <p:cond delay="indefinite"/>
+                      </p:stCondLst>
+                      <p:childTnLst>
+                        <p:par>
+                          <p:cTn id="89" fill="hold">
+                            <p:stCondLst>
+                              <p:cond delay="0"/>
+                            </p:stCondLst>
+                            <p:childTnLst>
+                              <p:par>
+                                <p:cTn id="90" presetID="10" presetClass="entr" presetSubtype="0" fill="hold" nodeType="clickEffect">
+                                  <p:stCondLst>
+                                    <p:cond delay="0"/>
+                                  </p:stCondLst>
+                                  <p:childTnLst>
+                                    <p:set>
+                                      <p:cBhvr>
+                                        <p:cTn id="91" dur="1" fill="hold">
+                                          <p:stCondLst>
+                                            <p:cond delay="0"/>
+                                          </p:stCondLst>
+                                        </p:cTn>
+                                        <p:tgtEl>
+                                          <p:spTgt spid="3">
+                                            <p:txEl>
+                                              <p:pRg st="9" end="9"/>
+                                            </p:txEl>
+                                          </p:spTgt>
+                                        </p:tgtEl>
+                                        <p:attrNameLst>
+                                          <p:attrName>style.visibility</p:attrName>
+                                        </p:attrNameLst>
+                                      </p:cBhvr>
+                                      <p:to>
+                                        <p:strVal val="visible"/>
+                                      </p:to>
+                                    </p:set>
+                                    <p:animEffect transition="in" filter="fade">
+                                      <p:cBhvr>
+                                        <p:cTn id="92" dur="500"/>
+                                        <p:tgtEl>
+                                          <p:spTgt spid="3">
+                                            <p:txEl>
+                                              <p:pRg st="9" end="9"/>
+                                            </p:txEl>
+                                          </p:spTgt>
+                                        </p:tgtEl>
+                                      </p:cBhvr>
+                                    </p:animEffect>
+                                  </p:childTnLst>
+                                </p:cTn>
+                              </p:par>
+                              <p:par>
+                                <p:cTn id="93" presetID="2" presetClass="entr" presetSubtype="4" fill="hold" nodeType="withEffect">
+                                  <p:stCondLst>
+                                    <p:cond delay="0"/>
+                                  </p:stCondLst>
+                                  <p:childTnLst>
+                                    <p:set>
+                                      <p:cBhvr>
+                                        <p:cTn id="94" dur="1" fill="hold">
+                                          <p:stCondLst>
+                                            <p:cond delay="0"/>
+                                          </p:stCondLst>
+                                        </p:cTn>
+                                        <p:tgtEl>
+                                          <p:spTgt spid="19"/>
+                                        </p:tgtEl>
+                                        <p:attrNameLst>
+                                          <p:attrName>style.visibility</p:attrName>
+                                        </p:attrNameLst>
+                                      </p:cBhvr>
+                                      <p:to>
+                                        <p:strVal val="visible"/>
+                                      </p:to>
+                                    </p:set>
+                                    <p:anim calcmode="lin" valueType="num">
+                                      <p:cBhvr additive="base">
+                                        <p:cTn id="95" dur="500" fill="hold"/>
+                                        <p:tgtEl>
+                                          <p:spTgt spid="19"/>
+                                        </p:tgtEl>
+                                        <p:attrNameLst>
+                                          <p:attrName>ppt_x</p:attrName>
+                                        </p:attrNameLst>
+                                      </p:cBhvr>
+                                      <p:tavLst>
+                                        <p:tav tm="0">
+                                          <p:val>
+                                            <p:strVal val="#ppt_x"/>
+                                          </p:val>
+                                        </p:tav>
+                                        <p:tav tm="100000">
+                                          <p:val>
+                                            <p:strVal val="#ppt_x"/>
+                                          </p:val>
+                                        </p:tav>
+                                      </p:tavLst>
+                                    </p:anim>
+                                    <p:anim calcmode="lin" valueType="num">
+                                      <p:cBhvr additive="base">
+                                        <p:cTn id="96" dur="500" fill="hold"/>
+                                        <p:tgtEl>
+                                          <p:spTgt spid="19"/>
+                                        </p:tgtEl>
+                                        <p:attrNameLst>
+                                          <p:attrName>ppt_y</p:attrName>
+                                        </p:attrNameLst>
+                                      </p:cBhvr>
+                                      <p:tavLst>
+                                        <p:tav tm="0">
+                                          <p:val>
+                                            <p:strVal val="1+#ppt_h/2"/>
+                                          </p:val>
+                                        </p:tav>
+                                        <p:tav tm="100000">
+                                          <p:val>
+                                            <p:strVal val="#ppt_y"/>
+                                          </p:val>
+                                        </p:tav>
+                                      </p:tavLst>
+                                    </p:anim>
+                                  </p:childTnLst>
+                                </p:cTn>
+                              </p:par>
+                            </p:childTnLst>
+                          </p:cTn>
+                        </p:par>
+                      </p:childTnLst>
+                    </p:cTn>
+                  </p:par>
+                  <p:par>
+                    <p:cTn id="97" fill="hold">
+                      <p:stCondLst>
+                        <p:cond delay="indefinite"/>
+                      </p:stCondLst>
+                      <p:childTnLst>
+                        <p:par>
+                          <p:cTn id="98" fill="hold">
+                            <p:stCondLst>
+                              <p:cond delay="0"/>
+                            </p:stCondLst>
+                            <p:childTnLst>
+                              <p:par>
+                                <p:cTn id="99" presetID="10" presetClass="entr" presetSubtype="0" fill="hold" nodeType="clickEffect">
+                                  <p:stCondLst>
+                                    <p:cond delay="0"/>
+                                  </p:stCondLst>
+                                  <p:childTnLst>
+                                    <p:set>
+                                      <p:cBhvr>
+                                        <p:cTn id="100" dur="1" fill="hold">
+                                          <p:stCondLst>
+                                            <p:cond delay="0"/>
+                                          </p:stCondLst>
+                                        </p:cTn>
+                                        <p:tgtEl>
+                                          <p:spTgt spid="3">
+                                            <p:txEl>
+                                              <p:pRg st="10" end="10"/>
+                                            </p:txEl>
+                                          </p:spTgt>
+                                        </p:tgtEl>
+                                        <p:attrNameLst>
+                                          <p:attrName>style.visibility</p:attrName>
+                                        </p:attrNameLst>
+                                      </p:cBhvr>
+                                      <p:to>
+                                        <p:strVal val="visible"/>
+                                      </p:to>
+                                    </p:set>
+                                    <p:animEffect transition="in" filter="fade">
+                                      <p:cBhvr>
+                                        <p:cTn id="101" dur="500"/>
+                                        <p:tgtEl>
+                                          <p:spTgt spid="3">
+                                            <p:txEl>
+                                              <p:pRg st="10" end="10"/>
+                                            </p:txEl>
+                                          </p:spTgt>
+                                        </p:tgtEl>
+                                      </p:cBhvr>
+                                    </p:animEffect>
+                                  </p:childTnLst>
+                                </p:cTn>
+                              </p:par>
+                              <p:par>
+                                <p:cTn id="102" presetID="10" presetClass="exit" presetSubtype="0" fill="hold" nodeType="withEffect">
+                                  <p:stCondLst>
+                                    <p:cond delay="0"/>
+                                  </p:stCondLst>
+                                  <p:childTnLst>
+                                    <p:animEffect transition="out" filter="fade">
+                                      <p:cBhvr>
+                                        <p:cTn id="103" dur="500"/>
+                                        <p:tgtEl>
+                                          <p:spTgt spid="17"/>
+                                        </p:tgtEl>
+                                      </p:cBhvr>
+                                    </p:animEffect>
+                                    <p:set>
+                                      <p:cBhvr>
+                                        <p:cTn id="104" dur="1" fill="hold">
+                                          <p:stCondLst>
+                                            <p:cond delay="499"/>
+                                          </p:stCondLst>
+                                        </p:cTn>
+                                        <p:tgtEl>
+                                          <p:spTgt spid="17"/>
+                                        </p:tgtEl>
+                                        <p:attrNameLst>
+                                          <p:attrName>style.visibility</p:attrName>
+                                        </p:attrNameLst>
+                                      </p:cBhvr>
+                                      <p:to>
+                                        <p:strVal val="hidden"/>
+                                      </p:to>
+                                    </p:set>
+                                  </p:childTnLst>
+                                </p:cTn>
+                              </p:par>
+                              <p:par>
+                                <p:cTn id="105" presetID="10" presetClass="exit" presetSubtype="0" fill="hold" nodeType="withEffect">
+                                  <p:stCondLst>
+                                    <p:cond delay="0"/>
+                                  </p:stCondLst>
+                                  <p:childTnLst>
+                                    <p:animEffect transition="out" filter="fade">
+                                      <p:cBhvr>
+                                        <p:cTn id="106" dur="500"/>
+                                        <p:tgtEl>
+                                          <p:spTgt spid="19"/>
+                                        </p:tgtEl>
+                                      </p:cBhvr>
+                                    </p:animEffect>
+                                    <p:set>
+                                      <p:cBhvr>
+                                        <p:cTn id="107" dur="1" fill="hold">
+                                          <p:stCondLst>
+                                            <p:cond delay="499"/>
+                                          </p:stCondLst>
+                                        </p:cTn>
+                                        <p:tgtEl>
+                                          <p:spTgt spid="19"/>
+                                        </p:tgtEl>
+                                        <p:attrNameLst>
+                                          <p:attrName>style.visibility</p:attrName>
+                                        </p:attrNameLst>
+                                      </p:cBhvr>
+                                      <p:to>
+                                        <p:strVal val="hidden"/>
+                                      </p:to>
+                                    </p:set>
+                                  </p:childTnLst>
+                                </p:cTn>
+                              </p:par>
+                              <p:par>
+                                <p:cTn id="108" presetID="2" presetClass="entr" presetSubtype="4" fill="hold" nodeType="withEffect">
+                                  <p:stCondLst>
+                                    <p:cond delay="0"/>
+                                  </p:stCondLst>
+                                  <p:childTnLst>
+                                    <p:set>
+                                      <p:cBhvr>
+                                        <p:cTn id="109" dur="1" fill="hold">
+                                          <p:stCondLst>
+                                            <p:cond delay="0"/>
+                                          </p:stCondLst>
+                                        </p:cTn>
+                                        <p:tgtEl>
+                                          <p:spTgt spid="21"/>
+                                        </p:tgtEl>
+                                        <p:attrNameLst>
+                                          <p:attrName>style.visibility</p:attrName>
+                                        </p:attrNameLst>
+                                      </p:cBhvr>
+                                      <p:to>
+                                        <p:strVal val="visible"/>
+                                      </p:to>
+                                    </p:set>
+                                    <p:anim calcmode="lin" valueType="num">
+                                      <p:cBhvr additive="base">
+                                        <p:cTn id="110" dur="500" fill="hold"/>
+                                        <p:tgtEl>
+                                          <p:spTgt spid="21"/>
+                                        </p:tgtEl>
+                                        <p:attrNameLst>
+                                          <p:attrName>ppt_x</p:attrName>
+                                        </p:attrNameLst>
+                                      </p:cBhvr>
+                                      <p:tavLst>
+                                        <p:tav tm="0">
+                                          <p:val>
+                                            <p:strVal val="#ppt_x"/>
+                                          </p:val>
+                                        </p:tav>
+                                        <p:tav tm="100000">
+                                          <p:val>
+                                            <p:strVal val="#ppt_x"/>
+                                          </p:val>
+                                        </p:tav>
+                                      </p:tavLst>
+                                    </p:anim>
+                                    <p:anim calcmode="lin" valueType="num">
+                                      <p:cBhvr additive="base">
+                                        <p:cTn id="111" dur="500" fill="hold"/>
+                                        <p:tgtEl>
+                                          <p:spTgt spid="21"/>
+                                        </p:tgtEl>
+                                        <p:attrNameLst>
+                                          <p:attrName>ppt_y</p:attrName>
+                                        </p:attrNameLst>
+                                      </p:cBhvr>
+                                      <p:tavLst>
+                                        <p:tav tm="0">
+                                          <p:val>
+                                            <p:strVal val="1+#ppt_h/2"/>
+                                          </p:val>
+                                        </p:tav>
+                                        <p:tav tm="100000">
+                                          <p:val>
+                                            <p:strVal val="#ppt_y"/>
+                                          </p:val>
+                                        </p:tav>
+                                      </p:tavLst>
+                                    </p:anim>
+                                  </p:childTnLst>
+                                </p:cTn>
+                              </p:par>
+                            </p:childTnLst>
+                          </p:cTn>
+                        </p:par>
+                      </p:childTnLst>
+                    </p:cTn>
+                  </p:par>
+                  <p:par>
+                    <p:cTn id="112" fill="hold">
+                      <p:stCondLst>
+                        <p:cond delay="indefinite"/>
+                      </p:stCondLst>
+                      <p:childTnLst>
+                        <p:par>
+                          <p:cTn id="113" fill="hold">
+                            <p:stCondLst>
+                              <p:cond delay="0"/>
+                            </p:stCondLst>
+                            <p:childTnLst>
+                              <p:par>
+                                <p:cTn id="114" presetID="10" presetClass="entr" presetSubtype="0" fill="hold" nodeType="clickEffect">
+                                  <p:stCondLst>
+                                    <p:cond delay="0"/>
+                                  </p:stCondLst>
+                                  <p:childTnLst>
+                                    <p:set>
+                                      <p:cBhvr>
+                                        <p:cTn id="115" dur="1" fill="hold">
+                                          <p:stCondLst>
+                                            <p:cond delay="0"/>
+                                          </p:stCondLst>
+                                        </p:cTn>
+                                        <p:tgtEl>
+                                          <p:spTgt spid="3">
+                                            <p:txEl>
+                                              <p:pRg st="11" end="11"/>
+                                            </p:txEl>
+                                          </p:spTgt>
+                                        </p:tgtEl>
+                                        <p:attrNameLst>
+                                          <p:attrName>style.visibility</p:attrName>
+                                        </p:attrNameLst>
+                                      </p:cBhvr>
+                                      <p:to>
+                                        <p:strVal val="visible"/>
+                                      </p:to>
+                                    </p:set>
+                                    <p:animEffect transition="in" filter="fade">
+                                      <p:cBhvr>
+                                        <p:cTn id="116" dur="500"/>
+                                        <p:tgtEl>
+                                          <p:spTgt spid="3">
+                                            <p:txEl>
+                                              <p:pRg st="11" end="11"/>
+                                            </p:txEl>
+                                          </p:spTgt>
+                                        </p:tgtEl>
+                                      </p:cBhvr>
+                                    </p:animEffect>
+                                  </p:childTnLst>
+                                </p:cTn>
+                              </p:par>
+                              <p:par>
+                                <p:cTn id="117" presetID="10" presetClass="exit" presetSubtype="0" fill="hold" nodeType="withEffect">
+                                  <p:stCondLst>
+                                    <p:cond delay="0"/>
+                                  </p:stCondLst>
+                                  <p:childTnLst>
+                                    <p:animEffect transition="out" filter="fade">
+                                      <p:cBhvr>
+                                        <p:cTn id="118" dur="500"/>
+                                        <p:tgtEl>
+                                          <p:spTgt spid="21"/>
+                                        </p:tgtEl>
+                                      </p:cBhvr>
+                                    </p:animEffect>
+                                    <p:set>
+                                      <p:cBhvr>
+                                        <p:cTn id="119" dur="1" fill="hold">
+                                          <p:stCondLst>
+                                            <p:cond delay="499"/>
+                                          </p:stCondLst>
+                                        </p:cTn>
+                                        <p:tgtEl>
+                                          <p:spTgt spid="21"/>
+                                        </p:tgtEl>
+                                        <p:attrNameLst>
+                                          <p:attrName>style.visibility</p:attrName>
+                                        </p:attrNameLst>
+                                      </p:cBhvr>
+                                      <p:to>
+                                        <p:strVal val="hidden"/>
+                                      </p:to>
+                                    </p:set>
+                                  </p:childTnLst>
+                                </p:cTn>
+                              </p:par>
+                              <p:par>
+                                <p:cTn id="120" presetID="2" presetClass="entr" presetSubtype="4" fill="hold" nodeType="withEffect">
+                                  <p:stCondLst>
+                                    <p:cond delay="0"/>
+                                  </p:stCondLst>
+                                  <p:childTnLst>
+                                    <p:set>
+                                      <p:cBhvr>
+                                        <p:cTn id="121" dur="1" fill="hold">
+                                          <p:stCondLst>
+                                            <p:cond delay="0"/>
+                                          </p:stCondLst>
+                                        </p:cTn>
+                                        <p:tgtEl>
+                                          <p:spTgt spid="23"/>
+                                        </p:tgtEl>
+                                        <p:attrNameLst>
+                                          <p:attrName>style.visibility</p:attrName>
+                                        </p:attrNameLst>
+                                      </p:cBhvr>
+                                      <p:to>
+                                        <p:strVal val="visible"/>
+                                      </p:to>
+                                    </p:set>
+                                    <p:anim calcmode="lin" valueType="num">
+                                      <p:cBhvr additive="base">
+                                        <p:cTn id="122" dur="500" fill="hold"/>
+                                        <p:tgtEl>
+                                          <p:spTgt spid="23"/>
+                                        </p:tgtEl>
+                                        <p:attrNameLst>
+                                          <p:attrName>ppt_x</p:attrName>
+                                        </p:attrNameLst>
+                                      </p:cBhvr>
+                                      <p:tavLst>
+                                        <p:tav tm="0">
+                                          <p:val>
+                                            <p:strVal val="#ppt_x"/>
+                                          </p:val>
+                                        </p:tav>
+                                        <p:tav tm="100000">
+                                          <p:val>
+                                            <p:strVal val="#ppt_x"/>
+                                          </p:val>
+                                        </p:tav>
+                                      </p:tavLst>
+                                    </p:anim>
+                                    <p:anim calcmode="lin" valueType="num">
+                                      <p:cBhvr additive="base">
+                                        <p:cTn id="123" dur="500" fill="hold"/>
+                                        <p:tgtEl>
+                                          <p:spTgt spid="23"/>
+                                        </p:tgtEl>
+                                        <p:attrNameLst>
+                                          <p:attrName>ppt_y</p:attrName>
+                                        </p:attrNameLst>
+                                      </p:cBhvr>
+                                      <p:tavLst>
+                                        <p:tav tm="0">
+                                          <p:val>
+                                            <p:strVal val="1+#ppt_h/2"/>
+                                          </p:val>
+                                        </p:tav>
+                                        <p:tav tm="100000">
+                                          <p:val>
+                                            <p:strVal val="#ppt_y"/>
+                                          </p:val>
+                                        </p:tav>
+                                      </p:tavLst>
+                                    </p:anim>
+                                  </p:childTnLst>
+                                </p:cTn>
+                              </p:par>
+                            </p:childTnLst>
+                          </p:cTn>
+                        </p:par>
+                      </p:childTnLst>
+                    </p:cTn>
+                  </p:par>
+                </p:childTnLst>
+              </p:cTn>
+              <p:prevCondLst>
+                <p:cond evt="onPrev" delay="0">
+                  <p:tgtEl>
+                    <p:sldTgt/>
+                  </p:tgtEl>
+                </p:cond>
+              </p:prevCondLst>
+              <p:nextCondLst>
+                <p:cond evt="onNext" delay="0">
+                  <p:tgtEl>
+                    <p:sldTgt/>
+                  </p:tgtEl>
+                </p:cond>
+              </p:nextCondLst>
+            </p:seq>
+          </p:childTnLst>
+        </p:cTn>
+      </p:par>
+    </p:tnLst>
+  </p:timing>
+</p:sld>
+</file>
+
+<file path=ppt/slides/slide12.xml><?xml version="1.0" encoding="utf-8"?>
+<p:sld xmlns:a="http://schemas.openxmlformats.org/drawingml/2006/main" xmlns:r="http://schemas.openxmlformats.org/officeDocument/2006/relationships" xmlns:p="http://schemas.openxmlformats.org/presentationml/2006/main">
+  <p:cSld>
+    <p:spTree>
+      <p:nvGrpSpPr>
+        <p:cNvPr id="1" name=""/>
+        <p:cNvGrpSpPr/>
+        <p:nvPr/>
+      </p:nvGrpSpPr>
+      <p:grpSpPr>
+        <a:xfrm>
+          <a:off x="0" y="0"/>
+          <a:ext cx="0" cy="0"/>
+          <a:chOff x="0" y="0"/>
+          <a:chExt cx="0" cy="0"/>
+        </a:xfrm>
+      </p:grpSpPr>
+      <p:sp>
+        <p:nvSpPr>
+          <p:cNvPr id="2" name="Title 1">
+            <a:extLst>
+              <a:ext uri="{FF2B5EF4-FFF2-40B4-BE49-F238E27FC236}">
                 <a16:creationId xmlns:a16="http://schemas.microsoft.com/office/drawing/2014/main" id="{03BA7B35-9FBC-4D36-815D-B5B69C115058}"/>
               </a:ext>
             </a:extLst>
@@ -6458,15 +9352,7 @@
           <a:p>
             <a:r>
               <a:rPr lang="en-US" dirty="0"/>
-              <a:t>It is a subsystem of Windows </a:t>
-            </a:r>
-            <a:r>
-              <a:rPr lang="en-US" dirty="0" err="1"/>
-              <a:t>Powershell</a:t>
-            </a:r>
-            <a:r>
-              <a:rPr lang="en-US" dirty="0"/>
-              <a:t> that gives administrators access to powerful system monitoring tools. </a:t>
+              <a:t>It is a subsystem of Windows PowerShell that gives administrators access to powerful system monitoring tools. </a:t>
             </a:r>
           </a:p>
           <a:p>
@@ -6511,7 +9397,7 @@
 </p:sld>
 </file>
 
-<file path=ppt/slides/slide11.xml><?xml version="1.0" encoding="utf-8"?>
+<file path=ppt/slides/slide13.xml><?xml version="1.0" encoding="utf-8"?>
 <p:sld xmlns:a="http://schemas.openxmlformats.org/drawingml/2006/main" xmlns:r="http://schemas.openxmlformats.org/officeDocument/2006/relationships" xmlns:p="http://schemas.openxmlformats.org/presentationml/2006/main">
   <p:cSld>
     <p:spTree>
@@ -7403,7 +10289,7 @@
 </p:sld>
 </file>
 
-<file path=ppt/slides/slide12.xml><?xml version="1.0" encoding="utf-8"?>
+<file path=ppt/slides/slide14.xml><?xml version="1.0" encoding="utf-8"?>
 <p:sld xmlns:a="http://schemas.openxmlformats.org/drawingml/2006/main" xmlns:r="http://schemas.openxmlformats.org/officeDocument/2006/relationships" xmlns:p="http://schemas.openxmlformats.org/presentationml/2006/main">
   <p:cSld>
     <p:spTree>
@@ -7495,23 +10381,7 @@
             <a:pPr lvl="1"/>
             <a:r>
               <a:rPr lang="en-US" dirty="0"/>
-              <a:t>Get-</a:t>
-            </a:r>
-            <a:r>
-              <a:rPr lang="en-US" dirty="0" err="1"/>
-              <a:t>CimInstance</a:t>
-            </a:r>
-            <a:r>
-              <a:rPr lang="en-US" dirty="0"/>
-              <a:t> -Namespace root/CIMV2 -</a:t>
-            </a:r>
-            <a:r>
-              <a:rPr lang="en-US" dirty="0" err="1"/>
-              <a:t>ClassName</a:t>
-            </a:r>
-            <a:r>
-              <a:rPr lang="en-US" dirty="0"/>
-              <a:t> Win32_LogicalDisk</a:t>
+              <a:t>Get-CimInstance -Namespace root/CIMV2 -ClassName Win32_LogicalDisk</a:t>
             </a:r>
             <a:endParaRPr lang="en-IN" dirty="0"/>
           </a:p>
@@ -7539,15 +10409,7 @@
             <a:pPr marL="1200150" lvl="2" indent="-342900"/>
             <a:r>
               <a:rPr lang="en-US" dirty="0"/>
-              <a:t> Where-Object {$_.</a:t>
-            </a:r>
-            <a:r>
-              <a:rPr lang="en-US" dirty="0" err="1"/>
-              <a:t>DriveType</a:t>
-            </a:r>
-            <a:r>
-              <a:rPr lang="en-US" dirty="0"/>
-              <a:t> -ne 5}</a:t>
+              <a:t> Where-Object {$_.DriveType -ne 5}</a:t>
             </a:r>
           </a:p>
           <a:p>
@@ -7564,13 +10426,8 @@
             <a:pPr marL="1200150" lvl="2" indent="-342900"/>
             <a:r>
               <a:rPr lang="en-US" dirty="0"/>
-              <a:t>Sort-Object -Descending -Property </a:t>
-            </a:r>
-            <a:r>
-              <a:rPr lang="en-US" dirty="0" err="1"/>
-              <a:t>FreeSpace</a:t>
-            </a:r>
-            <a:endParaRPr lang="en-US" dirty="0"/>
+              <a:t>Sort-Object -Descending -Property FreeSpace</a:t>
+            </a:r>
           </a:p>
           <a:p>
             <a:pPr marL="800100" lvl="1" indent="-342900">
@@ -7579,161 +10436,36 @@
             </a:pPr>
             <a:r>
               <a:rPr lang="en-US" dirty="0"/>
-              <a:t>Select-Object - we specify only those properties that we need (Name, </a:t>
-            </a:r>
-            <a:r>
-              <a:rPr lang="en-US" dirty="0" err="1"/>
-              <a:t>VolumeName</a:t>
-            </a:r>
+              <a:t>Select-Object - we specify only those properties that we need (Name, VolumeName, FileSystem, Description, Size,FreeSpace, PercentageFree). </a:t>
+            </a:r>
+          </a:p>
+          <a:p>
+            <a:pPr marL="1200150" lvl="2" indent="-342900"/>
             <a:r>
               <a:rPr lang="en-US" dirty="0"/>
-              <a:t>, </a:t>
-            </a:r>
-            <a:r>
-              <a:rPr lang="en-US" dirty="0" err="1"/>
-              <a:t>FileSystem</a:t>
-            </a:r>
+              <a:t>$dsize = @{label = "DiskSize (GB)"; expression = {"{0:N}" -f ($_.Size/1GB) -as [float]}}</a:t>
+            </a:r>
+          </a:p>
+          <a:p>
+            <a:pPr marL="1200150" lvl="2" indent="-342900"/>
             <a:r>
               <a:rPr lang="en-US" dirty="0"/>
-              <a:t>, Description, </a:t>
-            </a:r>
-            <a:r>
-              <a:rPr lang="en-US" dirty="0" err="1"/>
-              <a:t>Size,FreeSpace</a:t>
-            </a:r>
+              <a:t>$fspace = @{label = "FreeSpace (GB)"; expression = {"{0:N}" -f ($_.FreeSpace/1GB) -as [float]}}</a:t>
+            </a:r>
+          </a:p>
+          <a:p>
+            <a:pPr marL="1200150" lvl="2" indent="-342900"/>
             <a:r>
               <a:rPr lang="en-US" dirty="0"/>
-              <a:t>, </a:t>
-            </a:r>
-            <a:r>
-              <a:rPr lang="en-US" dirty="0" err="1"/>
-              <a:t>PercentageFree</a:t>
-            </a:r>
+              <a:t>$percfree =  @{label = "% Free"; expression = {"{0:N}" -f ($_.FreeSpace/$_.Size * 100) -as [float]}}</a:t>
+            </a:r>
+          </a:p>
+          <a:p>
+            <a:pPr marL="1200150" lvl="2" indent="-342900"/>
             <a:r>
               <a:rPr lang="en-US" dirty="0"/>
-              <a:t>). </a:t>
-            </a:r>
-          </a:p>
-          <a:p>
-            <a:pPr marL="1200150" lvl="2" indent="-342900"/>
-            <a:r>
-              <a:rPr lang="en-US" dirty="0"/>
-              <a:t>$</a:t>
-            </a:r>
-            <a:r>
-              <a:rPr lang="en-US" dirty="0" err="1"/>
-              <a:t>dsize</a:t>
-            </a:r>
-            <a:r>
-              <a:rPr lang="en-US" dirty="0"/>
-              <a:t> = @{label = "</a:t>
-            </a:r>
-            <a:r>
-              <a:rPr lang="en-US" dirty="0" err="1"/>
-              <a:t>DiskSize</a:t>
-            </a:r>
-            <a:r>
-              <a:rPr lang="en-US" dirty="0"/>
-              <a:t> (GB)"; expression = {"{0:N}" -f ($_.Size/1GB) -as [float]}}</a:t>
-            </a:r>
-          </a:p>
-          <a:p>
-            <a:pPr marL="1200150" lvl="2" indent="-342900"/>
-            <a:r>
-              <a:rPr lang="en-US" dirty="0"/>
-              <a:t>$</a:t>
-            </a:r>
-            <a:r>
-              <a:rPr lang="en-US" dirty="0" err="1"/>
-              <a:t>fspace</a:t>
-            </a:r>
-            <a:r>
-              <a:rPr lang="en-US" dirty="0"/>
-              <a:t> = @{label = "</a:t>
-            </a:r>
-            <a:r>
-              <a:rPr lang="en-US" dirty="0" err="1"/>
-              <a:t>FreeSpace</a:t>
-            </a:r>
-            <a:r>
-              <a:rPr lang="en-US" dirty="0"/>
-              <a:t> (GB)"; expression = {"{0:N}" -f ($_.</a:t>
-            </a:r>
-            <a:r>
-              <a:rPr lang="en-US" dirty="0" err="1"/>
-              <a:t>FreeSpace</a:t>
-            </a:r>
-            <a:r>
-              <a:rPr lang="en-US" dirty="0"/>
-              <a:t>/1GB) -as [float]}}</a:t>
-            </a:r>
-          </a:p>
-          <a:p>
-            <a:pPr marL="1200150" lvl="2" indent="-342900"/>
-            <a:r>
-              <a:rPr lang="en-US" dirty="0"/>
-              <a:t>$</a:t>
-            </a:r>
-            <a:r>
-              <a:rPr lang="en-US" dirty="0" err="1"/>
-              <a:t>percfree</a:t>
-            </a:r>
-            <a:r>
-              <a:rPr lang="en-US" dirty="0"/>
-              <a:t> =  @{label = "% Free"; expression = {"{0:N}" -f ($_.</a:t>
-            </a:r>
-            <a:r>
-              <a:rPr lang="en-US" dirty="0" err="1"/>
-              <a:t>FreeSpace</a:t>
-            </a:r>
-            <a:r>
-              <a:rPr lang="en-US" dirty="0"/>
-              <a:t>/$_.Size * 100) -as [float]}}</a:t>
-            </a:r>
-          </a:p>
-          <a:p>
-            <a:pPr marL="1200150" lvl="2" indent="-342900"/>
-            <a:r>
-              <a:rPr lang="en-US" dirty="0"/>
-              <a:t> Select-Object Name, </a:t>
-            </a:r>
-            <a:r>
-              <a:rPr lang="en-US" dirty="0" err="1"/>
-              <a:t>VolumeName</a:t>
-            </a:r>
-            <a:r>
-              <a:rPr lang="en-US" dirty="0"/>
-              <a:t>, </a:t>
-            </a:r>
-            <a:r>
-              <a:rPr lang="en-US" dirty="0" err="1"/>
-              <a:t>FileSystem</a:t>
-            </a:r>
-            <a:r>
-              <a:rPr lang="en-US" dirty="0"/>
-              <a:t>, Description, $</a:t>
-            </a:r>
-            <a:r>
-              <a:rPr lang="en-US" dirty="0" err="1"/>
-              <a:t>dsize</a:t>
-            </a:r>
-            <a:r>
-              <a:rPr lang="en-US" dirty="0"/>
-              <a:t>,$</a:t>
-            </a:r>
-            <a:r>
-              <a:rPr lang="en-US" dirty="0" err="1"/>
-              <a:t>fspace</a:t>
-            </a:r>
-            <a:r>
-              <a:rPr lang="en-US" dirty="0"/>
-              <a:t>, $</a:t>
-            </a:r>
-            <a:r>
-              <a:rPr lang="en-US" dirty="0" err="1"/>
-              <a:t>percfree</a:t>
-            </a:r>
-            <a:endParaRPr lang="en-US" dirty="0"/>
+              <a:t> Select-Object Name, VolumeName, FileSystem, Description, $dsize,$fspace, $percfree</a:t>
+            </a:r>
           </a:p>
           <a:p>
             <a:pPr marL="800100" lvl="1" indent="-342900">
@@ -7749,15 +10481,7 @@
             <a:pPr marL="1200150" lvl="2" indent="-342900"/>
             <a:r>
               <a:rPr lang="en-US" dirty="0"/>
-              <a:t>Format-Table -</a:t>
-            </a:r>
-            <a:r>
-              <a:rPr lang="en-US" dirty="0" err="1"/>
-              <a:t>AutoSize</a:t>
-            </a:r>
-            <a:r>
-              <a:rPr lang="en-US" dirty="0"/>
-              <a:t> </a:t>
+              <a:t>Format-Table -AutoSize </a:t>
             </a:r>
           </a:p>
           <a:p>
@@ -8248,7 +10972,7 @@
 </p:sld>
 </file>
 
-<file path=ppt/slides/slide13.xml><?xml version="1.0" encoding="utf-8"?>
+<file path=ppt/slides/slide15.xml><?xml version="1.0" encoding="utf-8"?>
 <p:sld xmlns:a="http://schemas.openxmlformats.org/drawingml/2006/main" xmlns:r="http://schemas.openxmlformats.org/officeDocument/2006/relationships" xmlns:p="http://schemas.openxmlformats.org/presentationml/2006/main">
   <p:cSld>
     <p:spTree>
@@ -8463,7 +11187,7 @@
 </p:sld>
 </file>
 
-<file path=ppt/slides/slide14.xml><?xml version="1.0" encoding="utf-8"?>
+<file path=ppt/slides/slide16.xml><?xml version="1.0" encoding="utf-8"?>
 <p:sld xmlns:a="http://schemas.openxmlformats.org/drawingml/2006/main" xmlns:r="http://schemas.openxmlformats.org/officeDocument/2006/relationships" xmlns:p="http://schemas.openxmlformats.org/presentationml/2006/main">
   <p:cSld>
     <p:spTree>
@@ -8577,20 +11301,8 @@
               <a:buAutoNum type="alphaLcPeriod"/>
             </a:pPr>
             <a:r>
-              <a:rPr lang="en-US" dirty="0" err="1"/>
-              <a:t>sshpass</a:t>
-            </a:r>
-            <a:r>
               <a:rPr lang="en-US" dirty="0"/>
-              <a:t> –p </a:t>
-            </a:r>
-            <a:r>
-              <a:rPr lang="en-US" dirty="0" err="1"/>
-              <a:t>pass_word</a:t>
-            </a:r>
-            <a:r>
-              <a:rPr lang="en-US" dirty="0"/>
-              <a:t> </a:t>
+              <a:t>sshpass –p pass_word </a:t>
             </a:r>
           </a:p>
           <a:p>
@@ -8599,20 +11311,8 @@
               <a:buAutoNum type="alphaLcPeriod"/>
             </a:pPr>
             <a:r>
-              <a:rPr lang="en-US" dirty="0" err="1"/>
-              <a:t>ssh</a:t>
-            </a:r>
-            <a:r>
               <a:rPr lang="en-US" dirty="0"/>
-              <a:t> –n (prevents </a:t>
-            </a:r>
-            <a:r>
-              <a:rPr lang="en-US" dirty="0" err="1"/>
-              <a:t>ssh</a:t>
-            </a:r>
-            <a:r>
-              <a:rPr lang="en-US" dirty="0"/>
-              <a:t> from reading from standard input)</a:t>
+              <a:t>ssh –n (prevents ssh from reading from standard input)</a:t>
             </a:r>
           </a:p>
           <a:p>
@@ -8621,24 +11321,12 @@
               <a:buAutoNum type="alphaLcPeriod"/>
             </a:pPr>
             <a:r>
-              <a:rPr lang="en-IN" dirty="0" err="1"/>
-              <a:t>StrictHostKeyChecking</a:t>
-            </a:r>
-            <a:r>
               <a:rPr lang="en-IN" dirty="0"/>
-              <a:t> (</a:t>
+              <a:t>StrictHostKeyChecking (</a:t>
             </a:r>
             <a:r>
               <a:rPr lang="en-US" dirty="0"/>
-              <a:t>When </a:t>
-            </a:r>
-            <a:r>
-              <a:rPr lang="en-US" dirty="0" err="1"/>
-              <a:t>enabled,ssh</a:t>
-            </a:r>
-            <a:r>
-              <a:rPr lang="en-US" dirty="0"/>
-              <a:t> connects only to known hosts with keys that are stored in the known hosts list. </a:t>
+              <a:t>When enabled, ssh connects only to known hosts with keys that are stored in the known hosts list. </a:t>
             </a:r>
             <a:endParaRPr lang="en-IN" dirty="0"/>
           </a:p>
@@ -8648,12 +11336,8 @@
               <a:buAutoNum type="alphaLcPeriod"/>
             </a:pPr>
             <a:r>
-              <a:rPr lang="en-IN" dirty="0" err="1"/>
-              <a:t>BatchMode</a:t>
-            </a:r>
-            <a:r>
               <a:rPr lang="en-IN" dirty="0"/>
-              <a:t> (</a:t>
+              <a:t>BatchMode (</a:t>
             </a:r>
             <a:r>
               <a:rPr lang="en-US" dirty="0"/>
@@ -8667,12 +11351,8 @@
               <a:buAutoNum type="alphaLcPeriod"/>
             </a:pPr>
             <a:r>
-              <a:rPr lang="en-IN" dirty="0" err="1"/>
-              <a:t>ConnectTimeout</a:t>
-            </a:r>
-            <a:r>
               <a:rPr lang="en-IN" dirty="0"/>
-              <a:t> (Timeout for waiting)</a:t>
+              <a:t>ConnectTimeout (Timeout for waiting)</a:t>
             </a:r>
           </a:p>
           <a:p>
@@ -8681,10 +11361,9 @@
               <a:buAutoNum type="alphaLcPeriod"/>
             </a:pPr>
             <a:r>
-              <a:rPr lang="en-IN" dirty="0" err="1"/>
+              <a:rPr lang="en-IN" dirty="0"/>
               <a:t>RemoteCommand</a:t>
             </a:r>
-            <a:endParaRPr lang="en-IN" dirty="0"/>
           </a:p>
           <a:p>
             <a:pPr marL="400050">
@@ -8692,12 +11371,8 @@
               <a:buAutoNum type="arabicPeriod"/>
             </a:pPr>
             <a:r>
-              <a:rPr lang="en-IN" dirty="0" err="1"/>
-              <a:t>Winexe</a:t>
-            </a:r>
-            <a:r>
               <a:rPr lang="en-IN" dirty="0"/>
-              <a:t> Commands</a:t>
+              <a:t>Winexe Commands</a:t>
             </a:r>
           </a:p>
           <a:p>
@@ -8706,20 +11381,8 @@
               <a:buAutoNum type="alphaLcPeriod"/>
             </a:pPr>
             <a:r>
-              <a:rPr lang="fr-FR" dirty="0" err="1"/>
-              <a:t>winexe</a:t>
-            </a:r>
-            <a:r>
               <a:rPr lang="fr-FR" dirty="0"/>
-              <a:t> -U [Domain/]</a:t>
-            </a:r>
-            <a:r>
-              <a:rPr lang="fr-FR" dirty="0" err="1"/>
-              <a:t>User%Password</a:t>
-            </a:r>
-            <a:r>
-              <a:rPr lang="fr-FR" dirty="0"/>
-              <a:t> //host command</a:t>
+              <a:t>winexe -U [Domain/]User%Password //host command</a:t>
             </a:r>
             <a:endParaRPr lang="en-IN" dirty="0"/>
           </a:p>
@@ -8729,12 +11392,8 @@
               <a:buAutoNum type="arabicPeriod"/>
             </a:pPr>
             <a:r>
-              <a:rPr lang="en-IN" dirty="0" err="1"/>
-              <a:t>Rsync</a:t>
-            </a:r>
-            <a:r>
               <a:rPr lang="en-IN" dirty="0"/>
-              <a:t> Commands</a:t>
+              <a:t>Rsync Commands</a:t>
             </a:r>
           </a:p>
           <a:p>
@@ -8902,42 +11561,6 @@
       </p:pic>
       <p:pic>
         <p:nvPicPr>
-          <p:cNvPr id="13" name="Picture 12">
-            <a:extLst>
-              <a:ext uri="{FF2B5EF4-FFF2-40B4-BE49-F238E27FC236}">
-                <a16:creationId xmlns:a16="http://schemas.microsoft.com/office/drawing/2014/main" id="{E51DA2CF-20CD-47CC-A470-B50A183FB61B}"/>
-              </a:ext>
-            </a:extLst>
-          </p:cNvPr>
-          <p:cNvPicPr>
-            <a:picLocks noChangeAspect="1"/>
-          </p:cNvPicPr>
-          <p:nvPr/>
-        </p:nvPicPr>
-        <p:blipFill>
-          <a:blip r:embed="rId6">
-            <a:extLst>
-              <a:ext uri="{28A0092B-C50C-407E-A947-70E740481C1C}">
-                <a14:useLocalDpi xmlns:a14="http://schemas.microsoft.com/office/drawing/2010/main" val="0"/>
-              </a:ext>
-            </a:extLst>
-          </a:blip>
-          <a:stretch>
-            <a:fillRect/>
-          </a:stretch>
-        </p:blipFill>
-        <p:spPr>
-          <a:xfrm>
-            <a:off x="5787418" y="4265721"/>
-            <a:ext cx="5486875" cy="220999"/>
-          </a:xfrm>
-          <a:prstGeom prst="rect">
-            <a:avLst/>
-          </a:prstGeom>
-        </p:spPr>
-      </p:pic>
-      <p:pic>
-        <p:nvPicPr>
           <p:cNvPr id="15" name="Picture 14">
             <a:extLst>
               <a:ext uri="{FF2B5EF4-FFF2-40B4-BE49-F238E27FC236}">
@@ -8951,7 +11574,7 @@
           <p:nvPr/>
         </p:nvPicPr>
         <p:blipFill>
-          <a:blip r:embed="rId7">
+          <a:blip r:embed="rId6">
             <a:extLst>
               <a:ext uri="{28A0092B-C50C-407E-A947-70E740481C1C}">
                 <a14:useLocalDpi xmlns:a14="http://schemas.microsoft.com/office/drawing/2010/main" val="0"/>
@@ -8987,7 +11610,7 @@
           <p:nvPr/>
         </p:nvPicPr>
         <p:blipFill>
-          <a:blip r:embed="rId8">
+          <a:blip r:embed="rId7">
             <a:extLst>
               <a:ext uri="{28A0092B-C50C-407E-A947-70E740481C1C}">
                 <a14:useLocalDpi xmlns:a14="http://schemas.microsoft.com/office/drawing/2010/main" val="0"/>
@@ -9023,7 +11646,7 @@
           <p:nvPr/>
         </p:nvPicPr>
         <p:blipFill rotWithShape="1">
-          <a:blip r:embed="rId9">
+          <a:blip r:embed="rId8">
             <a:extLst>
               <a:ext uri="{28A0092B-C50C-407E-A947-70E740481C1C}">
                 <a14:useLocalDpi xmlns:a14="http://schemas.microsoft.com/office/drawing/2010/main" val="0"/>
@@ -9058,7 +11681,7 @@
           <p:nvPr/>
         </p:nvPicPr>
         <p:blipFill>
-          <a:blip r:embed="rId10">
+          <a:blip r:embed="rId9">
             <a:extLst>
               <a:ext uri="{28A0092B-C50C-407E-A947-70E740481C1C}">
                 <a14:useLocalDpi xmlns:a14="http://schemas.microsoft.com/office/drawing/2010/main" val="0"/>
@@ -9073,6 +11696,42 @@
           <a:xfrm>
             <a:off x="-7562" y="3099258"/>
             <a:ext cx="5382376" cy="2524477"/>
+          </a:xfrm>
+          <a:prstGeom prst="rect">
+            <a:avLst/>
+          </a:prstGeom>
+        </p:spPr>
+      </p:pic>
+      <p:pic>
+        <p:nvPicPr>
+          <p:cNvPr id="6" name="Picture 5">
+            <a:extLst>
+              <a:ext uri="{FF2B5EF4-FFF2-40B4-BE49-F238E27FC236}">
+                <a16:creationId xmlns:a16="http://schemas.microsoft.com/office/drawing/2014/main" id="{F9D39B97-998C-4F0A-8EAF-54FFB8525CAE}"/>
+              </a:ext>
+            </a:extLst>
+          </p:cNvPr>
+          <p:cNvPicPr>
+            <a:picLocks noChangeAspect="1"/>
+          </p:cNvPicPr>
+          <p:nvPr/>
+        </p:nvPicPr>
+        <p:blipFill>
+          <a:blip r:embed="rId10">
+            <a:extLst>
+              <a:ext uri="{28A0092B-C50C-407E-A947-70E740481C1C}">
+                <a14:useLocalDpi xmlns:a14="http://schemas.microsoft.com/office/drawing/2010/main" val="0"/>
+              </a:ext>
+            </a:extLst>
+          </a:blip>
+          <a:stretch>
+            <a:fillRect/>
+          </a:stretch>
+        </p:blipFill>
+        <p:spPr>
+          <a:xfrm>
+            <a:off x="5510787" y="4521763"/>
+            <a:ext cx="4717189" cy="228620"/>
           </a:xfrm>
           <a:prstGeom prst="rect">
             <a:avLst/>
@@ -10020,7 +12679,7 @@
                                           </p:stCondLst>
                                         </p:cTn>
                                         <p:tgtEl>
-                                          <p:spTgt spid="13"/>
+                                          <p:spTgt spid="6"/>
                                         </p:tgtEl>
                                         <p:attrNameLst>
                                           <p:attrName>style.visibility</p:attrName>
@@ -10034,7 +12693,7 @@
                                       <p:cBhvr additive="base">
                                         <p:cTn id="69" dur="500" fill="hold"/>
                                         <p:tgtEl>
-                                          <p:spTgt spid="13"/>
+                                          <p:spTgt spid="6"/>
                                         </p:tgtEl>
                                         <p:attrNameLst>
                                           <p:attrName>ppt_x</p:attrName>
@@ -10057,7 +12716,7 @@
                                       <p:cBhvr additive="base">
                                         <p:cTn id="70" dur="500" fill="hold"/>
                                         <p:tgtEl>
-                                          <p:spTgt spid="13"/>
+                                          <p:spTgt spid="6"/>
                                         </p:tgtEl>
                                         <p:attrNameLst>
                                           <p:attrName>ppt_y</p:attrName>
@@ -10211,14 +12870,49 @@
                                 </p:cTn>
                               </p:par>
                               <p:par>
-                                <p:cTn id="82" presetID="2" presetClass="entr" presetSubtype="4" fill="hold" nodeType="withEffect">
+                                <p:cTn id="82" presetID="10" presetClass="exit" presetSubtype="0" fill="hold" nodeType="withEffect">
+                                  <p:stCondLst>
+                                    <p:cond delay="0"/>
+                                  </p:stCondLst>
+                                  <p:childTnLst>
+                                    <p:animEffect transition="out" filter="fade">
+                                      <p:cBhvr>
+                                        <p:cTn id="83" dur="500"/>
+                                        <p:tgtEl>
+                                          <p:spTgt spid="6"/>
+                                        </p:tgtEl>
+                                      </p:cBhvr>
+                                    </p:animEffect>
+                                    <p:set>
+                                      <p:cBhvr>
+                                        <p:cTn id="84" dur="1" fill="hold">
+                                          <p:stCondLst>
+                                            <p:cond delay="499"/>
+                                          </p:stCondLst>
+                                        </p:cTn>
+                                        <p:tgtEl>
+                                          <p:spTgt spid="6"/>
+                                        </p:tgtEl>
+                                        <p:attrNameLst>
+                                          <p:attrName>style.visibility</p:attrName>
+                                        </p:attrNameLst>
+                                      </p:cBhvr>
+                                      <p:to>
+                                        <p:strVal val="hidden"/>
+                                      </p:to>
+                                    </p:set>
+                                  </p:childTnLst>
+                                </p:cTn>
+                              </p:par>
+                              <p:par>
+                                <p:cTn id="85" presetID="2" presetClass="entr" presetSubtype="4" fill="hold" nodeType="withEffect">
                                   <p:stCondLst>
                                     <p:cond delay="0"/>
                                   </p:stCondLst>
                                   <p:childTnLst>
                                     <p:set>
                                       <p:cBhvr>
-                                        <p:cTn id="83" dur="1" fill="hold">
+                                        <p:cTn id="86" dur="1" fill="hold">
                                           <p:stCondLst>
                                             <p:cond delay="0"/>
                                           </p:stCondLst>
@@ -10236,7 +12930,7 @@
                                     </p:set>
                                     <p:anim calcmode="lin" valueType="num">
                                       <p:cBhvr additive="base">
-                                        <p:cTn id="84" dur="500" fill="hold"/>
+                                        <p:cTn id="87" dur="500" fill="hold"/>
                                         <p:tgtEl>
                                           <p:spTgt spid="15"/>
                                         </p:tgtEl>
@@ -10259,7 +12953,7 @@
                                     </p:anim>
                                     <p:anim calcmode="lin" valueType="num">
                                       <p:cBhvr additive="base">
-                                        <p:cTn id="85" dur="500" fill="hold"/>
+                                        <p:cTn id="88" dur="500" fill="hold"/>
                                         <p:tgtEl>
                                           <p:spTgt spid="15"/>
                                         </p:tgtEl>
@@ -10280,41 +12974,6 @@
                                         </p:tav>
                                       </p:tavLst>
                                     </p:anim>
-                                  </p:childTnLst>
-                                </p:cTn>
-                              </p:par>
-                              <p:par>
-                                <p:cTn id="86" presetID="10" presetClass="exit" presetSubtype="0" fill="hold" nodeType="withEffect">
-                                  <p:stCondLst>
-                                    <p:cond delay="0"/>
-                                  </p:stCondLst>
-                                  <p:childTnLst>
-                                    <p:animEffect transition="out" filter="fade">
-                                      <p:cBhvr>
-                                        <p:cTn id="87" dur="500"/>
-                                        <p:tgtEl>
-                                          <p:spTgt spid="13"/>
-                                        </p:tgtEl>
-                                      </p:cBhvr>
-                                    </p:animEffect>
-                                    <p:set>
-                                      <p:cBhvr>
-                                        <p:cTn id="88" dur="1" fill="hold">
-                                          <p:stCondLst>
-                                            <p:cond delay="499"/>
-                                          </p:stCondLst>
-                                        </p:cTn>
-                                        <p:tgtEl>
-                                          <p:spTgt spid="13"/>
-                                        </p:tgtEl>
-                                        <p:attrNameLst>
-                                          <p:attrName>style.visibility</p:attrName>
-                                        </p:attrNameLst>
-                                      </p:cBhvr>
-                                      <p:to>
-                                        <p:strVal val="hidden"/>
-                                      </p:to>
-                                    </p:set>
                                   </p:childTnLst>
                                 </p:cTn>
                               </p:par>
@@ -10664,7 +13323,7 @@
 </p:sld>
 </file>
 
-<file path=ppt/slides/slide15.xml><?xml version="1.0" encoding="utf-8"?>
+<file path=ppt/slides/slide17.xml><?xml version="1.0" encoding="utf-8"?>
 <p:sld xmlns:a="http://schemas.openxmlformats.org/drawingml/2006/main" xmlns:r="http://schemas.openxmlformats.org/officeDocument/2006/relationships" xmlns:p="http://schemas.openxmlformats.org/presentationml/2006/main">
   <p:cSld>
     <p:spTree>
@@ -10836,7 +13495,7 @@
 </p:sld>
 </file>
 
-<file path=ppt/slides/slide16.xml><?xml version="1.0" encoding="utf-8"?>
+<file path=ppt/slides/slide18.xml><?xml version="1.0" encoding="utf-8"?>
 <p:sld xmlns:a="http://schemas.openxmlformats.org/drawingml/2006/main" xmlns:r="http://schemas.openxmlformats.org/officeDocument/2006/relationships" xmlns:p="http://schemas.openxmlformats.org/presentationml/2006/main">
   <p:cSld>
     <p:spTree>
@@ -10937,15 +13596,7 @@
             </a:pPr>
             <a:r>
               <a:rPr lang="en-IN" dirty="0"/>
-              <a:t>Initialising the </a:t>
-            </a:r>
-            <a:r>
-              <a:rPr lang="en-IN" dirty="0" err="1"/>
-              <a:t>sockaddr</a:t>
-            </a:r>
-            <a:r>
-              <a:rPr lang="en-IN" dirty="0"/>
-              <a:t> structure</a:t>
+              <a:t>Initialising the sockaddr structure</a:t>
             </a:r>
           </a:p>
           <a:p>
@@ -13661,7 +16312,7 @@
 </p:sld>
 </file>
 
-<file path=ppt/slides/slide17.xml><?xml version="1.0" encoding="utf-8"?>
+<file path=ppt/slides/slide19.xml><?xml version="1.0" encoding="utf-8"?>
 <p:sld xmlns:a="http://schemas.openxmlformats.org/drawingml/2006/main" xmlns:r="http://schemas.openxmlformats.org/officeDocument/2006/relationships" xmlns:p="http://schemas.openxmlformats.org/presentationml/2006/main">
   <p:cSld>
     <p:spTree>
@@ -13823,7 +16474,695 @@
 </p:sld>
 </file>
 
-<file path=ppt/slides/slide18.xml><?xml version="1.0" encoding="utf-8"?>
+<file path=ppt/slides/slide2.xml><?xml version="1.0" encoding="utf-8"?>
+<p:sld xmlns:a="http://schemas.openxmlformats.org/drawingml/2006/main" xmlns:r="http://schemas.openxmlformats.org/officeDocument/2006/relationships" xmlns:p="http://schemas.openxmlformats.org/presentationml/2006/main">
+  <p:cSld>
+    <p:spTree>
+      <p:nvGrpSpPr>
+        <p:cNvPr id="1" name=""/>
+        <p:cNvGrpSpPr/>
+        <p:nvPr/>
+      </p:nvGrpSpPr>
+      <p:grpSpPr>
+        <a:xfrm>
+          <a:off x="0" y="0"/>
+          <a:ext cx="0" cy="0"/>
+          <a:chOff x="0" y="0"/>
+          <a:chExt cx="0" cy="0"/>
+        </a:xfrm>
+      </p:grpSpPr>
+      <p:sp>
+        <p:nvSpPr>
+          <p:cNvPr id="2" name="Title 1">
+            <a:extLst>
+              <a:ext uri="{FF2B5EF4-FFF2-40B4-BE49-F238E27FC236}">
+                <a16:creationId xmlns:a16="http://schemas.microsoft.com/office/drawing/2014/main" id="{E552C526-93EC-4256-9AE6-FE88E801A625}"/>
+              </a:ext>
+            </a:extLst>
+          </p:cNvPr>
+          <p:cNvSpPr>
+            <a:spLocks noGrp="1"/>
+          </p:cNvSpPr>
+          <p:nvPr>
+            <p:ph type="title"/>
+          </p:nvPr>
+        </p:nvSpPr>
+        <p:spPr>
+          <a:xfrm>
+            <a:off x="677334" y="609600"/>
+            <a:ext cx="8058293" cy="677662"/>
+          </a:xfrm>
+        </p:spPr>
+        <p:txBody>
+          <a:bodyPr/>
+          <a:lstStyle/>
+          <a:p>
+            <a:r>
+              <a:rPr lang="en-US" dirty="0"/>
+              <a:t>Virtualization and Hypervisors</a:t>
+            </a:r>
+            <a:endParaRPr lang="en-IN" dirty="0"/>
+          </a:p>
+        </p:txBody>
+      </p:sp>
+      <p:sp>
+        <p:nvSpPr>
+          <p:cNvPr id="3" name="Content Placeholder 2">
+            <a:extLst>
+              <a:ext uri="{FF2B5EF4-FFF2-40B4-BE49-F238E27FC236}">
+                <a16:creationId xmlns:a16="http://schemas.microsoft.com/office/drawing/2014/main" id="{F6AC9978-2BFF-4E0D-BBAB-A33AB0CEC624}"/>
+              </a:ext>
+            </a:extLst>
+          </p:cNvPr>
+          <p:cNvSpPr>
+            <a:spLocks noGrp="1"/>
+          </p:cNvSpPr>
+          <p:nvPr>
+            <p:ph idx="1"/>
+          </p:nvPr>
+        </p:nvSpPr>
+        <p:spPr>
+          <a:xfrm>
+            <a:off x="677333" y="1397110"/>
+            <a:ext cx="9203513" cy="4950424"/>
+          </a:xfrm>
+        </p:spPr>
+        <p:txBody>
+          <a:bodyPr/>
+          <a:lstStyle/>
+          <a:p>
+            <a:r>
+              <a:rPr lang="en-US" dirty="0"/>
+              <a:t>Virtualization – the process of creating a software-based version of something.</a:t>
+            </a:r>
+          </a:p>
+          <a:p>
+            <a:r>
+              <a:rPr lang="en-US" dirty="0"/>
+              <a:t>Hypervisor – A piece of software that runs on top of a physical server</a:t>
+            </a:r>
+          </a:p>
+          <a:p>
+            <a:pPr lvl="1">
+              <a:buFont typeface="Courier New" panose="02070309020205020404" pitchFamily="49" charset="0"/>
+              <a:buChar char="o"/>
+            </a:pPr>
+            <a:r>
+              <a:rPr lang="en-US" dirty="0"/>
+              <a:t>Pools resources from a physical server and gives them to the virtual environments.</a:t>
+            </a:r>
+          </a:p>
+          <a:p>
+            <a:r>
+              <a:rPr lang="en-US" dirty="0"/>
+              <a:t>2 Types of Hypervisors</a:t>
+            </a:r>
+          </a:p>
+          <a:p>
+            <a:pPr lvl="1">
+              <a:buFont typeface="Courier New" panose="02070309020205020404" pitchFamily="49" charset="0"/>
+              <a:buChar char="o"/>
+            </a:pPr>
+            <a:r>
+              <a:rPr lang="en-US" dirty="0"/>
+              <a:t>Type I – Bare metal</a:t>
+            </a:r>
+          </a:p>
+          <a:p>
+            <a:pPr lvl="2">
+              <a:buFont typeface="Arial" panose="020B0604020202020204" pitchFamily="34" charset="0"/>
+              <a:buChar char="•"/>
+            </a:pPr>
+            <a:r>
+              <a:rPr lang="en-US" dirty="0"/>
+              <a:t>Installed directly on top of the physical server</a:t>
+            </a:r>
+          </a:p>
+          <a:p>
+            <a:pPr lvl="2">
+              <a:buFont typeface="Arial" panose="020B0604020202020204" pitchFamily="34" charset="0"/>
+              <a:buChar char="•"/>
+            </a:pPr>
+            <a:r>
+              <a:rPr lang="en-US" dirty="0"/>
+              <a:t>Secure, low latency, more frequently used</a:t>
+            </a:r>
+          </a:p>
+          <a:p>
+            <a:pPr lvl="2">
+              <a:buFont typeface="Arial" panose="020B0604020202020204" pitchFamily="34" charset="0"/>
+              <a:buChar char="•"/>
+            </a:pPr>
+            <a:r>
+              <a:rPr lang="en-US" dirty="0"/>
+              <a:t>E.g. VMware </a:t>
+            </a:r>
+            <a:r>
+              <a:rPr lang="en-US" dirty="0" err="1"/>
+              <a:t>ESXi</a:t>
+            </a:r>
+            <a:r>
+              <a:rPr lang="en-US" dirty="0"/>
+              <a:t>, Hyper-V, KVM</a:t>
+            </a:r>
+          </a:p>
+          <a:p>
+            <a:pPr lvl="1">
+              <a:buFont typeface="Courier New" panose="02070309020205020404" pitchFamily="49" charset="0"/>
+              <a:buChar char="o"/>
+            </a:pPr>
+            <a:r>
+              <a:rPr lang="en-US" dirty="0"/>
+              <a:t>Type II – Hosted</a:t>
+            </a:r>
+          </a:p>
+          <a:p>
+            <a:pPr lvl="2">
+              <a:buFont typeface="Arial" panose="020B0604020202020204" pitchFamily="34" charset="0"/>
+              <a:buChar char="•"/>
+            </a:pPr>
+            <a:r>
+              <a:rPr lang="en-IN" dirty="0"/>
+              <a:t>Installed on the Host OS which is on top of physical server</a:t>
+            </a:r>
+          </a:p>
+          <a:p>
+            <a:pPr lvl="2">
+              <a:buFont typeface="Arial" panose="020B0604020202020204" pitchFamily="34" charset="0"/>
+              <a:buChar char="•"/>
+            </a:pPr>
+            <a:r>
+              <a:rPr lang="en-IN" dirty="0"/>
+              <a:t>High latency, less frequent, end-user virtualization</a:t>
+            </a:r>
+          </a:p>
+          <a:p>
+            <a:pPr lvl="2">
+              <a:buFont typeface="Arial" panose="020B0604020202020204" pitchFamily="34" charset="0"/>
+              <a:buChar char="•"/>
+            </a:pPr>
+            <a:r>
+              <a:rPr lang="en-IN" dirty="0"/>
+              <a:t>E.g. Oracle VirtualBox, VMware workstation</a:t>
+            </a:r>
+          </a:p>
+        </p:txBody>
+      </p:sp>
+      <p:pic>
+        <p:nvPicPr>
+          <p:cNvPr id="5" name="Picture 4" descr="Diagram&#10;&#10;Description automatically generated">
+            <a:extLst>
+              <a:ext uri="{FF2B5EF4-FFF2-40B4-BE49-F238E27FC236}">
+                <a16:creationId xmlns:a16="http://schemas.microsoft.com/office/drawing/2014/main" id="{DC594558-3B0D-4653-96AD-638C3D46D042}"/>
+              </a:ext>
+            </a:extLst>
+          </p:cNvPr>
+          <p:cNvPicPr>
+            <a:picLocks noChangeAspect="1"/>
+          </p:cNvPicPr>
+          <p:nvPr/>
+        </p:nvPicPr>
+        <p:blipFill>
+          <a:blip r:embed="rId2">
+            <a:extLst>
+              <a:ext uri="{28A0092B-C50C-407E-A947-70E740481C1C}">
+                <a14:useLocalDpi xmlns:a14="http://schemas.microsoft.com/office/drawing/2010/main" val="0"/>
+              </a:ext>
+            </a:extLst>
+          </a:blip>
+          <a:stretch>
+            <a:fillRect/>
+          </a:stretch>
+        </p:blipFill>
+        <p:spPr>
+          <a:xfrm>
+            <a:off x="7253057" y="2796466"/>
+            <a:ext cx="4938943" cy="1925180"/>
+          </a:xfrm>
+          <a:prstGeom prst="rect">
+            <a:avLst/>
+          </a:prstGeom>
+        </p:spPr>
+      </p:pic>
+      <p:pic>
+        <p:nvPicPr>
+          <p:cNvPr id="7" name="Picture 6" descr="Graphical user interface, application&#10;&#10;Description automatically generated">
+            <a:extLst>
+              <a:ext uri="{FF2B5EF4-FFF2-40B4-BE49-F238E27FC236}">
+                <a16:creationId xmlns:a16="http://schemas.microsoft.com/office/drawing/2014/main" id="{17F29D3B-87A4-4E60-B2D0-FF48EBDA10BA}"/>
+              </a:ext>
+            </a:extLst>
+          </p:cNvPr>
+          <p:cNvPicPr>
+            <a:picLocks noChangeAspect="1"/>
+          </p:cNvPicPr>
+          <p:nvPr/>
+        </p:nvPicPr>
+        <p:blipFill>
+          <a:blip r:embed="rId3">
+            <a:extLst>
+              <a:ext uri="{28A0092B-C50C-407E-A947-70E740481C1C}">
+                <a14:useLocalDpi xmlns:a14="http://schemas.microsoft.com/office/drawing/2010/main" val="0"/>
+              </a:ext>
+            </a:extLst>
+          </a:blip>
+          <a:stretch>
+            <a:fillRect/>
+          </a:stretch>
+        </p:blipFill>
+        <p:spPr>
+          <a:xfrm>
+            <a:off x="9221768" y="2757906"/>
+            <a:ext cx="2970232" cy="3235129"/>
+          </a:xfrm>
+          <a:prstGeom prst="rect">
+            <a:avLst/>
+          </a:prstGeom>
+        </p:spPr>
+      </p:pic>
+      <p:pic>
+        <p:nvPicPr>
+          <p:cNvPr id="9" name="Picture 8" descr="Text&#10;&#10;Description automatically generated">
+            <a:extLst>
+              <a:ext uri="{FF2B5EF4-FFF2-40B4-BE49-F238E27FC236}">
+                <a16:creationId xmlns:a16="http://schemas.microsoft.com/office/drawing/2014/main" id="{CC910128-E4FF-45A5-B3CC-3B97C1803BE7}"/>
+              </a:ext>
+            </a:extLst>
+          </p:cNvPr>
+          <p:cNvPicPr>
+            <a:picLocks noChangeAspect="1"/>
+          </p:cNvPicPr>
+          <p:nvPr/>
+        </p:nvPicPr>
+        <p:blipFill>
+          <a:blip r:embed="rId4">
+            <a:extLst>
+              <a:ext uri="{28A0092B-C50C-407E-A947-70E740481C1C}">
+                <a14:useLocalDpi xmlns:a14="http://schemas.microsoft.com/office/drawing/2010/main" val="0"/>
+              </a:ext>
+            </a:extLst>
+          </a:blip>
+          <a:stretch>
+            <a:fillRect/>
+          </a:stretch>
+        </p:blipFill>
+        <p:spPr>
+          <a:xfrm>
+            <a:off x="6633746" y="3273690"/>
+            <a:ext cx="5558253" cy="984274"/>
+          </a:xfrm>
+          <a:prstGeom prst="rect">
+            <a:avLst/>
+          </a:prstGeom>
+        </p:spPr>
+      </p:pic>
+    </p:spTree>
+    <p:extLst>
+      <p:ext uri="{BB962C8B-B14F-4D97-AF65-F5344CB8AC3E}">
+        <p14:creationId xmlns:p14="http://schemas.microsoft.com/office/powerpoint/2010/main" val="3419755433"/>
+      </p:ext>
+    </p:extLst>
+  </p:cSld>
+  <p:clrMapOvr>
+    <a:masterClrMapping/>
+  </p:clrMapOvr>
+  <p:timing>
+    <p:tnLst>
+      <p:par>
+        <p:cTn id="1" dur="indefinite" restart="never" nodeType="tmRoot">
+          <p:childTnLst>
+            <p:seq concurrent="1" nextAc="seek">
+              <p:cTn id="2" dur="indefinite" nodeType="mainSeq">
+                <p:childTnLst>
+                  <p:par>
+                    <p:cTn id="3" fill="hold">
+                      <p:stCondLst>
+                        <p:cond delay="indefinite"/>
+                      </p:stCondLst>
+                      <p:childTnLst>
+                        <p:par>
+                          <p:cTn id="4" fill="hold">
+                            <p:stCondLst>
+                              <p:cond delay="0"/>
+                            </p:stCondLst>
+                            <p:childTnLst>
+                              <p:par>
+                                <p:cTn id="5" presetID="2" presetClass="entr" presetSubtype="4" fill="hold" nodeType="clickEffect">
+                                  <p:stCondLst>
+                                    <p:cond delay="0"/>
+                                  </p:stCondLst>
+                                  <p:childTnLst>
+                                    <p:set>
+                                      <p:cBhvr>
+                                        <p:cTn id="6" dur="1" fill="hold">
+                                          <p:stCondLst>
+                                            <p:cond delay="0"/>
+                                          </p:stCondLst>
+                                        </p:cTn>
+                                        <p:tgtEl>
+                                          <p:spTgt spid="5"/>
+                                        </p:tgtEl>
+                                        <p:attrNameLst>
+                                          <p:attrName>style.visibility</p:attrName>
+                                        </p:attrNameLst>
+                                      </p:cBhvr>
+                                      <p:to>
+                                        <p:strVal val="visible"/>
+                                      </p:to>
+                                    </p:set>
+                                    <p:anim calcmode="lin" valueType="num">
+                                      <p:cBhvr additive="base">
+                                        <p:cTn id="7" dur="500" fill="hold"/>
+                                        <p:tgtEl>
+                                          <p:spTgt spid="5"/>
+                                        </p:tgtEl>
+                                        <p:attrNameLst>
+                                          <p:attrName>ppt_x</p:attrName>
+                                        </p:attrNameLst>
+                                      </p:cBhvr>
+                                      <p:tavLst>
+                                        <p:tav tm="0">
+                                          <p:val>
+                                            <p:strVal val="#ppt_x"/>
+                                          </p:val>
+                                        </p:tav>
+                                        <p:tav tm="100000">
+                                          <p:val>
+                                            <p:strVal val="#ppt_x"/>
+                                          </p:val>
+                                        </p:tav>
+                                      </p:tavLst>
+                                    </p:anim>
+                                    <p:anim calcmode="lin" valueType="num">
+                                      <p:cBhvr additive="base">
+                                        <p:cTn id="8" dur="500" fill="hold"/>
+                                        <p:tgtEl>
+                                          <p:spTgt spid="5"/>
+                                        </p:tgtEl>
+                                        <p:attrNameLst>
+                                          <p:attrName>ppt_y</p:attrName>
+                                        </p:attrNameLst>
+                                      </p:cBhvr>
+                                      <p:tavLst>
+                                        <p:tav tm="0">
+                                          <p:val>
+                                            <p:strVal val="1+#ppt_h/2"/>
+                                          </p:val>
+                                        </p:tav>
+                                        <p:tav tm="100000">
+                                          <p:val>
+                                            <p:strVal val="#ppt_y"/>
+                                          </p:val>
+                                        </p:tav>
+                                      </p:tavLst>
+                                    </p:anim>
+                                  </p:childTnLst>
+                                </p:cTn>
+                              </p:par>
+                            </p:childTnLst>
+                          </p:cTn>
+                        </p:par>
+                      </p:childTnLst>
+                    </p:cTn>
+                  </p:par>
+                  <p:par>
+                    <p:cTn id="9" fill="hold">
+                      <p:stCondLst>
+                        <p:cond delay="indefinite"/>
+                      </p:stCondLst>
+                      <p:childTnLst>
+                        <p:par>
+                          <p:cTn id="10" fill="hold">
+                            <p:stCondLst>
+                              <p:cond delay="0"/>
+                            </p:stCondLst>
+                            <p:childTnLst>
+                              <p:par>
+                                <p:cTn id="11" presetID="2" presetClass="entr" presetSubtype="4" fill="hold" nodeType="clickEffect">
+                                  <p:stCondLst>
+                                    <p:cond delay="0"/>
+                                  </p:stCondLst>
+                                  <p:childTnLst>
+                                    <p:set>
+                                      <p:cBhvr>
+                                        <p:cTn id="12" dur="1" fill="hold">
+                                          <p:stCondLst>
+                                            <p:cond delay="0"/>
+                                          </p:stCondLst>
+                                        </p:cTn>
+                                        <p:tgtEl>
+                                          <p:spTgt spid="7"/>
+                                        </p:tgtEl>
+                                        <p:attrNameLst>
+                                          <p:attrName>style.visibility</p:attrName>
+                                        </p:attrNameLst>
+                                      </p:cBhvr>
+                                      <p:to>
+                                        <p:strVal val="visible"/>
+                                      </p:to>
+                                    </p:set>
+                                    <p:anim calcmode="lin" valueType="num">
+                                      <p:cBhvr additive="base">
+                                        <p:cTn id="13" dur="500" fill="hold"/>
+                                        <p:tgtEl>
+                                          <p:spTgt spid="7"/>
+                                        </p:tgtEl>
+                                        <p:attrNameLst>
+                                          <p:attrName>ppt_x</p:attrName>
+                                        </p:attrNameLst>
+                                      </p:cBhvr>
+                                      <p:tavLst>
+                                        <p:tav tm="0">
+                                          <p:val>
+                                            <p:strVal val="#ppt_x"/>
+                                          </p:val>
+                                        </p:tav>
+                                        <p:tav tm="100000">
+                                          <p:val>
+                                            <p:strVal val="#ppt_x"/>
+                                          </p:val>
+                                        </p:tav>
+                                      </p:tavLst>
+                                    </p:anim>
+                                    <p:anim calcmode="lin" valueType="num">
+                                      <p:cBhvr additive="base">
+                                        <p:cTn id="14" dur="500" fill="hold"/>
+                                        <p:tgtEl>
+                                          <p:spTgt spid="7"/>
+                                        </p:tgtEl>
+                                        <p:attrNameLst>
+                                          <p:attrName>ppt_y</p:attrName>
+                                        </p:attrNameLst>
+                                      </p:cBhvr>
+                                      <p:tavLst>
+                                        <p:tav tm="0">
+                                          <p:val>
+                                            <p:strVal val="1+#ppt_h/2"/>
+                                          </p:val>
+                                        </p:tav>
+                                        <p:tav tm="100000">
+                                          <p:val>
+                                            <p:strVal val="#ppt_y"/>
+                                          </p:val>
+                                        </p:tav>
+                                      </p:tavLst>
+                                    </p:anim>
+                                  </p:childTnLst>
+                                </p:cTn>
+                              </p:par>
+                              <p:par>
+                                <p:cTn id="15" presetID="10" presetClass="exit" presetSubtype="0" fill="hold" nodeType="withEffect">
+                                  <p:stCondLst>
+                                    <p:cond delay="0"/>
+                                  </p:stCondLst>
+                                  <p:childTnLst>
+                                    <p:animEffect transition="out" filter="fade">
+                                      <p:cBhvr>
+                                        <p:cTn id="16" dur="500"/>
+                                        <p:tgtEl>
+                                          <p:spTgt spid="5"/>
+                                        </p:tgtEl>
+                                      </p:cBhvr>
+                                    </p:animEffect>
+                                    <p:set>
+                                      <p:cBhvr>
+                                        <p:cTn id="17" dur="1" fill="hold">
+                                          <p:stCondLst>
+                                            <p:cond delay="499"/>
+                                          </p:stCondLst>
+                                        </p:cTn>
+                                        <p:tgtEl>
+                                          <p:spTgt spid="5"/>
+                                        </p:tgtEl>
+                                        <p:attrNameLst>
+                                          <p:attrName>style.visibility</p:attrName>
+                                        </p:attrNameLst>
+                                      </p:cBhvr>
+                                      <p:to>
+                                        <p:strVal val="hidden"/>
+                                      </p:to>
+                                    </p:set>
+                                  </p:childTnLst>
+                                </p:cTn>
+                              </p:par>
+                            </p:childTnLst>
+                          </p:cTn>
+                        </p:par>
+                      </p:childTnLst>
+                    </p:cTn>
+                  </p:par>
+                  <p:par>
+                    <p:cTn id="18" fill="hold">
+                      <p:stCondLst>
+                        <p:cond delay="indefinite"/>
+                      </p:stCondLst>
+                      <p:childTnLst>
+                        <p:par>
+                          <p:cTn id="19" fill="hold">
+                            <p:stCondLst>
+                              <p:cond delay="0"/>
+                            </p:stCondLst>
+                            <p:childTnLst>
+                              <p:par>
+                                <p:cTn id="20" presetID="2" presetClass="entr" presetSubtype="4" fill="hold" nodeType="clickEffect">
+                                  <p:stCondLst>
+                                    <p:cond delay="0"/>
+                                  </p:stCondLst>
+                                  <p:childTnLst>
+                                    <p:set>
+                                      <p:cBhvr>
+                                        <p:cTn id="21" dur="1" fill="hold">
+                                          <p:stCondLst>
+                                            <p:cond delay="0"/>
+                                          </p:stCondLst>
+                                        </p:cTn>
+                                        <p:tgtEl>
+                                          <p:spTgt spid="9"/>
+                                        </p:tgtEl>
+                                        <p:attrNameLst>
+                                          <p:attrName>style.visibility</p:attrName>
+                                        </p:attrNameLst>
+                                      </p:cBhvr>
+                                      <p:to>
+                                        <p:strVal val="visible"/>
+                                      </p:to>
+                                    </p:set>
+                                    <p:anim calcmode="lin" valueType="num">
+                                      <p:cBhvr additive="base">
+                                        <p:cTn id="22" dur="500" fill="hold"/>
+                                        <p:tgtEl>
+                                          <p:spTgt spid="9"/>
+                                        </p:tgtEl>
+                                        <p:attrNameLst>
+                                          <p:attrName>ppt_x</p:attrName>
+                                        </p:attrNameLst>
+                                      </p:cBhvr>
+                                      <p:tavLst>
+                                        <p:tav tm="0">
+                                          <p:val>
+                                            <p:strVal val="#ppt_x"/>
+                                          </p:val>
+                                        </p:tav>
+                                        <p:tav tm="100000">
+                                          <p:val>
+                                            <p:strVal val="#ppt_x"/>
+                                          </p:val>
+                                        </p:tav>
+                                      </p:tavLst>
+                                    </p:anim>
+                                    <p:anim calcmode="lin" valueType="num">
+                                      <p:cBhvr additive="base">
+                                        <p:cTn id="23" dur="500" fill="hold"/>
+                                        <p:tgtEl>
+                                          <p:spTgt spid="9"/>
+                                        </p:tgtEl>
+                                        <p:attrNameLst>
+                                          <p:attrName>ppt_y</p:attrName>
+                                        </p:attrNameLst>
+                                      </p:cBhvr>
+                                      <p:tavLst>
+                                        <p:tav tm="0">
+                                          <p:val>
+                                            <p:strVal val="1+#ppt_h/2"/>
+                                          </p:val>
+                                        </p:tav>
+                                        <p:tav tm="100000">
+                                          <p:val>
+                                            <p:strVal val="#ppt_y"/>
+                                          </p:val>
+                                        </p:tav>
+                                      </p:tavLst>
+                                    </p:anim>
+                                  </p:childTnLst>
+                                </p:cTn>
+                              </p:par>
+                              <p:par>
+                                <p:cTn id="24" presetID="10" presetClass="exit" presetSubtype="0" fill="hold" nodeType="withEffect">
+                                  <p:stCondLst>
+                                    <p:cond delay="0"/>
+                                  </p:stCondLst>
+                                  <p:childTnLst>
+                                    <p:animEffect transition="out" filter="fade">
+                                      <p:cBhvr>
+                                        <p:cTn id="25" dur="500"/>
+                                        <p:tgtEl>
+                                          <p:spTgt spid="7"/>
+                                        </p:tgtEl>
+                                      </p:cBhvr>
+                                    </p:animEffect>
+                                    <p:set>
+                                      <p:cBhvr>
+                                        <p:cTn id="26" dur="1" fill="hold">
+                                          <p:stCondLst>
+                                            <p:cond delay="499"/>
+                                          </p:stCondLst>
+                                        </p:cTn>
+                                        <p:tgtEl>
+                                          <p:spTgt spid="7"/>
+                                        </p:tgtEl>
+                                        <p:attrNameLst>
+                                          <p:attrName>style.visibility</p:attrName>
+                                        </p:attrNameLst>
+                                      </p:cBhvr>
+                                      <p:to>
+                                        <p:strVal val="hidden"/>
+                                      </p:to>
+                                    </p:set>
+                                  </p:childTnLst>
+                                </p:cTn>
+                              </p:par>
+                            </p:childTnLst>
+                          </p:cTn>
+                        </p:par>
+                      </p:childTnLst>
+                    </p:cTn>
+                  </p:par>
+                </p:childTnLst>
+              </p:cTn>
+              <p:prevCondLst>
+                <p:cond evt="onPrev" delay="0">
+                  <p:tgtEl>
+                    <p:sldTgt/>
+                  </p:tgtEl>
+                </p:cond>
+              </p:prevCondLst>
+              <p:nextCondLst>
+                <p:cond evt="onNext" delay="0">
+                  <p:tgtEl>
+                    <p:sldTgt/>
+                  </p:tgtEl>
+                </p:cond>
+              </p:nextCondLst>
+            </p:seq>
+          </p:childTnLst>
+        </p:cTn>
+      </p:par>
+    </p:tnLst>
+  </p:timing>
+</p:sld>
+</file>
+
+<file path=ppt/slides/slide20.xml><?xml version="1.0" encoding="utf-8"?>
 <p:sld xmlns:a="http://schemas.openxmlformats.org/drawingml/2006/main" xmlns:r="http://schemas.openxmlformats.org/officeDocument/2006/relationships" xmlns:p="http://schemas.openxmlformats.org/presentationml/2006/main">
   <p:cSld>
     <p:spTree>
@@ -13985,28 +17324,8 @@
           <a:p>
             <a:pPr lvl="1"/>
             <a:r>
-              <a:rPr lang="en-US" dirty="0" err="1"/>
-              <a:t>losetup</a:t>
-            </a:r>
-            <a:r>
               <a:rPr lang="en-US" dirty="0"/>
-              <a:t> –</a:t>
-            </a:r>
-            <a:r>
-              <a:rPr lang="en-US" dirty="0" err="1"/>
-              <a:t>fP</a:t>
-            </a:r>
-            <a:r>
-              <a:rPr lang="en-US" dirty="0"/>
-              <a:t> </a:t>
-            </a:r>
-            <a:r>
-              <a:rPr lang="en-US" dirty="0" err="1"/>
-              <a:t>sparse_file.img</a:t>
-            </a:r>
-            <a:r>
-              <a:rPr lang="en-US" dirty="0"/>
-              <a:t> </a:t>
+              <a:t>losetup –fP sparse_file.img </a:t>
             </a:r>
           </a:p>
           <a:p>
@@ -16330,7 +19649,7 @@
 </p:sld>
 </file>
 
-<file path=ppt/slides/slide19.xml><?xml version="1.0" encoding="utf-8"?>
+<file path=ppt/slides/slide21.xml><?xml version="1.0" encoding="utf-8"?>
 <p:sld xmlns:a="http://schemas.openxmlformats.org/drawingml/2006/main" xmlns:r="http://schemas.openxmlformats.org/officeDocument/2006/relationships" xmlns:p="http://schemas.openxmlformats.org/presentationml/2006/main">
   <p:cSld>
     <p:spTree>
@@ -16436,7 +19755,1038 @@
 </p:sld>
 </file>
 
-<file path=ppt/slides/slide2.xml><?xml version="1.0" encoding="utf-8"?>
+<file path=ppt/slides/slide3.xml><?xml version="1.0" encoding="utf-8"?>
+<p:sld xmlns:a="http://schemas.openxmlformats.org/drawingml/2006/main" xmlns:r="http://schemas.openxmlformats.org/officeDocument/2006/relationships" xmlns:p="http://schemas.openxmlformats.org/presentationml/2006/main">
+  <p:cSld>
+    <p:spTree>
+      <p:nvGrpSpPr>
+        <p:cNvPr id="1" name=""/>
+        <p:cNvGrpSpPr/>
+        <p:nvPr/>
+      </p:nvGrpSpPr>
+      <p:grpSpPr>
+        <a:xfrm>
+          <a:off x="0" y="0"/>
+          <a:ext cx="0" cy="0"/>
+          <a:chOff x="0" y="0"/>
+          <a:chExt cx="0" cy="0"/>
+        </a:xfrm>
+      </p:grpSpPr>
+      <p:sp>
+        <p:nvSpPr>
+          <p:cNvPr id="2" name="Title 1">
+            <a:extLst>
+              <a:ext uri="{FF2B5EF4-FFF2-40B4-BE49-F238E27FC236}">
+                <a16:creationId xmlns:a16="http://schemas.microsoft.com/office/drawing/2014/main" id="{9B93659B-7DC6-4D2F-BE21-1C9664C0D02D}"/>
+              </a:ext>
+            </a:extLst>
+          </p:cNvPr>
+          <p:cNvSpPr>
+            <a:spLocks noGrp="1"/>
+          </p:cNvSpPr>
+          <p:nvPr>
+            <p:ph type="title"/>
+          </p:nvPr>
+        </p:nvSpPr>
+        <p:spPr>
+          <a:xfrm>
+            <a:off x="189062" y="85710"/>
+            <a:ext cx="4445082" cy="730928"/>
+          </a:xfrm>
+        </p:spPr>
+        <p:txBody>
+          <a:bodyPr/>
+          <a:lstStyle/>
+          <a:p>
+            <a:r>
+              <a:rPr lang="en-US" dirty="0"/>
+              <a:t>Cloud Providers</a:t>
+            </a:r>
+            <a:endParaRPr lang="en-IN" dirty="0"/>
+          </a:p>
+        </p:txBody>
+      </p:sp>
+      <p:graphicFrame>
+        <p:nvGraphicFramePr>
+          <p:cNvPr id="4" name="Table 4">
+            <a:extLst>
+              <a:ext uri="{FF2B5EF4-FFF2-40B4-BE49-F238E27FC236}">
+                <a16:creationId xmlns:a16="http://schemas.microsoft.com/office/drawing/2014/main" id="{1ACEE5EB-8B5C-433F-9DF7-744D8B47B057}"/>
+              </a:ext>
+            </a:extLst>
+          </p:cNvPr>
+          <p:cNvGraphicFramePr>
+            <a:graphicFrameLocks noGrp="1"/>
+          </p:cNvGraphicFramePr>
+          <p:nvPr>
+            <p:ph idx="1"/>
+            <p:extLst>
+              <p:ext uri="{D42A27DB-BD31-4B8C-83A1-F6EECF244321}">
+                <p14:modId xmlns:p14="http://schemas.microsoft.com/office/powerpoint/2010/main" val="743592774"/>
+              </p:ext>
+            </p:extLst>
+          </p:nvPr>
+        </p:nvGraphicFramePr>
+        <p:xfrm>
+          <a:off x="62143" y="935470"/>
+          <a:ext cx="11896080" cy="5074920"/>
+        </p:xfrm>
+        <a:graphic>
+          <a:graphicData uri="http://schemas.openxmlformats.org/drawingml/2006/table">
+            <a:tbl>
+              <a:tblPr firstRow="1" bandRow="1">
+                <a:tableStyleId>{5C22544A-7EE6-4342-B048-85BDC9FD1C3A}</a:tableStyleId>
+              </a:tblPr>
+              <a:tblGrid>
+                <a:gridCol w="1982680">
+                  <a:extLst>
+                    <a:ext uri="{9D8B030D-6E8A-4147-A177-3AD203B41FA5}">
+                      <a16:colId xmlns:a16="http://schemas.microsoft.com/office/drawing/2014/main" val="667519079"/>
+                    </a:ext>
+                  </a:extLst>
+                </a:gridCol>
+                <a:gridCol w="1982680">
+                  <a:extLst>
+                    <a:ext uri="{9D8B030D-6E8A-4147-A177-3AD203B41FA5}">
+                      <a16:colId xmlns:a16="http://schemas.microsoft.com/office/drawing/2014/main" val="2763419873"/>
+                    </a:ext>
+                  </a:extLst>
+                </a:gridCol>
+                <a:gridCol w="1982680">
+                  <a:extLst>
+                    <a:ext uri="{9D8B030D-6E8A-4147-A177-3AD203B41FA5}">
+                      <a16:colId xmlns:a16="http://schemas.microsoft.com/office/drawing/2014/main" val="3987328543"/>
+                    </a:ext>
+                  </a:extLst>
+                </a:gridCol>
+                <a:gridCol w="1982680">
+                  <a:extLst>
+                    <a:ext uri="{9D8B030D-6E8A-4147-A177-3AD203B41FA5}">
+                      <a16:colId xmlns:a16="http://schemas.microsoft.com/office/drawing/2014/main" val="666377136"/>
+                    </a:ext>
+                  </a:extLst>
+                </a:gridCol>
+                <a:gridCol w="1982680">
+                  <a:extLst>
+                    <a:ext uri="{9D8B030D-6E8A-4147-A177-3AD203B41FA5}">
+                      <a16:colId xmlns:a16="http://schemas.microsoft.com/office/drawing/2014/main" val="3930606476"/>
+                    </a:ext>
+                  </a:extLst>
+                </a:gridCol>
+                <a:gridCol w="1982680">
+                  <a:extLst>
+                    <a:ext uri="{9D8B030D-6E8A-4147-A177-3AD203B41FA5}">
+                      <a16:colId xmlns:a16="http://schemas.microsoft.com/office/drawing/2014/main" val="2084021769"/>
+                    </a:ext>
+                  </a:extLst>
+                </a:gridCol>
+              </a:tblGrid>
+              <a:tr h="370840">
+                <a:tc>
+                  <a:txBody>
+                    <a:bodyPr/>
+                    <a:lstStyle/>
+                    <a:p>
+                      <a:r>
+                        <a:rPr lang="en-US" sz="1400" dirty="0"/>
+                        <a:t>Parameter</a:t>
+                      </a:r>
+                      <a:endParaRPr lang="en-IN" sz="1400" dirty="0"/>
+                    </a:p>
+                  </a:txBody>
+                  <a:tcPr/>
+                </a:tc>
+                <a:tc>
+                  <a:txBody>
+                    <a:bodyPr/>
+                    <a:lstStyle/>
+                    <a:p>
+                      <a:r>
+                        <a:rPr lang="en-US" sz="1400" dirty="0"/>
+                        <a:t>AWS</a:t>
+                      </a:r>
+                      <a:endParaRPr lang="en-IN" sz="1400" dirty="0"/>
+                    </a:p>
+                  </a:txBody>
+                  <a:tcPr/>
+                </a:tc>
+                <a:tc>
+                  <a:txBody>
+                    <a:bodyPr/>
+                    <a:lstStyle/>
+                    <a:p>
+                      <a:r>
+                        <a:rPr lang="en-US" sz="1400" dirty="0"/>
+                        <a:t>Azure</a:t>
+                      </a:r>
+                      <a:endParaRPr lang="en-IN" sz="1400" dirty="0"/>
+                    </a:p>
+                  </a:txBody>
+                  <a:tcPr/>
+                </a:tc>
+                <a:tc>
+                  <a:txBody>
+                    <a:bodyPr/>
+                    <a:lstStyle/>
+                    <a:p>
+                      <a:r>
+                        <a:rPr lang="en-US" sz="1400" dirty="0"/>
+                        <a:t>GCP</a:t>
+                      </a:r>
+                      <a:endParaRPr lang="en-IN" sz="1400" dirty="0"/>
+                    </a:p>
+                  </a:txBody>
+                  <a:tcPr/>
+                </a:tc>
+                <a:tc>
+                  <a:txBody>
+                    <a:bodyPr/>
+                    <a:lstStyle/>
+                    <a:p>
+                      <a:r>
+                        <a:rPr lang="en-US" sz="1400" dirty="0"/>
+                        <a:t>IBM Cloud</a:t>
+                      </a:r>
+                      <a:endParaRPr lang="en-IN" sz="1400" dirty="0"/>
+                    </a:p>
+                  </a:txBody>
+                  <a:tcPr/>
+                </a:tc>
+                <a:tc>
+                  <a:txBody>
+                    <a:bodyPr/>
+                    <a:lstStyle/>
+                    <a:p>
+                      <a:r>
+                        <a:rPr lang="en-US" sz="1400" dirty="0"/>
+                        <a:t>Oracle Cloud</a:t>
+                      </a:r>
+                      <a:endParaRPr lang="en-IN" sz="1400" dirty="0"/>
+                    </a:p>
+                  </a:txBody>
+                  <a:tcPr/>
+                </a:tc>
+                <a:extLst>
+                  <a:ext uri="{0D108BD9-81ED-4DB2-BD59-A6C34878D82A}">
+                    <a16:rowId xmlns:a16="http://schemas.microsoft.com/office/drawing/2014/main" val="866550856"/>
+                  </a:ext>
+                </a:extLst>
+              </a:tr>
+              <a:tr h="370840">
+                <a:tc>
+                  <a:txBody>
+                    <a:bodyPr/>
+                    <a:lstStyle/>
+                    <a:p>
+                      <a:r>
+                        <a:rPr lang="en-US" sz="1400" dirty="0"/>
+                        <a:t>Launch Year</a:t>
+                      </a:r>
+                      <a:endParaRPr lang="en-IN" sz="1400" dirty="0"/>
+                    </a:p>
+                  </a:txBody>
+                  <a:tcPr/>
+                </a:tc>
+                <a:tc>
+                  <a:txBody>
+                    <a:bodyPr/>
+                    <a:lstStyle/>
+                    <a:p>
+                      <a:r>
+                        <a:rPr lang="en-US" sz="1400" dirty="0"/>
+                        <a:t>2006</a:t>
+                      </a:r>
+                      <a:endParaRPr lang="en-IN" sz="1400" dirty="0"/>
+                    </a:p>
+                  </a:txBody>
+                  <a:tcPr/>
+                </a:tc>
+                <a:tc>
+                  <a:txBody>
+                    <a:bodyPr/>
+                    <a:lstStyle/>
+                    <a:p>
+                      <a:r>
+                        <a:rPr lang="en-US" sz="1400" dirty="0"/>
+                        <a:t>2010</a:t>
+                      </a:r>
+                      <a:endParaRPr lang="en-IN" sz="1400" dirty="0"/>
+                    </a:p>
+                  </a:txBody>
+                  <a:tcPr/>
+                </a:tc>
+                <a:tc>
+                  <a:txBody>
+                    <a:bodyPr/>
+                    <a:lstStyle/>
+                    <a:p>
+                      <a:r>
+                        <a:rPr lang="en-US" sz="1400" dirty="0"/>
+                        <a:t>2011</a:t>
+                      </a:r>
+                      <a:endParaRPr lang="en-IN" sz="1400" dirty="0"/>
+                    </a:p>
+                  </a:txBody>
+                  <a:tcPr/>
+                </a:tc>
+                <a:tc>
+                  <a:txBody>
+                    <a:bodyPr/>
+                    <a:lstStyle/>
+                    <a:p>
+                      <a:r>
+                        <a:rPr lang="en-US" sz="1400" dirty="0"/>
+                        <a:t>2011</a:t>
+                      </a:r>
+                      <a:endParaRPr lang="en-IN" sz="1400" dirty="0"/>
+                    </a:p>
+                  </a:txBody>
+                  <a:tcPr/>
+                </a:tc>
+                <a:tc>
+                  <a:txBody>
+                    <a:bodyPr/>
+                    <a:lstStyle/>
+                    <a:p>
+                      <a:r>
+                        <a:rPr lang="en-US" sz="1400" dirty="0"/>
+                        <a:t>2016</a:t>
+                      </a:r>
+                      <a:endParaRPr lang="en-IN" sz="1400" dirty="0"/>
+                    </a:p>
+                  </a:txBody>
+                  <a:tcPr/>
+                </a:tc>
+                <a:extLst>
+                  <a:ext uri="{0D108BD9-81ED-4DB2-BD59-A6C34878D82A}">
+                    <a16:rowId xmlns:a16="http://schemas.microsoft.com/office/drawing/2014/main" val="434979318"/>
+                  </a:ext>
+                </a:extLst>
+              </a:tr>
+              <a:tr h="370840">
+                <a:tc>
+                  <a:txBody>
+                    <a:bodyPr/>
+                    <a:lstStyle/>
+                    <a:p>
+                      <a:r>
+                        <a:rPr lang="en-US" sz="1400" dirty="0"/>
+                        <a:t>Availability Zones</a:t>
+                      </a:r>
+                      <a:endParaRPr lang="en-IN" sz="1400" dirty="0"/>
+                    </a:p>
+                  </a:txBody>
+                  <a:tcPr/>
+                </a:tc>
+                <a:tc>
+                  <a:txBody>
+                    <a:bodyPr/>
+                    <a:lstStyle/>
+                    <a:p>
+                      <a:r>
+                        <a:rPr lang="en-US" sz="1400" dirty="0"/>
+                        <a:t>78 (200+ services)</a:t>
+                      </a:r>
+                      <a:endParaRPr lang="en-IN" sz="1400" dirty="0"/>
+                    </a:p>
+                  </a:txBody>
+                  <a:tcPr/>
+                </a:tc>
+                <a:tc>
+                  <a:txBody>
+                    <a:bodyPr/>
+                    <a:lstStyle/>
+                    <a:p>
+                      <a:r>
+                        <a:rPr lang="en-US" sz="1400" dirty="0"/>
+                        <a:t>140 (100+ services)</a:t>
+                      </a:r>
+                      <a:endParaRPr lang="en-IN" sz="1400" dirty="0"/>
+                    </a:p>
+                  </a:txBody>
+                  <a:tcPr/>
+                </a:tc>
+                <a:tc>
+                  <a:txBody>
+                    <a:bodyPr/>
+                    <a:lstStyle/>
+                    <a:p>
+                      <a:r>
+                        <a:rPr lang="en-US" sz="1400" dirty="0"/>
+                        <a:t>61 (60+ services)</a:t>
+                      </a:r>
+                      <a:endParaRPr lang="en-IN" sz="1400" dirty="0"/>
+                    </a:p>
+                  </a:txBody>
+                  <a:tcPr/>
+                </a:tc>
+                <a:tc>
+                  <a:txBody>
+                    <a:bodyPr/>
+                    <a:lstStyle/>
+                    <a:p>
+                      <a:r>
+                        <a:rPr lang="en-US" sz="1400" dirty="0"/>
+                        <a:t>18 (170+)</a:t>
+                      </a:r>
+                      <a:endParaRPr lang="en-IN" sz="1400" dirty="0"/>
+                    </a:p>
+                  </a:txBody>
+                  <a:tcPr/>
+                </a:tc>
+                <a:tc>
+                  <a:txBody>
+                    <a:bodyPr/>
+                    <a:lstStyle/>
+                    <a:p>
+                      <a:r>
+                        <a:rPr lang="en-US" sz="1400" dirty="0"/>
+                        <a:t>29 (70+ services)</a:t>
+                      </a:r>
+                      <a:endParaRPr lang="en-IN" sz="1400" dirty="0"/>
+                    </a:p>
+                  </a:txBody>
+                  <a:tcPr/>
+                </a:tc>
+                <a:extLst>
+                  <a:ext uri="{0D108BD9-81ED-4DB2-BD59-A6C34878D82A}">
+                    <a16:rowId xmlns:a16="http://schemas.microsoft.com/office/drawing/2014/main" val="2204021844"/>
+                  </a:ext>
+                </a:extLst>
+              </a:tr>
+              <a:tr h="434848">
+                <a:tc>
+                  <a:txBody>
+                    <a:bodyPr/>
+                    <a:lstStyle/>
+                    <a:p>
+                      <a:r>
+                        <a:rPr lang="en-US" sz="1400" dirty="0"/>
+                        <a:t>Compute (Launching VMs on the cloud)</a:t>
+                      </a:r>
+                      <a:endParaRPr lang="en-IN" sz="1400" dirty="0"/>
+                    </a:p>
+                  </a:txBody>
+                  <a:tcPr/>
+                </a:tc>
+                <a:tc>
+                  <a:txBody>
+                    <a:bodyPr/>
+                    <a:lstStyle/>
+                    <a:p>
+                      <a:r>
+                        <a:rPr lang="en-US" sz="1400" dirty="0"/>
+                        <a:t>EC2 (Elastic Compute Cloud)</a:t>
+                      </a:r>
+                      <a:endParaRPr lang="en-IN" sz="1400" dirty="0"/>
+                    </a:p>
+                  </a:txBody>
+                  <a:tcPr/>
+                </a:tc>
+                <a:tc>
+                  <a:txBody>
+                    <a:bodyPr/>
+                    <a:lstStyle/>
+                    <a:p>
+                      <a:r>
+                        <a:rPr lang="en-US" sz="1400" dirty="0"/>
+                        <a:t>Virtual Machine</a:t>
+                      </a:r>
+                      <a:endParaRPr lang="en-IN" sz="1400" dirty="0"/>
+                    </a:p>
+                  </a:txBody>
+                  <a:tcPr/>
+                </a:tc>
+                <a:tc>
+                  <a:txBody>
+                    <a:bodyPr/>
+                    <a:lstStyle/>
+                    <a:p>
+                      <a:r>
+                        <a:rPr lang="en-US" sz="1400" dirty="0"/>
+                        <a:t>Cloud Engine</a:t>
+                      </a:r>
+                      <a:endParaRPr lang="en-IN" sz="1400" dirty="0"/>
+                    </a:p>
+                  </a:txBody>
+                  <a:tcPr/>
+                </a:tc>
+                <a:tc>
+                  <a:txBody>
+                    <a:bodyPr/>
+                    <a:lstStyle/>
+                    <a:p>
+                      <a:r>
+                        <a:rPr lang="en-US" sz="1400" dirty="0"/>
+                        <a:t>Cloud Compute</a:t>
+                      </a:r>
+                      <a:endParaRPr lang="en-IN" sz="1400" dirty="0"/>
+                    </a:p>
+                  </a:txBody>
+                  <a:tcPr/>
+                </a:tc>
+                <a:tc>
+                  <a:txBody>
+                    <a:bodyPr/>
+                    <a:lstStyle/>
+                    <a:p>
+                      <a:r>
+                        <a:rPr lang="en-US" sz="1400" dirty="0"/>
+                        <a:t>Cloud Compute</a:t>
+                      </a:r>
+                      <a:endParaRPr lang="en-IN" sz="1400" dirty="0"/>
+                    </a:p>
+                  </a:txBody>
+                  <a:tcPr/>
+                </a:tc>
+                <a:extLst>
+                  <a:ext uri="{0D108BD9-81ED-4DB2-BD59-A6C34878D82A}">
+                    <a16:rowId xmlns:a16="http://schemas.microsoft.com/office/drawing/2014/main" val="1003383650"/>
+                  </a:ext>
+                </a:extLst>
+              </a:tr>
+              <a:tr h="370840">
+                <a:tc>
+                  <a:txBody>
+                    <a:bodyPr/>
+                    <a:lstStyle/>
+                    <a:p>
+                      <a:r>
+                        <a:rPr lang="en-US" sz="1400" dirty="0"/>
+                        <a:t>Database</a:t>
+                      </a:r>
+                      <a:endParaRPr lang="en-IN" sz="1400" dirty="0"/>
+                    </a:p>
+                  </a:txBody>
+                  <a:tcPr/>
+                </a:tc>
+                <a:tc>
+                  <a:txBody>
+                    <a:bodyPr/>
+                    <a:lstStyle/>
+                    <a:p>
+                      <a:r>
+                        <a:rPr lang="en-US" sz="1400" dirty="0"/>
+                        <a:t>RDS (Supports MySQL, MariaDB, Oracle, etc.)</a:t>
+                      </a:r>
+                      <a:endParaRPr lang="en-IN" sz="1400" dirty="0"/>
+                    </a:p>
+                  </a:txBody>
+                  <a:tcPr/>
+                </a:tc>
+                <a:tc>
+                  <a:txBody>
+                    <a:bodyPr/>
+                    <a:lstStyle/>
+                    <a:p>
+                      <a:r>
+                        <a:rPr lang="en-US" sz="1400" dirty="0"/>
+                        <a:t>SQL Database service (Only supports MySQL)</a:t>
+                      </a:r>
+                      <a:endParaRPr lang="en-IN" sz="1400" dirty="0"/>
+                    </a:p>
+                  </a:txBody>
+                  <a:tcPr/>
+                </a:tc>
+                <a:tc>
+                  <a:txBody>
+                    <a:bodyPr/>
+                    <a:lstStyle/>
+                    <a:p>
+                      <a:r>
+                        <a:rPr lang="en-US" sz="1400" dirty="0"/>
+                        <a:t>SQL Database </a:t>
+                      </a:r>
+                    </a:p>
+                    <a:p>
+                      <a:r>
+                        <a:rPr lang="en-US" sz="1400" dirty="0"/>
+                        <a:t>(Only supports MySQL &amp; PostgreSQL)</a:t>
+                      </a:r>
+                      <a:endParaRPr lang="en-IN" sz="1400" dirty="0"/>
+                    </a:p>
+                  </a:txBody>
+                  <a:tcPr/>
+                </a:tc>
+                <a:tc>
+                  <a:txBody>
+                    <a:bodyPr/>
+                    <a:lstStyle/>
+                    <a:p>
+                      <a:r>
+                        <a:rPr lang="en-US" sz="1400" dirty="0"/>
+                        <a:t>Cloud Database (Supports MySQL, MongoDB, </a:t>
+                      </a:r>
+                      <a:r>
+                        <a:rPr lang="en-US" sz="1400" dirty="0" err="1"/>
+                        <a:t>etc</a:t>
+                      </a:r>
+                      <a:r>
+                        <a:rPr lang="en-US" sz="1400" dirty="0"/>
+                        <a:t>) </a:t>
+                      </a:r>
+                      <a:endParaRPr lang="en-IN" sz="1400" dirty="0"/>
+                    </a:p>
+                  </a:txBody>
+                  <a:tcPr/>
+                </a:tc>
+                <a:tc>
+                  <a:txBody>
+                    <a:bodyPr/>
+                    <a:lstStyle/>
+                    <a:p>
+                      <a:r>
+                        <a:rPr lang="en-US" sz="1400" dirty="0"/>
+                        <a:t>Autonomous Database(Supports Oracle Database)</a:t>
+                      </a:r>
+                      <a:endParaRPr lang="en-IN" sz="1400" dirty="0"/>
+                    </a:p>
+                  </a:txBody>
+                  <a:tcPr/>
+                </a:tc>
+                <a:extLst>
+                  <a:ext uri="{0D108BD9-81ED-4DB2-BD59-A6C34878D82A}">
+                    <a16:rowId xmlns:a16="http://schemas.microsoft.com/office/drawing/2014/main" val="3126692415"/>
+                  </a:ext>
+                </a:extLst>
+              </a:tr>
+              <a:tr h="370840">
+                <a:tc>
+                  <a:txBody>
+                    <a:bodyPr/>
+                    <a:lstStyle/>
+                    <a:p>
+                      <a:r>
+                        <a:rPr lang="en-US" sz="1400" dirty="0"/>
+                        <a:t>Storage (Buckets and object-based filesystem)</a:t>
+                      </a:r>
+                      <a:endParaRPr lang="en-IN" sz="1400" dirty="0"/>
+                    </a:p>
+                  </a:txBody>
+                  <a:tcPr/>
+                </a:tc>
+                <a:tc>
+                  <a:txBody>
+                    <a:bodyPr/>
+                    <a:lstStyle/>
+                    <a:p>
+                      <a:r>
+                        <a:rPr lang="en-US" sz="1400" dirty="0"/>
+                        <a:t>S3 (Simple Storage Service)</a:t>
+                      </a:r>
+                      <a:endParaRPr lang="en-IN" sz="1400" dirty="0"/>
+                    </a:p>
+                  </a:txBody>
+                  <a:tcPr/>
+                </a:tc>
+                <a:tc>
+                  <a:txBody>
+                    <a:bodyPr/>
+                    <a:lstStyle/>
+                    <a:p>
+                      <a:r>
+                        <a:rPr lang="en-US" sz="1400" dirty="0"/>
+                        <a:t>Blob Storage</a:t>
+                      </a:r>
+                      <a:endParaRPr lang="en-IN" sz="1400" dirty="0"/>
+                    </a:p>
+                  </a:txBody>
+                  <a:tcPr/>
+                </a:tc>
+                <a:tc>
+                  <a:txBody>
+                    <a:bodyPr/>
+                    <a:lstStyle/>
+                    <a:p>
+                      <a:r>
+                        <a:rPr lang="en-US" sz="1400" dirty="0"/>
+                        <a:t>Cloud Storage</a:t>
+                      </a:r>
+                      <a:endParaRPr lang="en-IN" sz="1400" dirty="0"/>
+                    </a:p>
+                  </a:txBody>
+                  <a:tcPr/>
+                </a:tc>
+                <a:tc>
+                  <a:txBody>
+                    <a:bodyPr/>
+                    <a:lstStyle/>
+                    <a:p>
+                      <a:r>
+                        <a:rPr lang="en-US" sz="1400" dirty="0"/>
+                        <a:t>Object Storage</a:t>
+                      </a:r>
+                      <a:endParaRPr lang="en-IN" sz="1400" dirty="0"/>
+                    </a:p>
+                  </a:txBody>
+                  <a:tcPr/>
+                </a:tc>
+                <a:tc>
+                  <a:txBody>
+                    <a:bodyPr/>
+                    <a:lstStyle/>
+                    <a:p>
+                      <a:r>
+                        <a:rPr lang="en-US" sz="1400" dirty="0"/>
+                        <a:t>Cloud Storage</a:t>
+                      </a:r>
+                      <a:endParaRPr lang="en-IN" sz="1400" dirty="0"/>
+                    </a:p>
+                  </a:txBody>
+                  <a:tcPr/>
+                </a:tc>
+                <a:extLst>
+                  <a:ext uri="{0D108BD9-81ED-4DB2-BD59-A6C34878D82A}">
+                    <a16:rowId xmlns:a16="http://schemas.microsoft.com/office/drawing/2014/main" val="1998107183"/>
+                  </a:ext>
+                </a:extLst>
+              </a:tr>
+              <a:tr h="370840">
+                <a:tc>
+                  <a:txBody>
+                    <a:bodyPr/>
+                    <a:lstStyle/>
+                    <a:p>
+                      <a:r>
+                        <a:rPr lang="en-US" sz="1400" dirty="0"/>
+                        <a:t>Troubleshooting (Logging API-calls)</a:t>
+                      </a:r>
+                      <a:endParaRPr lang="en-IN" sz="1400" dirty="0"/>
+                    </a:p>
+                  </a:txBody>
+                  <a:tcPr/>
+                </a:tc>
+                <a:tc>
+                  <a:txBody>
+                    <a:bodyPr/>
+                    <a:lstStyle/>
+                    <a:p>
+                      <a:r>
+                        <a:rPr lang="en-US" sz="1400" dirty="0"/>
+                        <a:t>CloudTrail</a:t>
+                      </a:r>
+                      <a:endParaRPr lang="en-IN" sz="1400" dirty="0"/>
+                    </a:p>
+                  </a:txBody>
+                  <a:tcPr/>
+                </a:tc>
+                <a:tc>
+                  <a:txBody>
+                    <a:bodyPr/>
+                    <a:lstStyle/>
+                    <a:p>
+                      <a:r>
+                        <a:rPr lang="en-US" sz="1400" dirty="0"/>
+                        <a:t>Azure Operational Insights</a:t>
+                      </a:r>
+                      <a:endParaRPr lang="en-IN" sz="1400" dirty="0"/>
+                    </a:p>
+                  </a:txBody>
+                  <a:tcPr/>
+                </a:tc>
+                <a:tc>
+                  <a:txBody>
+                    <a:bodyPr/>
+                    <a:lstStyle/>
+                    <a:p>
+                      <a:r>
+                        <a:rPr lang="en-US" sz="1400" dirty="0"/>
+                        <a:t>Stack Driver Logging</a:t>
+                      </a:r>
+                      <a:endParaRPr lang="en-IN" sz="1400" dirty="0"/>
+                    </a:p>
+                  </a:txBody>
+                  <a:tcPr/>
+                </a:tc>
+                <a:tc>
+                  <a:txBody>
+                    <a:bodyPr/>
+                    <a:lstStyle/>
+                    <a:p>
+                      <a:r>
+                        <a:rPr lang="en-US" sz="1400" dirty="0"/>
+                        <a:t>Log Analysis</a:t>
+                      </a:r>
+                      <a:endParaRPr lang="en-IN" sz="1400" dirty="0"/>
+                    </a:p>
+                  </a:txBody>
+                  <a:tcPr/>
+                </a:tc>
+                <a:tc>
+                  <a:txBody>
+                    <a:bodyPr/>
+                    <a:lstStyle/>
+                    <a:p>
+                      <a:r>
+                        <a:rPr lang="en-IN" sz="1400" dirty="0"/>
+                        <a:t>Cloud Observability</a:t>
+                      </a:r>
+                    </a:p>
+                  </a:txBody>
+                  <a:tcPr/>
+                </a:tc>
+                <a:extLst>
+                  <a:ext uri="{0D108BD9-81ED-4DB2-BD59-A6C34878D82A}">
+                    <a16:rowId xmlns:a16="http://schemas.microsoft.com/office/drawing/2014/main" val="29732298"/>
+                  </a:ext>
+                </a:extLst>
+              </a:tr>
+              <a:tr h="370840">
+                <a:tc>
+                  <a:txBody>
+                    <a:bodyPr/>
+                    <a:lstStyle/>
+                    <a:p>
+                      <a:r>
+                        <a:rPr lang="en-US" sz="1400" dirty="0"/>
+                        <a:t>Monitoring (Traffic stats, usage </a:t>
+                      </a:r>
+                      <a:r>
+                        <a:rPr lang="en-US" sz="1400" dirty="0" err="1"/>
+                        <a:t>info,etc</a:t>
+                      </a:r>
+                      <a:r>
+                        <a:rPr lang="en-US" sz="1400" dirty="0"/>
+                        <a:t>.)</a:t>
+                      </a:r>
+                      <a:endParaRPr lang="en-IN" sz="1400" dirty="0"/>
+                    </a:p>
+                  </a:txBody>
+                  <a:tcPr/>
+                </a:tc>
+                <a:tc>
+                  <a:txBody>
+                    <a:bodyPr/>
+                    <a:lstStyle/>
+                    <a:p>
+                      <a:r>
+                        <a:rPr lang="en-US" sz="1400" dirty="0"/>
+                        <a:t>CloudWatch</a:t>
+                      </a:r>
+                      <a:endParaRPr lang="en-IN" sz="1400" dirty="0"/>
+                    </a:p>
+                  </a:txBody>
+                  <a:tcPr/>
+                </a:tc>
+                <a:tc>
+                  <a:txBody>
+                    <a:bodyPr/>
+                    <a:lstStyle/>
+                    <a:p>
+                      <a:pPr marL="0" marR="0" lvl="0" indent="0" algn="l" defTabSz="457200" rtl="0" eaLnBrk="1" fontAlgn="auto" latinLnBrk="0" hangingPunct="1">
+                        <a:lnSpc>
+                          <a:spcPct val="100000"/>
+                        </a:lnSpc>
+                        <a:spcBef>
+                          <a:spcPts val="0"/>
+                        </a:spcBef>
+                        <a:spcAft>
+                          <a:spcPts val="0"/>
+                        </a:spcAft>
+                        <a:buClrTx/>
+                        <a:buSzTx/>
+                        <a:buFontTx/>
+                        <a:buNone/>
+                        <a:tabLst/>
+                        <a:defRPr/>
+                      </a:pPr>
+                      <a:r>
+                        <a:rPr lang="en-US" sz="1400" dirty="0"/>
+                        <a:t>Azure Application Insights</a:t>
+                      </a:r>
+                      <a:endParaRPr lang="en-IN" sz="1400" dirty="0"/>
+                    </a:p>
+                  </a:txBody>
+                  <a:tcPr/>
+                </a:tc>
+                <a:tc>
+                  <a:txBody>
+                    <a:bodyPr/>
+                    <a:lstStyle/>
+                    <a:p>
+                      <a:pPr marL="0" marR="0" lvl="0" indent="0" algn="l" defTabSz="457200" rtl="0" eaLnBrk="1" fontAlgn="auto" latinLnBrk="0" hangingPunct="1">
+                        <a:lnSpc>
+                          <a:spcPct val="100000"/>
+                        </a:lnSpc>
+                        <a:spcBef>
+                          <a:spcPts val="0"/>
+                        </a:spcBef>
+                        <a:spcAft>
+                          <a:spcPts val="0"/>
+                        </a:spcAft>
+                        <a:buClrTx/>
+                        <a:buSzTx/>
+                        <a:buFontTx/>
+                        <a:buNone/>
+                        <a:tabLst/>
+                        <a:defRPr/>
+                      </a:pPr>
+                      <a:r>
+                        <a:rPr lang="en-US" sz="1400" dirty="0"/>
+                        <a:t>Stack Driver Monitoring</a:t>
+                      </a:r>
+                      <a:endParaRPr lang="en-IN" sz="1400" dirty="0"/>
+                    </a:p>
+                    <a:p>
+                      <a:endParaRPr lang="en-IN" sz="1400" dirty="0"/>
+                    </a:p>
+                  </a:txBody>
+                  <a:tcPr/>
+                </a:tc>
+                <a:tc>
+                  <a:txBody>
+                    <a:bodyPr/>
+                    <a:lstStyle/>
+                    <a:p>
+                      <a:r>
+                        <a:rPr lang="en-US" sz="1400" dirty="0"/>
+                        <a:t>Activity Tracker</a:t>
+                      </a:r>
+                      <a:endParaRPr lang="en-IN" sz="1400" dirty="0"/>
+                    </a:p>
+                  </a:txBody>
+                  <a:tcPr/>
+                </a:tc>
+                <a:tc>
+                  <a:txBody>
+                    <a:bodyPr/>
+                    <a:lstStyle/>
+                    <a:p>
+                      <a:r>
+                        <a:rPr lang="en-IN" sz="1400" dirty="0"/>
+                        <a:t>Cloud Management</a:t>
+                      </a:r>
+                    </a:p>
+                  </a:txBody>
+                  <a:tcPr/>
+                </a:tc>
+                <a:extLst>
+                  <a:ext uri="{0D108BD9-81ED-4DB2-BD59-A6C34878D82A}">
+                    <a16:rowId xmlns:a16="http://schemas.microsoft.com/office/drawing/2014/main" val="317221113"/>
+                  </a:ext>
+                </a:extLst>
+              </a:tr>
+              <a:tr h="370840">
+                <a:tc>
+                  <a:txBody>
+                    <a:bodyPr/>
+                    <a:lstStyle/>
+                    <a:p>
+                      <a:r>
+                        <a:rPr lang="en-US" sz="1400" dirty="0"/>
+                        <a:t>Who’s using?</a:t>
+                      </a:r>
+                      <a:endParaRPr lang="en-IN" sz="1400" dirty="0"/>
+                    </a:p>
+                  </a:txBody>
+                  <a:tcPr/>
+                </a:tc>
+                <a:tc>
+                  <a:txBody>
+                    <a:bodyPr/>
+                    <a:lstStyle/>
+                    <a:p>
+                      <a:r>
+                        <a:rPr lang="en-US" sz="1400" dirty="0"/>
+                        <a:t>Netflix, Airbnb, Unilever, BMW, Mi, Samsung</a:t>
+                      </a:r>
+                      <a:endParaRPr lang="en-IN" sz="1400" dirty="0"/>
+                    </a:p>
+                  </a:txBody>
+                  <a:tcPr/>
+                </a:tc>
+                <a:tc>
+                  <a:txBody>
+                    <a:bodyPr/>
+                    <a:lstStyle/>
+                    <a:p>
+                      <a:r>
+                        <a:rPr lang="en-US" sz="1400" dirty="0"/>
+                        <a:t>Johnson Controls, Adobe, HP, Fujifilm</a:t>
+                      </a:r>
+                      <a:endParaRPr lang="en-IN" sz="1400" dirty="0"/>
+                    </a:p>
+                  </a:txBody>
+                  <a:tcPr/>
+                </a:tc>
+                <a:tc>
+                  <a:txBody>
+                    <a:bodyPr/>
+                    <a:lstStyle/>
+                    <a:p>
+                      <a:r>
+                        <a:rPr lang="en-US" sz="1400" dirty="0"/>
+                        <a:t>HSBC, PayPal, Dominos, 20</a:t>
+                      </a:r>
+                      <a:r>
+                        <a:rPr lang="en-US" sz="1400" baseline="30000" dirty="0"/>
+                        <a:t>th</a:t>
+                      </a:r>
+                      <a:r>
+                        <a:rPr lang="en-US" sz="1400" dirty="0"/>
+                        <a:t> Century Fox, Bloomberg</a:t>
+                      </a:r>
+                      <a:endParaRPr lang="en-IN" sz="1400" dirty="0"/>
+                    </a:p>
+                  </a:txBody>
+                  <a:tcPr/>
+                </a:tc>
+                <a:tc>
+                  <a:txBody>
+                    <a:bodyPr/>
+                    <a:lstStyle/>
+                    <a:p>
+                      <a:r>
+                        <a:rPr lang="en-US" sz="1400" dirty="0"/>
+                        <a:t>American Airlines, Allianz, Panasonic, Whirlpool</a:t>
+                      </a:r>
+                      <a:r>
+                        <a:rPr lang="en-US" sz="1400"/>
+                        <a:t>, Vodafone</a:t>
+                      </a:r>
+                      <a:endParaRPr lang="en-IN" sz="1400" dirty="0"/>
+                    </a:p>
+                  </a:txBody>
+                  <a:tcPr/>
+                </a:tc>
+                <a:tc>
+                  <a:txBody>
+                    <a:bodyPr/>
+                    <a:lstStyle/>
+                    <a:p>
+                      <a:r>
+                        <a:rPr lang="en-US" sz="1400" dirty="0"/>
+                        <a:t>Mazda, Zoom, 7-eleven, Dropbox, Nissan, Cisco, WD</a:t>
+                      </a:r>
+                      <a:endParaRPr lang="en-IN" sz="1400" dirty="0"/>
+                    </a:p>
+                  </a:txBody>
+                  <a:tcPr/>
+                </a:tc>
+                <a:extLst>
+                  <a:ext uri="{0D108BD9-81ED-4DB2-BD59-A6C34878D82A}">
+                    <a16:rowId xmlns:a16="http://schemas.microsoft.com/office/drawing/2014/main" val="1513421217"/>
+                  </a:ext>
+                </a:extLst>
+              </a:tr>
+            </a:tbl>
+          </a:graphicData>
+        </a:graphic>
+      </p:graphicFrame>
+    </p:spTree>
+    <p:extLst>
+      <p:ext uri="{BB962C8B-B14F-4D97-AF65-F5344CB8AC3E}">
+        <p14:creationId xmlns:p14="http://schemas.microsoft.com/office/powerpoint/2010/main" val="3010247522"/>
+      </p:ext>
+    </p:extLst>
+  </p:cSld>
+  <p:clrMapOvr>
+    <a:masterClrMapping/>
+  </p:clrMapOvr>
+</p:sld>
+</file>
+
+<file path=ppt/slides/slide4.xml><?xml version="1.0" encoding="utf-8"?>
 <p:sld xmlns:a="http://schemas.openxmlformats.org/drawingml/2006/main" xmlns:r="http://schemas.openxmlformats.org/officeDocument/2006/relationships" xmlns:p="http://schemas.openxmlformats.org/presentationml/2006/main">
   <p:cSld>
     <p:spTree>
@@ -16644,7 +20994,7 @@
 </p:sld>
 </file>
 
-<file path=ppt/slides/slide3.xml><?xml version="1.0" encoding="utf-8"?>
+<file path=ppt/slides/slide5.xml><?xml version="1.0" encoding="utf-8"?>
 <p:sld xmlns:a="http://schemas.openxmlformats.org/drawingml/2006/main" xmlns:r="http://schemas.openxmlformats.org/officeDocument/2006/relationships" xmlns:p="http://schemas.openxmlformats.org/presentationml/2006/main">
   <p:cSld>
     <p:spTree>
@@ -16803,7 +21153,7 @@
 </p:sld>
 </file>
 
-<file path=ppt/slides/slide4.xml><?xml version="1.0" encoding="utf-8"?>
+<file path=ppt/slides/slide6.xml><?xml version="1.0" encoding="utf-8"?>
 <p:sld xmlns:a="http://schemas.openxmlformats.org/drawingml/2006/main" xmlns:r="http://schemas.openxmlformats.org/officeDocument/2006/relationships" xmlns:p="http://schemas.openxmlformats.org/presentationml/2006/main">
   <p:cSld>
     <p:spTree>
@@ -16956,7 +21306,7 @@
 </p:sld>
 </file>
 
-<file path=ppt/slides/slide5.xml><?xml version="1.0" encoding="utf-8"?>
+<file path=ppt/slides/slide7.xml><?xml version="1.0" encoding="utf-8"?>
 <p:sld xmlns:a="http://schemas.openxmlformats.org/drawingml/2006/main" xmlns:r="http://schemas.openxmlformats.org/officeDocument/2006/relationships" xmlns:p="http://schemas.openxmlformats.org/presentationml/2006/main">
   <p:cSld>
     <p:spTree>
@@ -17081,17 +21431,7 @@
                 <a:effectLst/>
                 <a:latin typeface="Consolas" panose="020B0609020204030204" pitchFamily="49" charset="0"/>
               </a:rPr>
-              <a:t>/dev/</a:t>
-            </a:r>
-            <a:r>
-              <a:rPr lang="en-IN" b="0" dirty="0" err="1">
-                <a:solidFill>
-                  <a:srgbClr val="CE9178"/>
-                </a:solidFill>
-                <a:effectLst/>
-                <a:latin typeface="Consolas" panose="020B0609020204030204" pitchFamily="49" charset="0"/>
-              </a:rPr>
-              <a:t>sda</a:t>
+              <a:t>/dev/sda</a:t>
             </a:r>
             <a:r>
               <a:rPr lang="en-IN" b="0" dirty="0">
@@ -17111,25 +21451,8 @@
                 <a:effectLst/>
                 <a:latin typeface="Consolas" panose="020B0609020204030204" pitchFamily="49" charset="0"/>
               </a:rPr>
-              <a:t>/dev/</a:t>
-            </a:r>
-            <a:r>
-              <a:rPr lang="en-IN" b="0" dirty="0" err="1">
-                <a:solidFill>
-                  <a:srgbClr val="CE9178"/>
-                </a:solidFill>
-                <a:effectLst/>
-                <a:latin typeface="Consolas" panose="020B0609020204030204" pitchFamily="49" charset="0"/>
-              </a:rPr>
-              <a:t>sdb</a:t>
-            </a:r>
-            <a:endParaRPr lang="en-IN" b="0" dirty="0">
-              <a:solidFill>
-                <a:srgbClr val="CE9178"/>
-              </a:solidFill>
-              <a:effectLst/>
-              <a:latin typeface="Consolas" panose="020B0609020204030204" pitchFamily="49" charset="0"/>
-            </a:endParaRPr>
+              <a:t>/dev/sdb</a:t>
+            </a:r>
           </a:p>
           <a:p>
             <a:pPr>
@@ -17369,7 +21692,7 @@
 </p:sld>
 </file>
 
-<file path=ppt/slides/slide6.xml><?xml version="1.0" encoding="utf-8"?>
+<file path=ppt/slides/slide8.xml><?xml version="1.0" encoding="utf-8"?>
 <p:sld xmlns:a="http://schemas.openxmlformats.org/drawingml/2006/main" xmlns:r="http://schemas.openxmlformats.org/officeDocument/2006/relationships" xmlns:p="http://schemas.openxmlformats.org/presentationml/2006/main">
   <p:cSld>
     <p:spTree>
@@ -20180,7 +24503,7 @@
 </p:sld>
 </file>
 
-<file path=ppt/slides/slide7.xml><?xml version="1.0" encoding="utf-8"?>
+<file path=ppt/slides/slide9.xml><?xml version="1.0" encoding="utf-8"?>
 <p:sld xmlns:a="http://schemas.openxmlformats.org/drawingml/2006/main" xmlns:r="http://schemas.openxmlformats.org/officeDocument/2006/relationships" xmlns:p="http://schemas.openxmlformats.org/presentationml/2006/main">
   <p:cSld>
     <p:spTree>
@@ -20304,2943 +24627,6 @@
   <p:clrMapOvr>
     <a:masterClrMapping/>
   </p:clrMapOvr>
-</p:sld>
-</file>
-
-<file path=ppt/slides/slide8.xml><?xml version="1.0" encoding="utf-8"?>
-<p:sld xmlns:a="http://schemas.openxmlformats.org/drawingml/2006/main" xmlns:r="http://schemas.openxmlformats.org/officeDocument/2006/relationships" xmlns:p="http://schemas.openxmlformats.org/presentationml/2006/main">
-  <p:cSld>
-    <p:spTree>
-      <p:nvGrpSpPr>
-        <p:cNvPr id="1" name=""/>
-        <p:cNvGrpSpPr/>
-        <p:nvPr/>
-      </p:nvGrpSpPr>
-      <p:grpSpPr>
-        <a:xfrm>
-          <a:off x="0" y="0"/>
-          <a:ext cx="0" cy="0"/>
-          <a:chOff x="0" y="0"/>
-          <a:chExt cx="0" cy="0"/>
-        </a:xfrm>
-      </p:grpSpPr>
-      <p:sp>
-        <p:nvSpPr>
-          <p:cNvPr id="2" name="Title 1">
-            <a:extLst>
-              <a:ext uri="{FF2B5EF4-FFF2-40B4-BE49-F238E27FC236}">
-                <a16:creationId xmlns:a16="http://schemas.microsoft.com/office/drawing/2014/main" id="{33CCC9F3-3F2A-4B9B-8119-F481EFC80553}"/>
-              </a:ext>
-            </a:extLst>
-          </p:cNvPr>
-          <p:cNvSpPr>
-            <a:spLocks noGrp="1"/>
-          </p:cNvSpPr>
-          <p:nvPr>
-            <p:ph type="title"/>
-          </p:nvPr>
-        </p:nvSpPr>
-        <p:spPr>
-          <a:xfrm>
-            <a:off x="677334" y="76939"/>
-            <a:ext cx="8315746" cy="801950"/>
-          </a:xfrm>
-        </p:spPr>
-        <p:txBody>
-          <a:bodyPr/>
-          <a:lstStyle/>
-          <a:p>
-            <a:r>
-              <a:rPr lang="en-US" dirty="0"/>
-              <a:t>VSS Essentials-</a:t>
-            </a:r>
-            <a:endParaRPr lang="en-IN" dirty="0"/>
-          </a:p>
-        </p:txBody>
-      </p:sp>
-      <p:sp>
-        <p:nvSpPr>
-          <p:cNvPr id="3" name="Content Placeholder 2">
-            <a:extLst>
-              <a:ext uri="{FF2B5EF4-FFF2-40B4-BE49-F238E27FC236}">
-                <a16:creationId xmlns:a16="http://schemas.microsoft.com/office/drawing/2014/main" id="{829BF13B-E567-42CB-B475-A5DE8BF3ED54}"/>
-              </a:ext>
-            </a:extLst>
-          </p:cNvPr>
-          <p:cNvSpPr>
-            <a:spLocks noGrp="1"/>
-          </p:cNvSpPr>
-          <p:nvPr>
-            <p:ph idx="1"/>
-          </p:nvPr>
-        </p:nvSpPr>
-        <p:spPr>
-          <a:xfrm>
-            <a:off x="180185" y="692815"/>
-            <a:ext cx="8596668" cy="5130937"/>
-          </a:xfrm>
-        </p:spPr>
-        <p:txBody>
-          <a:bodyPr>
-            <a:normAutofit lnSpcReduction="10000"/>
-          </a:bodyPr>
-          <a:lstStyle/>
-          <a:p>
-            <a:pPr>
-              <a:buFont typeface="Wingdings" panose="05000000000000000000" pitchFamily="2" charset="2"/>
-              <a:buChar char="§"/>
-            </a:pPr>
-            <a:r>
-              <a:rPr lang="en-US" dirty="0"/>
-              <a:t>VSS Writers-</a:t>
-            </a:r>
-          </a:p>
-          <a:p>
-            <a:pPr lvl="1">
-              <a:buFont typeface="Courier New" panose="02070309020205020404" pitchFamily="49" charset="0"/>
-              <a:buChar char="o"/>
-            </a:pPr>
-            <a:r>
-              <a:rPr lang="en-US" dirty="0"/>
-              <a:t>They tell Shadow Copy when it can start backup. </a:t>
-            </a:r>
-          </a:p>
-          <a:p>
-            <a:pPr lvl="1">
-              <a:buFont typeface="Courier New" panose="02070309020205020404" pitchFamily="49" charset="0"/>
-              <a:buChar char="o"/>
-            </a:pPr>
-            <a:r>
-              <a:rPr lang="en-US" dirty="0"/>
-              <a:t>They are application specific (e.g., SQL Writer, Exchange Writer). </a:t>
-            </a:r>
-          </a:p>
-          <a:p>
-            <a:pPr lvl="1">
-              <a:buFont typeface="Courier New" panose="02070309020205020404" pitchFamily="49" charset="0"/>
-              <a:buChar char="o"/>
-            </a:pPr>
-            <a:r>
-              <a:rPr lang="en-US" dirty="0"/>
-              <a:t>They are provided by the of the vendor application. </a:t>
-            </a:r>
-          </a:p>
-          <a:p>
-            <a:pPr lvl="1">
-              <a:buFont typeface="Courier New" panose="02070309020205020404" pitchFamily="49" charset="0"/>
-              <a:buChar char="o"/>
-            </a:pPr>
-            <a:r>
-              <a:rPr lang="en-US" dirty="0"/>
-              <a:t>If an application does not have its own VSS Writer, there is a chance that the backed-up file might end up corrupted.</a:t>
-            </a:r>
-          </a:p>
-          <a:p>
-            <a:pPr lvl="1">
-              <a:buFont typeface="Courier New" panose="02070309020205020404" pitchFamily="49" charset="0"/>
-              <a:buChar char="o"/>
-            </a:pPr>
-            <a:r>
-              <a:rPr lang="en-US" dirty="0"/>
-              <a:t>They trigger the backup process.</a:t>
-            </a:r>
-            <a:endParaRPr lang="en-IN" b="0" dirty="0">
-              <a:solidFill>
-                <a:srgbClr val="CE9178"/>
-              </a:solidFill>
-              <a:effectLst/>
-              <a:latin typeface="Consolas" panose="020B0609020204030204" pitchFamily="49" charset="0"/>
-            </a:endParaRPr>
-          </a:p>
-          <a:p>
-            <a:pPr>
-              <a:buFont typeface="Wingdings" panose="05000000000000000000" pitchFamily="2" charset="2"/>
-              <a:buChar char="§"/>
-            </a:pPr>
-            <a:r>
-              <a:rPr lang="en-US" dirty="0"/>
-              <a:t>VSS Requesters–</a:t>
-            </a:r>
-          </a:p>
-          <a:p>
-            <a:pPr lvl="1">
-              <a:buFont typeface="Courier New" panose="02070309020205020404" pitchFamily="49" charset="0"/>
-              <a:buChar char="o"/>
-            </a:pPr>
-            <a:r>
-              <a:rPr lang="en-US" dirty="0"/>
-              <a:t>They initiate the request for VSS. </a:t>
-            </a:r>
-          </a:p>
-          <a:p>
-            <a:pPr lvl="1">
-              <a:buFont typeface="Courier New" panose="02070309020205020404" pitchFamily="49" charset="0"/>
-              <a:buChar char="o"/>
-            </a:pPr>
-            <a:r>
-              <a:rPr lang="en-US" dirty="0"/>
-              <a:t>It could be a click in the UI, a backup app which starts the request, or even a system activity. </a:t>
-            </a:r>
-          </a:p>
-          <a:p>
-            <a:pPr>
-              <a:buFont typeface="Wingdings" panose="05000000000000000000" pitchFamily="2" charset="2"/>
-              <a:buChar char="§"/>
-            </a:pPr>
-            <a:r>
-              <a:rPr lang="en-US" dirty="0"/>
-              <a:t>VSS Providers-</a:t>
-            </a:r>
-          </a:p>
-          <a:p>
-            <a:pPr lvl="1">
-              <a:buFont typeface="Courier New" panose="02070309020205020404" pitchFamily="49" charset="0"/>
-              <a:buChar char="o"/>
-            </a:pPr>
-            <a:r>
-              <a:rPr lang="en-US" dirty="0"/>
-              <a:t>Triggered by the </a:t>
-            </a:r>
-            <a:r>
-              <a:rPr lang="en-US" dirty="0" err="1"/>
-              <a:t>vss</a:t>
-            </a:r>
-            <a:r>
-              <a:rPr lang="en-US" dirty="0"/>
-              <a:t> requester.</a:t>
-            </a:r>
-          </a:p>
-          <a:p>
-            <a:pPr lvl="1">
-              <a:buFont typeface="Courier New" panose="02070309020205020404" pitchFamily="49" charset="0"/>
-              <a:buChar char="o"/>
-            </a:pPr>
-            <a:r>
-              <a:rPr lang="en-US" dirty="0"/>
-              <a:t>They tell Windows where to go and start a backup.</a:t>
-            </a:r>
-          </a:p>
-          <a:p>
-            <a:pPr lvl="1">
-              <a:buFont typeface="Courier New" panose="02070309020205020404" pitchFamily="49" charset="0"/>
-              <a:buChar char="o"/>
-            </a:pPr>
-            <a:r>
-              <a:rPr lang="en-US" dirty="0"/>
-              <a:t>Can be hardware or software</a:t>
-            </a:r>
-          </a:p>
-          <a:p>
-            <a:pPr>
-              <a:buFont typeface="Wingdings" panose="05000000000000000000" pitchFamily="2" charset="2"/>
-              <a:buChar char="§"/>
-            </a:pPr>
-            <a:endParaRPr lang="en-IN" dirty="0">
-              <a:solidFill>
-                <a:srgbClr val="D4D4D4"/>
-              </a:solidFill>
-              <a:latin typeface="Consolas" panose="020B0609020204030204" pitchFamily="49" charset="0"/>
-            </a:endParaRPr>
-          </a:p>
-        </p:txBody>
-      </p:sp>
-      <p:pic>
-        <p:nvPicPr>
-          <p:cNvPr id="6" name="Picture 5" descr="Text&#10;&#10;Description automatically generated with medium confidence">
-            <a:extLst>
-              <a:ext uri="{FF2B5EF4-FFF2-40B4-BE49-F238E27FC236}">
-                <a16:creationId xmlns:a16="http://schemas.microsoft.com/office/drawing/2014/main" id="{18ADD2F1-2902-4CB2-896D-AC2AEFF09EDB}"/>
-              </a:ext>
-            </a:extLst>
-          </p:cNvPr>
-          <p:cNvPicPr>
-            <a:picLocks noChangeAspect="1"/>
-          </p:cNvPicPr>
-          <p:nvPr/>
-        </p:nvPicPr>
-        <p:blipFill>
-          <a:blip r:embed="rId2">
-            <a:extLst>
-              <a:ext uri="{28A0092B-C50C-407E-A947-70E740481C1C}">
-                <a14:useLocalDpi xmlns:a14="http://schemas.microsoft.com/office/drawing/2010/main" val="0"/>
-              </a:ext>
-            </a:extLst>
-          </a:blip>
-          <a:stretch>
-            <a:fillRect/>
-          </a:stretch>
-        </p:blipFill>
-        <p:spPr>
-          <a:xfrm>
-            <a:off x="8540318" y="11097"/>
-            <a:ext cx="3651681" cy="6858000"/>
-          </a:xfrm>
-          <a:prstGeom prst="rect">
-            <a:avLst/>
-          </a:prstGeom>
-        </p:spPr>
-      </p:pic>
-      <p:pic>
-        <p:nvPicPr>
-          <p:cNvPr id="11" name="Picture 10" descr="Graphical user interface, text, application&#10;&#10;Description automatically generated">
-            <a:extLst>
-              <a:ext uri="{FF2B5EF4-FFF2-40B4-BE49-F238E27FC236}">
-                <a16:creationId xmlns:a16="http://schemas.microsoft.com/office/drawing/2014/main" id="{5A4255DD-6921-44BC-88E1-E92A38543A3D}"/>
-              </a:ext>
-            </a:extLst>
-          </p:cNvPr>
-          <p:cNvPicPr>
-            <a:picLocks noChangeAspect="1"/>
-          </p:cNvPicPr>
-          <p:nvPr/>
-        </p:nvPicPr>
-        <p:blipFill>
-          <a:blip r:embed="rId3">
-            <a:extLst>
-              <a:ext uri="{28A0092B-C50C-407E-A947-70E740481C1C}">
-                <a14:useLocalDpi xmlns:a14="http://schemas.microsoft.com/office/drawing/2010/main" val="0"/>
-              </a:ext>
-            </a:extLst>
-          </a:blip>
-          <a:stretch>
-            <a:fillRect/>
-          </a:stretch>
-        </p:blipFill>
-        <p:spPr>
-          <a:xfrm>
-            <a:off x="7495952" y="4069854"/>
-            <a:ext cx="4696047" cy="2711207"/>
-          </a:xfrm>
-          <a:prstGeom prst="rect">
-            <a:avLst/>
-          </a:prstGeom>
-        </p:spPr>
-      </p:pic>
-    </p:spTree>
-    <p:extLst>
-      <p:ext uri="{BB962C8B-B14F-4D97-AF65-F5344CB8AC3E}">
-        <p14:creationId xmlns:p14="http://schemas.microsoft.com/office/powerpoint/2010/main" val="3739000251"/>
-      </p:ext>
-    </p:extLst>
-  </p:cSld>
-  <p:clrMapOvr>
-    <a:masterClrMapping/>
-  </p:clrMapOvr>
-  <p:timing>
-    <p:tnLst>
-      <p:par>
-        <p:cTn id="1" dur="indefinite" restart="never" nodeType="tmRoot">
-          <p:childTnLst>
-            <p:seq concurrent="1" nextAc="seek">
-              <p:cTn id="2" dur="indefinite" nodeType="mainSeq">
-                <p:childTnLst>
-                  <p:par>
-                    <p:cTn id="3" fill="hold">
-                      <p:stCondLst>
-                        <p:cond delay="indefinite"/>
-                      </p:stCondLst>
-                      <p:childTnLst>
-                        <p:par>
-                          <p:cTn id="4" fill="hold">
-                            <p:stCondLst>
-                              <p:cond delay="0"/>
-                            </p:stCondLst>
-                            <p:childTnLst>
-                              <p:par>
-                                <p:cTn id="5" presetID="2" presetClass="entr" presetSubtype="4" fill="hold" nodeType="clickEffect">
-                                  <p:stCondLst>
-                                    <p:cond delay="0"/>
-                                  </p:stCondLst>
-                                  <p:childTnLst>
-                                    <p:set>
-                                      <p:cBhvr>
-                                        <p:cTn id="6" dur="1" fill="hold">
-                                          <p:stCondLst>
-                                            <p:cond delay="0"/>
-                                          </p:stCondLst>
-                                        </p:cTn>
-                                        <p:tgtEl>
-                                          <p:spTgt spid="6"/>
-                                        </p:tgtEl>
-                                        <p:attrNameLst>
-                                          <p:attrName>style.visibility</p:attrName>
-                                        </p:attrNameLst>
-                                      </p:cBhvr>
-                                      <p:to>
-                                        <p:strVal val="visible"/>
-                                      </p:to>
-                                    </p:set>
-                                    <p:anim calcmode="lin" valueType="num">
-                                      <p:cBhvr additive="base">
-                                        <p:cTn id="7" dur="500" fill="hold"/>
-                                        <p:tgtEl>
-                                          <p:spTgt spid="6"/>
-                                        </p:tgtEl>
-                                        <p:attrNameLst>
-                                          <p:attrName>ppt_x</p:attrName>
-                                        </p:attrNameLst>
-                                      </p:cBhvr>
-                                      <p:tavLst>
-                                        <p:tav tm="0">
-                                          <p:val>
-                                            <p:strVal val="#ppt_x"/>
-                                          </p:val>
-                                        </p:tav>
-                                        <p:tav tm="100000">
-                                          <p:val>
-                                            <p:strVal val="#ppt_x"/>
-                                          </p:val>
-                                        </p:tav>
-                                      </p:tavLst>
-                                    </p:anim>
-                                    <p:anim calcmode="lin" valueType="num">
-                                      <p:cBhvr additive="base">
-                                        <p:cTn id="8" dur="500" fill="hold"/>
-                                        <p:tgtEl>
-                                          <p:spTgt spid="6"/>
-                                        </p:tgtEl>
-                                        <p:attrNameLst>
-                                          <p:attrName>ppt_y</p:attrName>
-                                        </p:attrNameLst>
-                                      </p:cBhvr>
-                                      <p:tavLst>
-                                        <p:tav tm="0">
-                                          <p:val>
-                                            <p:strVal val="1+#ppt_h/2"/>
-                                          </p:val>
-                                        </p:tav>
-                                        <p:tav tm="100000">
-                                          <p:val>
-                                            <p:strVal val="#ppt_y"/>
-                                          </p:val>
-                                        </p:tav>
-                                      </p:tavLst>
-                                    </p:anim>
-                                  </p:childTnLst>
-                                </p:cTn>
-                              </p:par>
-                            </p:childTnLst>
-                          </p:cTn>
-                        </p:par>
-                      </p:childTnLst>
-                    </p:cTn>
-                  </p:par>
-                  <p:par>
-                    <p:cTn id="9" fill="hold">
-                      <p:stCondLst>
-                        <p:cond delay="indefinite"/>
-                      </p:stCondLst>
-                      <p:childTnLst>
-                        <p:par>
-                          <p:cTn id="10" fill="hold">
-                            <p:stCondLst>
-                              <p:cond delay="0"/>
-                            </p:stCondLst>
-                            <p:childTnLst>
-                              <p:par>
-                                <p:cTn id="11" presetID="2" presetClass="entr" presetSubtype="4" fill="hold" nodeType="clickEffect">
-                                  <p:stCondLst>
-                                    <p:cond delay="0"/>
-                                  </p:stCondLst>
-                                  <p:childTnLst>
-                                    <p:set>
-                                      <p:cBhvr>
-                                        <p:cTn id="12" dur="1" fill="hold">
-                                          <p:stCondLst>
-                                            <p:cond delay="0"/>
-                                          </p:stCondLst>
-                                        </p:cTn>
-                                        <p:tgtEl>
-                                          <p:spTgt spid="11"/>
-                                        </p:tgtEl>
-                                        <p:attrNameLst>
-                                          <p:attrName>style.visibility</p:attrName>
-                                        </p:attrNameLst>
-                                      </p:cBhvr>
-                                      <p:to>
-                                        <p:strVal val="visible"/>
-                                      </p:to>
-                                    </p:set>
-                                    <p:anim calcmode="lin" valueType="num">
-                                      <p:cBhvr additive="base">
-                                        <p:cTn id="13" dur="500" fill="hold"/>
-                                        <p:tgtEl>
-                                          <p:spTgt spid="11"/>
-                                        </p:tgtEl>
-                                        <p:attrNameLst>
-                                          <p:attrName>ppt_x</p:attrName>
-                                        </p:attrNameLst>
-                                      </p:cBhvr>
-                                      <p:tavLst>
-                                        <p:tav tm="0">
-                                          <p:val>
-                                            <p:strVal val="#ppt_x"/>
-                                          </p:val>
-                                        </p:tav>
-                                        <p:tav tm="100000">
-                                          <p:val>
-                                            <p:strVal val="#ppt_x"/>
-                                          </p:val>
-                                        </p:tav>
-                                      </p:tavLst>
-                                    </p:anim>
-                                    <p:anim calcmode="lin" valueType="num">
-                                      <p:cBhvr additive="base">
-                                        <p:cTn id="14" dur="500" fill="hold"/>
-                                        <p:tgtEl>
-                                          <p:spTgt spid="11"/>
-                                        </p:tgtEl>
-                                        <p:attrNameLst>
-                                          <p:attrName>ppt_y</p:attrName>
-                                        </p:attrNameLst>
-                                      </p:cBhvr>
-                                      <p:tavLst>
-                                        <p:tav tm="0">
-                                          <p:val>
-                                            <p:strVal val="1+#ppt_h/2"/>
-                                          </p:val>
-                                        </p:tav>
-                                        <p:tav tm="100000">
-                                          <p:val>
-                                            <p:strVal val="#ppt_y"/>
-                                          </p:val>
-                                        </p:tav>
-                                      </p:tavLst>
-                                    </p:anim>
-                                  </p:childTnLst>
-                                </p:cTn>
-                              </p:par>
-                              <p:par>
-                                <p:cTn id="15" presetID="10" presetClass="exit" presetSubtype="0" fill="hold" nodeType="withEffect">
-                                  <p:stCondLst>
-                                    <p:cond delay="0"/>
-                                  </p:stCondLst>
-                                  <p:childTnLst>
-                                    <p:animEffect transition="out" filter="fade">
-                                      <p:cBhvr>
-                                        <p:cTn id="16" dur="500"/>
-                                        <p:tgtEl>
-                                          <p:spTgt spid="6"/>
-                                        </p:tgtEl>
-                                      </p:cBhvr>
-                                    </p:animEffect>
-                                    <p:set>
-                                      <p:cBhvr>
-                                        <p:cTn id="17" dur="1" fill="hold">
-                                          <p:stCondLst>
-                                            <p:cond delay="499"/>
-                                          </p:stCondLst>
-                                        </p:cTn>
-                                        <p:tgtEl>
-                                          <p:spTgt spid="6"/>
-                                        </p:tgtEl>
-                                        <p:attrNameLst>
-                                          <p:attrName>style.visibility</p:attrName>
-                                        </p:attrNameLst>
-                                      </p:cBhvr>
-                                      <p:to>
-                                        <p:strVal val="hidden"/>
-                                      </p:to>
-                                    </p:set>
-                                  </p:childTnLst>
-                                </p:cTn>
-                              </p:par>
-                            </p:childTnLst>
-                          </p:cTn>
-                        </p:par>
-                      </p:childTnLst>
-                    </p:cTn>
-                  </p:par>
-                </p:childTnLst>
-              </p:cTn>
-              <p:prevCondLst>
-                <p:cond evt="onPrev" delay="0">
-                  <p:tgtEl>
-                    <p:sldTgt/>
-                  </p:tgtEl>
-                </p:cond>
-              </p:prevCondLst>
-              <p:nextCondLst>
-                <p:cond evt="onNext" delay="0">
-                  <p:tgtEl>
-                    <p:sldTgt/>
-                  </p:tgtEl>
-                </p:cond>
-              </p:nextCondLst>
-            </p:seq>
-          </p:childTnLst>
-        </p:cTn>
-      </p:par>
-    </p:tnLst>
-  </p:timing>
-</p:sld>
-</file>
-
-<file path=ppt/slides/slide9.xml><?xml version="1.0" encoding="utf-8"?>
-<p:sld xmlns:a="http://schemas.openxmlformats.org/drawingml/2006/main" xmlns:r="http://schemas.openxmlformats.org/officeDocument/2006/relationships" xmlns:p="http://schemas.openxmlformats.org/presentationml/2006/main">
-  <p:cSld>
-    <p:spTree>
-      <p:nvGrpSpPr>
-        <p:cNvPr id="1" name=""/>
-        <p:cNvGrpSpPr/>
-        <p:nvPr/>
-      </p:nvGrpSpPr>
-      <p:grpSpPr>
-        <a:xfrm>
-          <a:off x="0" y="0"/>
-          <a:ext cx="0" cy="0"/>
-          <a:chOff x="0" y="0"/>
-          <a:chExt cx="0" cy="0"/>
-        </a:xfrm>
-      </p:grpSpPr>
-      <p:sp>
-        <p:nvSpPr>
-          <p:cNvPr id="2" name="Title 1">
-            <a:extLst>
-              <a:ext uri="{FF2B5EF4-FFF2-40B4-BE49-F238E27FC236}">
-                <a16:creationId xmlns:a16="http://schemas.microsoft.com/office/drawing/2014/main" id="{B3A59590-1EEE-480C-95E2-A050A8E92F50}"/>
-              </a:ext>
-            </a:extLst>
-          </p:cNvPr>
-          <p:cNvSpPr>
-            <a:spLocks noGrp="1"/>
-          </p:cNvSpPr>
-          <p:nvPr>
-            <p:ph type="title"/>
-          </p:nvPr>
-        </p:nvSpPr>
-        <p:spPr>
-          <a:xfrm>
-            <a:off x="592274" y="311888"/>
-            <a:ext cx="8596668" cy="1320800"/>
-          </a:xfrm>
-        </p:spPr>
-        <p:txBody>
-          <a:bodyPr/>
-          <a:lstStyle/>
-          <a:p>
-            <a:r>
-              <a:rPr lang="en-US" dirty="0"/>
-              <a:t>The assignment</a:t>
-            </a:r>
-            <a:endParaRPr lang="en-IN" dirty="0"/>
-          </a:p>
-        </p:txBody>
-      </p:sp>
-      <p:sp>
-        <p:nvSpPr>
-          <p:cNvPr id="3" name="Content Placeholder 2">
-            <a:extLst>
-              <a:ext uri="{FF2B5EF4-FFF2-40B4-BE49-F238E27FC236}">
-                <a16:creationId xmlns:a16="http://schemas.microsoft.com/office/drawing/2014/main" id="{A075F498-B51C-48D6-92D5-0C253EFD1064}"/>
-              </a:ext>
-            </a:extLst>
-          </p:cNvPr>
-          <p:cNvSpPr>
-            <a:spLocks noGrp="1"/>
-          </p:cNvSpPr>
-          <p:nvPr>
-            <p:ph idx="1"/>
-          </p:nvPr>
-        </p:nvSpPr>
-        <p:spPr>
-          <a:xfrm>
-            <a:off x="592274" y="1488613"/>
-            <a:ext cx="8596668" cy="3880773"/>
-          </a:xfrm>
-        </p:spPr>
-        <p:txBody>
-          <a:bodyPr>
-            <a:normAutofit fontScale="92500" lnSpcReduction="20000"/>
-          </a:bodyPr>
-          <a:lstStyle/>
-          <a:p>
-            <a:pPr>
-              <a:buFont typeface="+mj-lt"/>
-              <a:buAutoNum type="arabicPeriod"/>
-            </a:pPr>
-            <a:r>
-              <a:rPr lang="en-US" dirty="0"/>
-              <a:t>Creating sample file</a:t>
-            </a:r>
-          </a:p>
-          <a:p>
-            <a:pPr>
-              <a:buFont typeface="+mj-lt"/>
-              <a:buAutoNum type="arabicPeriod"/>
-            </a:pPr>
-            <a:r>
-              <a:rPr lang="en-US" dirty="0"/>
-              <a:t>Creating persistent shadow copy</a:t>
-            </a:r>
-          </a:p>
-          <a:p>
-            <a:pPr marL="800100" lvl="1" indent="-342900">
-              <a:buFont typeface="+mj-lt"/>
-              <a:buAutoNum type="alphaLcPeriod"/>
-            </a:pPr>
-            <a:r>
-              <a:rPr lang="en-IN" dirty="0" err="1"/>
-              <a:t>diskshadow</a:t>
-            </a:r>
-            <a:endParaRPr lang="en-IN" dirty="0"/>
-          </a:p>
-          <a:p>
-            <a:pPr marL="800100" lvl="1" indent="-342900">
-              <a:buFont typeface="+mj-lt"/>
-              <a:buAutoNum type="alphaLcPeriod"/>
-            </a:pPr>
-            <a:r>
-              <a:rPr lang="en-IN" dirty="0"/>
-              <a:t>add volume </a:t>
-            </a:r>
-            <a:r>
-              <a:rPr lang="en-IN" dirty="0" err="1"/>
-              <a:t>volume_path</a:t>
-            </a:r>
-            <a:endParaRPr lang="en-IN" dirty="0"/>
-          </a:p>
-          <a:p>
-            <a:pPr marL="800100" lvl="1" indent="-342900">
-              <a:buFont typeface="+mj-lt"/>
-              <a:buAutoNum type="alphaLcPeriod"/>
-            </a:pPr>
-            <a:r>
-              <a:rPr lang="en-IN" dirty="0"/>
-              <a:t>set context persistent</a:t>
-            </a:r>
-          </a:p>
-          <a:p>
-            <a:pPr marL="400050">
-              <a:buFont typeface="+mj-lt"/>
-              <a:buAutoNum type="arabicPeriod"/>
-            </a:pPr>
-            <a:r>
-              <a:rPr lang="en-IN" dirty="0"/>
-              <a:t>Making changes</a:t>
-            </a:r>
-          </a:p>
-          <a:p>
-            <a:pPr marL="400050">
-              <a:buFont typeface="+mj-lt"/>
-              <a:buAutoNum type="arabicPeriod"/>
-            </a:pPr>
-            <a:r>
-              <a:rPr lang="en-IN" dirty="0"/>
-              <a:t>Exposing the shadow copy to the filesystem</a:t>
-            </a:r>
-          </a:p>
-          <a:p>
-            <a:pPr marL="857250" lvl="1" indent="-342900">
-              <a:buFont typeface="+mj-lt"/>
-              <a:buAutoNum type="alphaLcPeriod"/>
-            </a:pPr>
-            <a:r>
-              <a:rPr lang="en-US" dirty="0"/>
-              <a:t>expose </a:t>
-            </a:r>
-            <a:r>
-              <a:rPr lang="en-US" dirty="0" err="1"/>
-              <a:t>shadow_copy_id</a:t>
-            </a:r>
-            <a:r>
-              <a:rPr lang="en-US" dirty="0"/>
-              <a:t> </a:t>
-            </a:r>
-            <a:r>
-              <a:rPr lang="en-US" dirty="0" err="1"/>
-              <a:t>new_drive_letter</a:t>
-            </a:r>
-            <a:endParaRPr lang="en-US" dirty="0"/>
-          </a:p>
-          <a:p>
-            <a:pPr marL="857250" lvl="1" indent="-342900">
-              <a:buFont typeface="+mj-lt"/>
-              <a:buAutoNum type="alphaLcPeriod"/>
-            </a:pPr>
-            <a:r>
-              <a:rPr lang="en-US" dirty="0"/>
-              <a:t>Recover file</a:t>
-            </a:r>
-          </a:p>
-          <a:p>
-            <a:pPr marL="457200">
-              <a:buFont typeface="+mj-lt"/>
-              <a:buAutoNum type="arabicPeriod"/>
-            </a:pPr>
-            <a:r>
-              <a:rPr lang="en-IN" dirty="0"/>
-              <a:t>Cleaning Up</a:t>
-            </a:r>
-          </a:p>
-          <a:p>
-            <a:pPr marL="914400" lvl="1" indent="-342900">
-              <a:buFont typeface="+mj-lt"/>
-              <a:buAutoNum type="alphaLcPeriod"/>
-            </a:pPr>
-            <a:r>
-              <a:rPr lang="en-IN" dirty="0"/>
-              <a:t> </a:t>
-            </a:r>
-            <a:r>
-              <a:rPr lang="en-IN" dirty="0" err="1"/>
-              <a:t>unexpose</a:t>
-            </a:r>
-            <a:r>
-              <a:rPr lang="en-IN" dirty="0"/>
-              <a:t> </a:t>
-            </a:r>
-            <a:r>
-              <a:rPr lang="en-IN" dirty="0" err="1"/>
-              <a:t>shadow_copy_id</a:t>
-            </a:r>
-            <a:endParaRPr lang="en-IN" dirty="0"/>
-          </a:p>
-          <a:p>
-            <a:pPr marL="914400" lvl="1" indent="-342900">
-              <a:buFont typeface="+mj-lt"/>
-              <a:buAutoNum type="alphaLcPeriod"/>
-            </a:pPr>
-            <a:r>
-              <a:rPr lang="en-US" dirty="0"/>
-              <a:t>delete shadows id </a:t>
-            </a:r>
-            <a:r>
-              <a:rPr lang="en-US" dirty="0" err="1"/>
-              <a:t>shadow_copy_id</a:t>
-            </a:r>
-            <a:endParaRPr lang="en-IN" dirty="0"/>
-          </a:p>
-          <a:p>
-            <a:pPr marL="457200">
-              <a:buFont typeface="+mj-lt"/>
-              <a:buAutoNum type="arabicPeriod"/>
-            </a:pPr>
-            <a:endParaRPr lang="en-IN" dirty="0"/>
-          </a:p>
-        </p:txBody>
-      </p:sp>
-      <p:pic>
-        <p:nvPicPr>
-          <p:cNvPr id="5" name="Picture 4" descr="Text&#10;&#10;Description automatically generated">
-            <a:extLst>
-              <a:ext uri="{FF2B5EF4-FFF2-40B4-BE49-F238E27FC236}">
-                <a16:creationId xmlns:a16="http://schemas.microsoft.com/office/drawing/2014/main" id="{C9244002-E467-4BD7-9F40-E6E586CE9686}"/>
-              </a:ext>
-            </a:extLst>
-          </p:cNvPr>
-          <p:cNvPicPr>
-            <a:picLocks noChangeAspect="1"/>
-          </p:cNvPicPr>
-          <p:nvPr/>
-        </p:nvPicPr>
-        <p:blipFill>
-          <a:blip r:embed="rId2">
-            <a:extLst>
-              <a:ext uri="{28A0092B-C50C-407E-A947-70E740481C1C}">
-                <a14:useLocalDpi xmlns:a14="http://schemas.microsoft.com/office/drawing/2010/main" val="0"/>
-              </a:ext>
-            </a:extLst>
-          </a:blip>
-          <a:stretch>
-            <a:fillRect/>
-          </a:stretch>
-        </p:blipFill>
-        <p:spPr>
-          <a:xfrm>
-            <a:off x="6409518" y="0"/>
-            <a:ext cx="5782482" cy="4182059"/>
-          </a:xfrm>
-          <a:prstGeom prst="rect">
-            <a:avLst/>
-          </a:prstGeom>
-        </p:spPr>
-      </p:pic>
-      <p:pic>
-        <p:nvPicPr>
-          <p:cNvPr id="7" name="Picture 6" descr="Graphical user interface, text&#10;&#10;Description automatically generated">
-            <a:extLst>
-              <a:ext uri="{FF2B5EF4-FFF2-40B4-BE49-F238E27FC236}">
-                <a16:creationId xmlns:a16="http://schemas.microsoft.com/office/drawing/2014/main" id="{5EC961BB-0716-4F30-8341-47CA36CDF043}"/>
-              </a:ext>
-            </a:extLst>
-          </p:cNvPr>
-          <p:cNvPicPr>
-            <a:picLocks noChangeAspect="1"/>
-          </p:cNvPicPr>
-          <p:nvPr/>
-        </p:nvPicPr>
-        <p:blipFill>
-          <a:blip r:embed="rId3">
-            <a:extLst>
-              <a:ext uri="{28A0092B-C50C-407E-A947-70E740481C1C}">
-                <a14:useLocalDpi xmlns:a14="http://schemas.microsoft.com/office/drawing/2010/main" val="0"/>
-              </a:ext>
-            </a:extLst>
-          </a:blip>
-          <a:stretch>
-            <a:fillRect/>
-          </a:stretch>
-        </p:blipFill>
-        <p:spPr>
-          <a:xfrm>
-            <a:off x="5221496" y="608083"/>
-            <a:ext cx="7129992" cy="4598582"/>
-          </a:xfrm>
-          <a:prstGeom prst="rect">
-            <a:avLst/>
-          </a:prstGeom>
-        </p:spPr>
-      </p:pic>
-      <p:pic>
-        <p:nvPicPr>
-          <p:cNvPr id="9" name="Picture 8" descr="Graphical user interface, application&#10;&#10;Description automatically generated">
-            <a:extLst>
-              <a:ext uri="{FF2B5EF4-FFF2-40B4-BE49-F238E27FC236}">
-                <a16:creationId xmlns:a16="http://schemas.microsoft.com/office/drawing/2014/main" id="{49CCCD94-C9A5-47B6-865C-98516125CF3A}"/>
-              </a:ext>
-            </a:extLst>
-          </p:cNvPr>
-          <p:cNvPicPr>
-            <a:picLocks noChangeAspect="1"/>
-          </p:cNvPicPr>
-          <p:nvPr/>
-        </p:nvPicPr>
-        <p:blipFill>
-          <a:blip r:embed="rId4">
-            <a:extLst>
-              <a:ext uri="{28A0092B-C50C-407E-A947-70E740481C1C}">
-                <a14:useLocalDpi xmlns:a14="http://schemas.microsoft.com/office/drawing/2010/main" val="0"/>
-              </a:ext>
-            </a:extLst>
-          </a:blip>
-          <a:stretch>
-            <a:fillRect/>
-          </a:stretch>
-        </p:blipFill>
-        <p:spPr>
-          <a:xfrm>
-            <a:off x="6371413" y="-39589"/>
-            <a:ext cx="5820587" cy="3381847"/>
-          </a:xfrm>
-          <a:prstGeom prst="rect">
-            <a:avLst/>
-          </a:prstGeom>
-        </p:spPr>
-      </p:pic>
-      <p:pic>
-        <p:nvPicPr>
-          <p:cNvPr id="11" name="Picture 10" descr="Graphical user interface, application&#10;&#10;Description automatically generated">
-            <a:extLst>
-              <a:ext uri="{FF2B5EF4-FFF2-40B4-BE49-F238E27FC236}">
-                <a16:creationId xmlns:a16="http://schemas.microsoft.com/office/drawing/2014/main" id="{F7D0F81D-2D6D-44AE-B36F-6F8BD32A468E}"/>
-              </a:ext>
-            </a:extLst>
-          </p:cNvPr>
-          <p:cNvPicPr>
-            <a:picLocks noChangeAspect="1"/>
-          </p:cNvPicPr>
-          <p:nvPr/>
-        </p:nvPicPr>
-        <p:blipFill>
-          <a:blip r:embed="rId5">
-            <a:extLst>
-              <a:ext uri="{28A0092B-C50C-407E-A947-70E740481C1C}">
-                <a14:useLocalDpi xmlns:a14="http://schemas.microsoft.com/office/drawing/2010/main" val="0"/>
-              </a:ext>
-            </a:extLst>
-          </a:blip>
-          <a:stretch>
-            <a:fillRect/>
-          </a:stretch>
-        </p:blipFill>
-        <p:spPr>
-          <a:xfrm>
-            <a:off x="5618833" y="3190363"/>
-            <a:ext cx="6573167" cy="3667637"/>
-          </a:xfrm>
-          <a:prstGeom prst="rect">
-            <a:avLst/>
-          </a:prstGeom>
-        </p:spPr>
-      </p:pic>
-      <p:pic>
-        <p:nvPicPr>
-          <p:cNvPr id="13" name="Picture 12" descr="Text&#10;&#10;Description automatically generated">
-            <a:extLst>
-              <a:ext uri="{FF2B5EF4-FFF2-40B4-BE49-F238E27FC236}">
-                <a16:creationId xmlns:a16="http://schemas.microsoft.com/office/drawing/2014/main" id="{D87535C5-8434-44B3-97AE-A8ECAB506253}"/>
-              </a:ext>
-            </a:extLst>
-          </p:cNvPr>
-          <p:cNvPicPr>
-            <a:picLocks noChangeAspect="1"/>
-          </p:cNvPicPr>
-          <p:nvPr/>
-        </p:nvPicPr>
-        <p:blipFill>
-          <a:blip r:embed="rId6">
-            <a:extLst>
-              <a:ext uri="{28A0092B-C50C-407E-A947-70E740481C1C}">
-                <a14:useLocalDpi xmlns:a14="http://schemas.microsoft.com/office/drawing/2010/main" val="0"/>
-              </a:ext>
-            </a:extLst>
-          </a:blip>
-          <a:stretch>
-            <a:fillRect/>
-          </a:stretch>
-        </p:blipFill>
-        <p:spPr>
-          <a:xfrm>
-            <a:off x="5618833" y="-23958"/>
-            <a:ext cx="6573167" cy="3078787"/>
-          </a:xfrm>
-          <a:prstGeom prst="rect">
-            <a:avLst/>
-          </a:prstGeom>
-        </p:spPr>
-      </p:pic>
-      <p:pic>
-        <p:nvPicPr>
-          <p:cNvPr id="15" name="Picture 14" descr="Graphical user interface, text, application&#10;&#10;Description automatically generated">
-            <a:extLst>
-              <a:ext uri="{FF2B5EF4-FFF2-40B4-BE49-F238E27FC236}">
-                <a16:creationId xmlns:a16="http://schemas.microsoft.com/office/drawing/2014/main" id="{8592268F-6F80-457C-86A1-952CC1DFBB36}"/>
-              </a:ext>
-            </a:extLst>
-          </p:cNvPr>
-          <p:cNvPicPr>
-            <a:picLocks noChangeAspect="1"/>
-          </p:cNvPicPr>
-          <p:nvPr/>
-        </p:nvPicPr>
-        <p:blipFill>
-          <a:blip r:embed="rId7">
-            <a:extLst>
-              <a:ext uri="{28A0092B-C50C-407E-A947-70E740481C1C}">
-                <a14:useLocalDpi xmlns:a14="http://schemas.microsoft.com/office/drawing/2010/main" val="0"/>
-              </a:ext>
-            </a:extLst>
-          </a:blip>
-          <a:stretch>
-            <a:fillRect/>
-          </a:stretch>
-        </p:blipFill>
-        <p:spPr>
-          <a:xfrm>
-            <a:off x="6253655" y="3125189"/>
-            <a:ext cx="6116885" cy="3732811"/>
-          </a:xfrm>
-          <a:prstGeom prst="rect">
-            <a:avLst/>
-          </a:prstGeom>
-        </p:spPr>
-      </p:pic>
-      <p:pic>
-        <p:nvPicPr>
-          <p:cNvPr id="17" name="Picture 16" descr="Graphical user interface, text, application, email&#10;&#10;Description automatically generated">
-            <a:extLst>
-              <a:ext uri="{FF2B5EF4-FFF2-40B4-BE49-F238E27FC236}">
-                <a16:creationId xmlns:a16="http://schemas.microsoft.com/office/drawing/2014/main" id="{DD5DFCD3-B688-4D42-BC5F-69F6FC1C2F4C}"/>
-              </a:ext>
-            </a:extLst>
-          </p:cNvPr>
-          <p:cNvPicPr>
-            <a:picLocks noChangeAspect="1"/>
-          </p:cNvPicPr>
-          <p:nvPr/>
-        </p:nvPicPr>
-        <p:blipFill>
-          <a:blip r:embed="rId8">
-            <a:extLst>
-              <a:ext uri="{28A0092B-C50C-407E-A947-70E740481C1C}">
-                <a14:useLocalDpi xmlns:a14="http://schemas.microsoft.com/office/drawing/2010/main" val="0"/>
-              </a:ext>
-            </a:extLst>
-          </a:blip>
-          <a:stretch>
-            <a:fillRect/>
-          </a:stretch>
-        </p:blipFill>
-        <p:spPr>
-          <a:xfrm>
-            <a:off x="5440292" y="-39589"/>
-            <a:ext cx="6707245" cy="3625709"/>
-          </a:xfrm>
-          <a:prstGeom prst="rect">
-            <a:avLst/>
-          </a:prstGeom>
-        </p:spPr>
-      </p:pic>
-      <p:pic>
-        <p:nvPicPr>
-          <p:cNvPr id="19" name="Picture 18" descr="A screenshot of a computer&#10;&#10;Description automatically generated with low confidence">
-            <a:extLst>
-              <a:ext uri="{FF2B5EF4-FFF2-40B4-BE49-F238E27FC236}">
-                <a16:creationId xmlns:a16="http://schemas.microsoft.com/office/drawing/2014/main" id="{9AE64704-437E-45B2-B931-F2451A7F9612}"/>
-              </a:ext>
-            </a:extLst>
-          </p:cNvPr>
-          <p:cNvPicPr>
-            <a:picLocks noChangeAspect="1"/>
-          </p:cNvPicPr>
-          <p:nvPr/>
-        </p:nvPicPr>
-        <p:blipFill>
-          <a:blip r:embed="rId9">
-            <a:extLst>
-              <a:ext uri="{28A0092B-C50C-407E-A947-70E740481C1C}">
-                <a14:useLocalDpi xmlns:a14="http://schemas.microsoft.com/office/drawing/2010/main" val="0"/>
-              </a:ext>
-            </a:extLst>
-          </a:blip>
-          <a:stretch>
-            <a:fillRect/>
-          </a:stretch>
-        </p:blipFill>
-        <p:spPr>
-          <a:xfrm>
-            <a:off x="5395829" y="3586660"/>
-            <a:ext cx="6751708" cy="2945204"/>
-          </a:xfrm>
-          <a:prstGeom prst="rect">
-            <a:avLst/>
-          </a:prstGeom>
-        </p:spPr>
-      </p:pic>
-      <p:pic>
-        <p:nvPicPr>
-          <p:cNvPr id="21" name="Picture 20" descr="Graphical user interface, text, application&#10;&#10;Description automatically generated">
-            <a:extLst>
-              <a:ext uri="{FF2B5EF4-FFF2-40B4-BE49-F238E27FC236}">
-                <a16:creationId xmlns:a16="http://schemas.microsoft.com/office/drawing/2014/main" id="{CA815168-9E50-407A-A611-56AE06AF06AB}"/>
-              </a:ext>
-            </a:extLst>
-          </p:cNvPr>
-          <p:cNvPicPr>
-            <a:picLocks noChangeAspect="1"/>
-          </p:cNvPicPr>
-          <p:nvPr/>
-        </p:nvPicPr>
-        <p:blipFill>
-          <a:blip r:embed="rId10">
-            <a:extLst>
-              <a:ext uri="{28A0092B-C50C-407E-A947-70E740481C1C}">
-                <a14:useLocalDpi xmlns:a14="http://schemas.microsoft.com/office/drawing/2010/main" val="0"/>
-              </a:ext>
-            </a:extLst>
-          </a:blip>
-          <a:stretch>
-            <a:fillRect/>
-          </a:stretch>
-        </p:blipFill>
-        <p:spPr>
-          <a:xfrm>
-            <a:off x="6029993" y="-12226"/>
-            <a:ext cx="6117544" cy="3622304"/>
-          </a:xfrm>
-          <a:prstGeom prst="rect">
-            <a:avLst/>
-          </a:prstGeom>
-        </p:spPr>
-      </p:pic>
-      <p:pic>
-        <p:nvPicPr>
-          <p:cNvPr id="23" name="Picture 22" descr="Text&#10;&#10;Description automatically generated">
-            <a:extLst>
-              <a:ext uri="{FF2B5EF4-FFF2-40B4-BE49-F238E27FC236}">
-                <a16:creationId xmlns:a16="http://schemas.microsoft.com/office/drawing/2014/main" id="{1186EF2A-937A-4C62-9C75-58B377EE6979}"/>
-              </a:ext>
-            </a:extLst>
-          </p:cNvPr>
-          <p:cNvPicPr>
-            <a:picLocks noChangeAspect="1"/>
-          </p:cNvPicPr>
-          <p:nvPr/>
-        </p:nvPicPr>
-        <p:blipFill>
-          <a:blip r:embed="rId11">
-            <a:extLst>
-              <a:ext uri="{28A0092B-C50C-407E-A947-70E740481C1C}">
-                <a14:useLocalDpi xmlns:a14="http://schemas.microsoft.com/office/drawing/2010/main" val="0"/>
-              </a:ext>
-            </a:extLst>
-          </a:blip>
-          <a:stretch>
-            <a:fillRect/>
-          </a:stretch>
-        </p:blipFill>
-        <p:spPr>
-          <a:xfrm>
-            <a:off x="5778236" y="-79143"/>
-            <a:ext cx="6367279" cy="4182059"/>
-          </a:xfrm>
-          <a:prstGeom prst="rect">
-            <a:avLst/>
-          </a:prstGeom>
-        </p:spPr>
-      </p:pic>
-    </p:spTree>
-    <p:extLst>
-      <p:ext uri="{BB962C8B-B14F-4D97-AF65-F5344CB8AC3E}">
-        <p14:creationId xmlns:p14="http://schemas.microsoft.com/office/powerpoint/2010/main" val="2534275052"/>
-      </p:ext>
-    </p:extLst>
-  </p:cSld>
-  <p:clrMapOvr>
-    <a:masterClrMapping/>
-  </p:clrMapOvr>
-  <p:timing>
-    <p:tnLst>
-      <p:par>
-        <p:cTn id="1" dur="indefinite" restart="never" nodeType="tmRoot">
-          <p:childTnLst>
-            <p:seq concurrent="1" nextAc="seek">
-              <p:cTn id="2" dur="indefinite" nodeType="mainSeq">
-                <p:childTnLst>
-                  <p:par>
-                    <p:cTn id="3" fill="hold">
-                      <p:stCondLst>
-                        <p:cond delay="indefinite"/>
-                      </p:stCondLst>
-                      <p:childTnLst>
-                        <p:par>
-                          <p:cTn id="4" fill="hold">
-                            <p:stCondLst>
-                              <p:cond delay="0"/>
-                            </p:stCondLst>
-                            <p:childTnLst>
-                              <p:par>
-                                <p:cTn id="5" presetID="10" presetClass="entr" presetSubtype="0" fill="hold" nodeType="clickEffect">
-                                  <p:stCondLst>
-                                    <p:cond delay="0"/>
-                                  </p:stCondLst>
-                                  <p:childTnLst>
-                                    <p:set>
-                                      <p:cBhvr>
-                                        <p:cTn id="6" dur="1" fill="hold">
-                                          <p:stCondLst>
-                                            <p:cond delay="0"/>
-                                          </p:stCondLst>
-                                        </p:cTn>
-                                        <p:tgtEl>
-                                          <p:spTgt spid="3">
-                                            <p:txEl>
-                                              <p:pRg st="0" end="0"/>
-                                            </p:txEl>
-                                          </p:spTgt>
-                                        </p:tgtEl>
-                                        <p:attrNameLst>
-                                          <p:attrName>style.visibility</p:attrName>
-                                        </p:attrNameLst>
-                                      </p:cBhvr>
-                                      <p:to>
-                                        <p:strVal val="visible"/>
-                                      </p:to>
-                                    </p:set>
-                                    <p:animEffect transition="in" filter="fade">
-                                      <p:cBhvr>
-                                        <p:cTn id="7" dur="500"/>
-                                        <p:tgtEl>
-                                          <p:spTgt spid="3">
-                                            <p:txEl>
-                                              <p:pRg st="0" end="0"/>
-                                            </p:txEl>
-                                          </p:spTgt>
-                                        </p:tgtEl>
-                                      </p:cBhvr>
-                                    </p:animEffect>
-                                  </p:childTnLst>
-                                </p:cTn>
-                              </p:par>
-                              <p:par>
-                                <p:cTn id="8" presetID="2" presetClass="entr" presetSubtype="4" fill="hold" nodeType="withEffect">
-                                  <p:stCondLst>
-                                    <p:cond delay="0"/>
-                                  </p:stCondLst>
-                                  <p:childTnLst>
-                                    <p:set>
-                                      <p:cBhvr>
-                                        <p:cTn id="9" dur="1" fill="hold">
-                                          <p:stCondLst>
-                                            <p:cond delay="0"/>
-                                          </p:stCondLst>
-                                        </p:cTn>
-                                        <p:tgtEl>
-                                          <p:spTgt spid="5"/>
-                                        </p:tgtEl>
-                                        <p:attrNameLst>
-                                          <p:attrName>style.visibility</p:attrName>
-                                        </p:attrNameLst>
-                                      </p:cBhvr>
-                                      <p:to>
-                                        <p:strVal val="visible"/>
-                                      </p:to>
-                                    </p:set>
-                                    <p:anim calcmode="lin" valueType="num">
-                                      <p:cBhvr additive="base">
-                                        <p:cTn id="10" dur="500" fill="hold"/>
-                                        <p:tgtEl>
-                                          <p:spTgt spid="5"/>
-                                        </p:tgtEl>
-                                        <p:attrNameLst>
-                                          <p:attrName>ppt_x</p:attrName>
-                                        </p:attrNameLst>
-                                      </p:cBhvr>
-                                      <p:tavLst>
-                                        <p:tav tm="0">
-                                          <p:val>
-                                            <p:strVal val="#ppt_x"/>
-                                          </p:val>
-                                        </p:tav>
-                                        <p:tav tm="100000">
-                                          <p:val>
-                                            <p:strVal val="#ppt_x"/>
-                                          </p:val>
-                                        </p:tav>
-                                      </p:tavLst>
-                                    </p:anim>
-                                    <p:anim calcmode="lin" valueType="num">
-                                      <p:cBhvr additive="base">
-                                        <p:cTn id="11" dur="500" fill="hold"/>
-                                        <p:tgtEl>
-                                          <p:spTgt spid="5"/>
-                                        </p:tgtEl>
-                                        <p:attrNameLst>
-                                          <p:attrName>ppt_y</p:attrName>
-                                        </p:attrNameLst>
-                                      </p:cBhvr>
-                                      <p:tavLst>
-                                        <p:tav tm="0">
-                                          <p:val>
-                                            <p:strVal val="1+#ppt_h/2"/>
-                                          </p:val>
-                                        </p:tav>
-                                        <p:tav tm="100000">
-                                          <p:val>
-                                            <p:strVal val="#ppt_y"/>
-                                          </p:val>
-                                        </p:tav>
-                                      </p:tavLst>
-                                    </p:anim>
-                                  </p:childTnLst>
-                                </p:cTn>
-                              </p:par>
-                            </p:childTnLst>
-                          </p:cTn>
-                        </p:par>
-                      </p:childTnLst>
-                    </p:cTn>
-                  </p:par>
-                  <p:par>
-                    <p:cTn id="12" fill="hold">
-                      <p:stCondLst>
-                        <p:cond delay="indefinite"/>
-                      </p:stCondLst>
-                      <p:childTnLst>
-                        <p:par>
-                          <p:cTn id="13" fill="hold">
-                            <p:stCondLst>
-                              <p:cond delay="0"/>
-                            </p:stCondLst>
-                            <p:childTnLst>
-                              <p:par>
-                                <p:cTn id="14" presetID="10" presetClass="entr" presetSubtype="0" fill="hold" nodeType="clickEffect">
-                                  <p:stCondLst>
-                                    <p:cond delay="0"/>
-                                  </p:stCondLst>
-                                  <p:childTnLst>
-                                    <p:set>
-                                      <p:cBhvr>
-                                        <p:cTn id="15" dur="1" fill="hold">
-                                          <p:stCondLst>
-                                            <p:cond delay="0"/>
-                                          </p:stCondLst>
-                                        </p:cTn>
-                                        <p:tgtEl>
-                                          <p:spTgt spid="3">
-                                            <p:txEl>
-                                              <p:pRg st="1" end="1"/>
-                                            </p:txEl>
-                                          </p:spTgt>
-                                        </p:tgtEl>
-                                        <p:attrNameLst>
-                                          <p:attrName>style.visibility</p:attrName>
-                                        </p:attrNameLst>
-                                      </p:cBhvr>
-                                      <p:to>
-                                        <p:strVal val="visible"/>
-                                      </p:to>
-                                    </p:set>
-                                    <p:animEffect transition="in" filter="fade">
-                                      <p:cBhvr>
-                                        <p:cTn id="16" dur="500"/>
-                                        <p:tgtEl>
-                                          <p:spTgt spid="3">
-                                            <p:txEl>
-                                              <p:pRg st="1" end="1"/>
-                                            </p:txEl>
-                                          </p:spTgt>
-                                        </p:tgtEl>
-                                      </p:cBhvr>
-                                    </p:animEffect>
-                                  </p:childTnLst>
-                                </p:cTn>
-                              </p:par>
-                              <p:par>
-                                <p:cTn id="17" presetID="10" presetClass="entr" presetSubtype="0" fill="hold" nodeType="withEffect">
-                                  <p:stCondLst>
-                                    <p:cond delay="0"/>
-                                  </p:stCondLst>
-                                  <p:childTnLst>
-                                    <p:set>
-                                      <p:cBhvr>
-                                        <p:cTn id="18" dur="1" fill="hold">
-                                          <p:stCondLst>
-                                            <p:cond delay="0"/>
-                                          </p:stCondLst>
-                                        </p:cTn>
-                                        <p:tgtEl>
-                                          <p:spTgt spid="3">
-                                            <p:txEl>
-                                              <p:pRg st="2" end="2"/>
-                                            </p:txEl>
-                                          </p:spTgt>
-                                        </p:tgtEl>
-                                        <p:attrNameLst>
-                                          <p:attrName>style.visibility</p:attrName>
-                                        </p:attrNameLst>
-                                      </p:cBhvr>
-                                      <p:to>
-                                        <p:strVal val="visible"/>
-                                      </p:to>
-                                    </p:set>
-                                    <p:animEffect transition="in" filter="fade">
-                                      <p:cBhvr>
-                                        <p:cTn id="19" dur="500"/>
-                                        <p:tgtEl>
-                                          <p:spTgt spid="3">
-                                            <p:txEl>
-                                              <p:pRg st="2" end="2"/>
-                                            </p:txEl>
-                                          </p:spTgt>
-                                        </p:tgtEl>
-                                      </p:cBhvr>
-                                    </p:animEffect>
-                                  </p:childTnLst>
-                                </p:cTn>
-                              </p:par>
-                              <p:par>
-                                <p:cTn id="20" presetID="10" presetClass="entr" presetSubtype="0" fill="hold" nodeType="withEffect">
-                                  <p:stCondLst>
-                                    <p:cond delay="0"/>
-                                  </p:stCondLst>
-                                  <p:childTnLst>
-                                    <p:set>
-                                      <p:cBhvr>
-                                        <p:cTn id="21" dur="1" fill="hold">
-                                          <p:stCondLst>
-                                            <p:cond delay="0"/>
-                                          </p:stCondLst>
-                                        </p:cTn>
-                                        <p:tgtEl>
-                                          <p:spTgt spid="3">
-                                            <p:txEl>
-                                              <p:pRg st="3" end="3"/>
-                                            </p:txEl>
-                                          </p:spTgt>
-                                        </p:tgtEl>
-                                        <p:attrNameLst>
-                                          <p:attrName>style.visibility</p:attrName>
-                                        </p:attrNameLst>
-                                      </p:cBhvr>
-                                      <p:to>
-                                        <p:strVal val="visible"/>
-                                      </p:to>
-                                    </p:set>
-                                    <p:animEffect transition="in" filter="fade">
-                                      <p:cBhvr>
-                                        <p:cTn id="22" dur="500"/>
-                                        <p:tgtEl>
-                                          <p:spTgt spid="3">
-                                            <p:txEl>
-                                              <p:pRg st="3" end="3"/>
-                                            </p:txEl>
-                                          </p:spTgt>
-                                        </p:tgtEl>
-                                      </p:cBhvr>
-                                    </p:animEffect>
-                                  </p:childTnLst>
-                                </p:cTn>
-                              </p:par>
-                              <p:par>
-                                <p:cTn id="23" presetID="10" presetClass="entr" presetSubtype="0" fill="hold" nodeType="withEffect">
-                                  <p:stCondLst>
-                                    <p:cond delay="0"/>
-                                  </p:stCondLst>
-                                  <p:childTnLst>
-                                    <p:set>
-                                      <p:cBhvr>
-                                        <p:cTn id="24" dur="1" fill="hold">
-                                          <p:stCondLst>
-                                            <p:cond delay="0"/>
-                                          </p:stCondLst>
-                                        </p:cTn>
-                                        <p:tgtEl>
-                                          <p:spTgt spid="3">
-                                            <p:txEl>
-                                              <p:pRg st="4" end="4"/>
-                                            </p:txEl>
-                                          </p:spTgt>
-                                        </p:tgtEl>
-                                        <p:attrNameLst>
-                                          <p:attrName>style.visibility</p:attrName>
-                                        </p:attrNameLst>
-                                      </p:cBhvr>
-                                      <p:to>
-                                        <p:strVal val="visible"/>
-                                      </p:to>
-                                    </p:set>
-                                    <p:animEffect transition="in" filter="fade">
-                                      <p:cBhvr>
-                                        <p:cTn id="25" dur="500"/>
-                                        <p:tgtEl>
-                                          <p:spTgt spid="3">
-                                            <p:txEl>
-                                              <p:pRg st="4" end="4"/>
-                                            </p:txEl>
-                                          </p:spTgt>
-                                        </p:tgtEl>
-                                      </p:cBhvr>
-                                    </p:animEffect>
-                                  </p:childTnLst>
-                                </p:cTn>
-                              </p:par>
-                              <p:par>
-                                <p:cTn id="26" presetID="2" presetClass="entr" presetSubtype="4" fill="hold" nodeType="withEffect">
-                                  <p:stCondLst>
-                                    <p:cond delay="0"/>
-                                  </p:stCondLst>
-                                  <p:childTnLst>
-                                    <p:set>
-                                      <p:cBhvr>
-                                        <p:cTn id="27" dur="1" fill="hold">
-                                          <p:stCondLst>
-                                            <p:cond delay="0"/>
-                                          </p:stCondLst>
-                                        </p:cTn>
-                                        <p:tgtEl>
-                                          <p:spTgt spid="7"/>
-                                        </p:tgtEl>
-                                        <p:attrNameLst>
-                                          <p:attrName>style.visibility</p:attrName>
-                                        </p:attrNameLst>
-                                      </p:cBhvr>
-                                      <p:to>
-                                        <p:strVal val="visible"/>
-                                      </p:to>
-                                    </p:set>
-                                    <p:anim calcmode="lin" valueType="num">
-                                      <p:cBhvr additive="base">
-                                        <p:cTn id="28" dur="500" fill="hold"/>
-                                        <p:tgtEl>
-                                          <p:spTgt spid="7"/>
-                                        </p:tgtEl>
-                                        <p:attrNameLst>
-                                          <p:attrName>ppt_x</p:attrName>
-                                        </p:attrNameLst>
-                                      </p:cBhvr>
-                                      <p:tavLst>
-                                        <p:tav tm="0">
-                                          <p:val>
-                                            <p:strVal val="#ppt_x"/>
-                                          </p:val>
-                                        </p:tav>
-                                        <p:tav tm="100000">
-                                          <p:val>
-                                            <p:strVal val="#ppt_x"/>
-                                          </p:val>
-                                        </p:tav>
-                                      </p:tavLst>
-                                    </p:anim>
-                                    <p:anim calcmode="lin" valueType="num">
-                                      <p:cBhvr additive="base">
-                                        <p:cTn id="29" dur="500" fill="hold"/>
-                                        <p:tgtEl>
-                                          <p:spTgt spid="7"/>
-                                        </p:tgtEl>
-                                        <p:attrNameLst>
-                                          <p:attrName>ppt_y</p:attrName>
-                                        </p:attrNameLst>
-                                      </p:cBhvr>
-                                      <p:tavLst>
-                                        <p:tav tm="0">
-                                          <p:val>
-                                            <p:strVal val="1+#ppt_h/2"/>
-                                          </p:val>
-                                        </p:tav>
-                                        <p:tav tm="100000">
-                                          <p:val>
-                                            <p:strVal val="#ppt_y"/>
-                                          </p:val>
-                                        </p:tav>
-                                      </p:tavLst>
-                                    </p:anim>
-                                  </p:childTnLst>
-                                </p:cTn>
-                              </p:par>
-                              <p:par>
-                                <p:cTn id="30" presetID="10" presetClass="exit" presetSubtype="0" fill="hold" nodeType="withEffect">
-                                  <p:stCondLst>
-                                    <p:cond delay="0"/>
-                                  </p:stCondLst>
-                                  <p:childTnLst>
-                                    <p:animEffect transition="out" filter="fade">
-                                      <p:cBhvr>
-                                        <p:cTn id="31" dur="500"/>
-                                        <p:tgtEl>
-                                          <p:spTgt spid="5"/>
-                                        </p:tgtEl>
-                                      </p:cBhvr>
-                                    </p:animEffect>
-                                    <p:set>
-                                      <p:cBhvr>
-                                        <p:cTn id="32" dur="1" fill="hold">
-                                          <p:stCondLst>
-                                            <p:cond delay="499"/>
-                                          </p:stCondLst>
-                                        </p:cTn>
-                                        <p:tgtEl>
-                                          <p:spTgt spid="5"/>
-                                        </p:tgtEl>
-                                        <p:attrNameLst>
-                                          <p:attrName>style.visibility</p:attrName>
-                                        </p:attrNameLst>
-                                      </p:cBhvr>
-                                      <p:to>
-                                        <p:strVal val="hidden"/>
-                                      </p:to>
-                                    </p:set>
-                                  </p:childTnLst>
-                                </p:cTn>
-                              </p:par>
-                            </p:childTnLst>
-                          </p:cTn>
-                        </p:par>
-                      </p:childTnLst>
-                    </p:cTn>
-                  </p:par>
-                  <p:par>
-                    <p:cTn id="33" fill="hold">
-                      <p:stCondLst>
-                        <p:cond delay="indefinite"/>
-                      </p:stCondLst>
-                      <p:childTnLst>
-                        <p:par>
-                          <p:cTn id="34" fill="hold">
-                            <p:stCondLst>
-                              <p:cond delay="0"/>
-                            </p:stCondLst>
-                            <p:childTnLst>
-                              <p:par>
-                                <p:cTn id="35" presetID="10" presetClass="entr" presetSubtype="0" fill="hold" nodeType="clickEffect">
-                                  <p:stCondLst>
-                                    <p:cond delay="0"/>
-                                  </p:stCondLst>
-                                  <p:childTnLst>
-                                    <p:set>
-                                      <p:cBhvr>
-                                        <p:cTn id="36" dur="1" fill="hold">
-                                          <p:stCondLst>
-                                            <p:cond delay="0"/>
-                                          </p:stCondLst>
-                                        </p:cTn>
-                                        <p:tgtEl>
-                                          <p:spTgt spid="3">
-                                            <p:txEl>
-                                              <p:pRg st="5" end="5"/>
-                                            </p:txEl>
-                                          </p:spTgt>
-                                        </p:tgtEl>
-                                        <p:attrNameLst>
-                                          <p:attrName>style.visibility</p:attrName>
-                                        </p:attrNameLst>
-                                      </p:cBhvr>
-                                      <p:to>
-                                        <p:strVal val="visible"/>
-                                      </p:to>
-                                    </p:set>
-                                    <p:animEffect transition="in" filter="fade">
-                                      <p:cBhvr>
-                                        <p:cTn id="37" dur="500"/>
-                                        <p:tgtEl>
-                                          <p:spTgt spid="3">
-                                            <p:txEl>
-                                              <p:pRg st="5" end="5"/>
-                                            </p:txEl>
-                                          </p:spTgt>
-                                        </p:tgtEl>
-                                      </p:cBhvr>
-                                    </p:animEffect>
-                                  </p:childTnLst>
-                                </p:cTn>
-                              </p:par>
-                              <p:par>
-                                <p:cTn id="38" presetID="10" presetClass="exit" presetSubtype="0" fill="hold" nodeType="withEffect">
-                                  <p:stCondLst>
-                                    <p:cond delay="0"/>
-                                  </p:stCondLst>
-                                  <p:childTnLst>
-                                    <p:animEffect transition="out" filter="fade">
-                                      <p:cBhvr>
-                                        <p:cTn id="39" dur="500"/>
-                                        <p:tgtEl>
-                                          <p:spTgt spid="7"/>
-                                        </p:tgtEl>
-                                      </p:cBhvr>
-                                    </p:animEffect>
-                                    <p:set>
-                                      <p:cBhvr>
-                                        <p:cTn id="40" dur="1" fill="hold">
-                                          <p:stCondLst>
-                                            <p:cond delay="499"/>
-                                          </p:stCondLst>
-                                        </p:cTn>
-                                        <p:tgtEl>
-                                          <p:spTgt spid="7"/>
-                                        </p:tgtEl>
-                                        <p:attrNameLst>
-                                          <p:attrName>style.visibility</p:attrName>
-                                        </p:attrNameLst>
-                                      </p:cBhvr>
-                                      <p:to>
-                                        <p:strVal val="hidden"/>
-                                      </p:to>
-                                    </p:set>
-                                  </p:childTnLst>
-                                </p:cTn>
-                              </p:par>
-                              <p:par>
-                                <p:cTn id="41" presetID="2" presetClass="entr" presetSubtype="4" fill="hold" nodeType="withEffect">
-                                  <p:stCondLst>
-                                    <p:cond delay="0"/>
-                                  </p:stCondLst>
-                                  <p:childTnLst>
-                                    <p:set>
-                                      <p:cBhvr>
-                                        <p:cTn id="42" dur="1" fill="hold">
-                                          <p:stCondLst>
-                                            <p:cond delay="0"/>
-                                          </p:stCondLst>
-                                        </p:cTn>
-                                        <p:tgtEl>
-                                          <p:spTgt spid="9"/>
-                                        </p:tgtEl>
-                                        <p:attrNameLst>
-                                          <p:attrName>style.visibility</p:attrName>
-                                        </p:attrNameLst>
-                                      </p:cBhvr>
-                                      <p:to>
-                                        <p:strVal val="visible"/>
-                                      </p:to>
-                                    </p:set>
-                                    <p:anim calcmode="lin" valueType="num">
-                                      <p:cBhvr additive="base">
-                                        <p:cTn id="43" dur="500" fill="hold"/>
-                                        <p:tgtEl>
-                                          <p:spTgt spid="9"/>
-                                        </p:tgtEl>
-                                        <p:attrNameLst>
-                                          <p:attrName>ppt_x</p:attrName>
-                                        </p:attrNameLst>
-                                      </p:cBhvr>
-                                      <p:tavLst>
-                                        <p:tav tm="0">
-                                          <p:val>
-                                            <p:strVal val="#ppt_x"/>
-                                          </p:val>
-                                        </p:tav>
-                                        <p:tav tm="100000">
-                                          <p:val>
-                                            <p:strVal val="#ppt_x"/>
-                                          </p:val>
-                                        </p:tav>
-                                      </p:tavLst>
-                                    </p:anim>
-                                    <p:anim calcmode="lin" valueType="num">
-                                      <p:cBhvr additive="base">
-                                        <p:cTn id="44" dur="500" fill="hold"/>
-                                        <p:tgtEl>
-                                          <p:spTgt spid="9"/>
-                                        </p:tgtEl>
-                                        <p:attrNameLst>
-                                          <p:attrName>ppt_y</p:attrName>
-                                        </p:attrNameLst>
-                                      </p:cBhvr>
-                                      <p:tavLst>
-                                        <p:tav tm="0">
-                                          <p:val>
-                                            <p:strVal val="1+#ppt_h/2"/>
-                                          </p:val>
-                                        </p:tav>
-                                        <p:tav tm="100000">
-                                          <p:val>
-                                            <p:strVal val="#ppt_y"/>
-                                          </p:val>
-                                        </p:tav>
-                                      </p:tavLst>
-                                    </p:anim>
-                                  </p:childTnLst>
-                                </p:cTn>
-                              </p:par>
-                              <p:par>
-                                <p:cTn id="45" presetID="2" presetClass="entr" presetSubtype="4" fill="hold" nodeType="withEffect">
-                                  <p:stCondLst>
-                                    <p:cond delay="0"/>
-                                  </p:stCondLst>
-                                  <p:childTnLst>
-                                    <p:set>
-                                      <p:cBhvr>
-                                        <p:cTn id="46" dur="1" fill="hold">
-                                          <p:stCondLst>
-                                            <p:cond delay="0"/>
-                                          </p:stCondLst>
-                                        </p:cTn>
-                                        <p:tgtEl>
-                                          <p:spTgt spid="11"/>
-                                        </p:tgtEl>
-                                        <p:attrNameLst>
-                                          <p:attrName>style.visibility</p:attrName>
-                                        </p:attrNameLst>
-                                      </p:cBhvr>
-                                      <p:to>
-                                        <p:strVal val="visible"/>
-                                      </p:to>
-                                    </p:set>
-                                    <p:anim calcmode="lin" valueType="num">
-                                      <p:cBhvr additive="base">
-                                        <p:cTn id="47" dur="500" fill="hold"/>
-                                        <p:tgtEl>
-                                          <p:spTgt spid="11"/>
-                                        </p:tgtEl>
-                                        <p:attrNameLst>
-                                          <p:attrName>ppt_x</p:attrName>
-                                        </p:attrNameLst>
-                                      </p:cBhvr>
-                                      <p:tavLst>
-                                        <p:tav tm="0">
-                                          <p:val>
-                                            <p:strVal val="#ppt_x"/>
-                                          </p:val>
-                                        </p:tav>
-                                        <p:tav tm="100000">
-                                          <p:val>
-                                            <p:strVal val="#ppt_x"/>
-                                          </p:val>
-                                        </p:tav>
-                                      </p:tavLst>
-                                    </p:anim>
-                                    <p:anim calcmode="lin" valueType="num">
-                                      <p:cBhvr additive="base">
-                                        <p:cTn id="48" dur="500" fill="hold"/>
-                                        <p:tgtEl>
-                                          <p:spTgt spid="11"/>
-                                        </p:tgtEl>
-                                        <p:attrNameLst>
-                                          <p:attrName>ppt_y</p:attrName>
-                                        </p:attrNameLst>
-                                      </p:cBhvr>
-                                      <p:tavLst>
-                                        <p:tav tm="0">
-                                          <p:val>
-                                            <p:strVal val="1+#ppt_h/2"/>
-                                          </p:val>
-                                        </p:tav>
-                                        <p:tav tm="100000">
-                                          <p:val>
-                                            <p:strVal val="#ppt_y"/>
-                                          </p:val>
-                                        </p:tav>
-                                      </p:tavLst>
-                                    </p:anim>
-                                  </p:childTnLst>
-                                </p:cTn>
-                              </p:par>
-                            </p:childTnLst>
-                          </p:cTn>
-                        </p:par>
-                      </p:childTnLst>
-                    </p:cTn>
-                  </p:par>
-                  <p:par>
-                    <p:cTn id="49" fill="hold">
-                      <p:stCondLst>
-                        <p:cond delay="indefinite"/>
-                      </p:stCondLst>
-                      <p:childTnLst>
-                        <p:par>
-                          <p:cTn id="50" fill="hold">
-                            <p:stCondLst>
-                              <p:cond delay="0"/>
-                            </p:stCondLst>
-                            <p:childTnLst>
-                              <p:par>
-                                <p:cTn id="51" presetID="10" presetClass="entr" presetSubtype="0" fill="hold" nodeType="clickEffect">
-                                  <p:stCondLst>
-                                    <p:cond delay="0"/>
-                                  </p:stCondLst>
-                                  <p:childTnLst>
-                                    <p:set>
-                                      <p:cBhvr>
-                                        <p:cTn id="52" dur="1" fill="hold">
-                                          <p:stCondLst>
-                                            <p:cond delay="0"/>
-                                          </p:stCondLst>
-                                        </p:cTn>
-                                        <p:tgtEl>
-                                          <p:spTgt spid="3">
-                                            <p:txEl>
-                                              <p:pRg st="6" end="6"/>
-                                            </p:txEl>
-                                          </p:spTgt>
-                                        </p:tgtEl>
-                                        <p:attrNameLst>
-                                          <p:attrName>style.visibility</p:attrName>
-                                        </p:attrNameLst>
-                                      </p:cBhvr>
-                                      <p:to>
-                                        <p:strVal val="visible"/>
-                                      </p:to>
-                                    </p:set>
-                                    <p:animEffect transition="in" filter="fade">
-                                      <p:cBhvr>
-                                        <p:cTn id="53" dur="500"/>
-                                        <p:tgtEl>
-                                          <p:spTgt spid="3">
-                                            <p:txEl>
-                                              <p:pRg st="6" end="6"/>
-                                            </p:txEl>
-                                          </p:spTgt>
-                                        </p:tgtEl>
-                                      </p:cBhvr>
-                                    </p:animEffect>
-                                  </p:childTnLst>
-                                </p:cTn>
-                              </p:par>
-                              <p:par>
-                                <p:cTn id="54" presetID="10" presetClass="entr" presetSubtype="0" fill="hold" nodeType="withEffect">
-                                  <p:stCondLst>
-                                    <p:cond delay="0"/>
-                                  </p:stCondLst>
-                                  <p:childTnLst>
-                                    <p:set>
-                                      <p:cBhvr>
-                                        <p:cTn id="55" dur="1" fill="hold">
-                                          <p:stCondLst>
-                                            <p:cond delay="0"/>
-                                          </p:stCondLst>
-                                        </p:cTn>
-                                        <p:tgtEl>
-                                          <p:spTgt spid="3">
-                                            <p:txEl>
-                                              <p:pRg st="7" end="7"/>
-                                            </p:txEl>
-                                          </p:spTgt>
-                                        </p:tgtEl>
-                                        <p:attrNameLst>
-                                          <p:attrName>style.visibility</p:attrName>
-                                        </p:attrNameLst>
-                                      </p:cBhvr>
-                                      <p:to>
-                                        <p:strVal val="visible"/>
-                                      </p:to>
-                                    </p:set>
-                                    <p:animEffect transition="in" filter="fade">
-                                      <p:cBhvr>
-                                        <p:cTn id="56" dur="500"/>
-                                        <p:tgtEl>
-                                          <p:spTgt spid="3">
-                                            <p:txEl>
-                                              <p:pRg st="7" end="7"/>
-                                            </p:txEl>
-                                          </p:spTgt>
-                                        </p:tgtEl>
-                                      </p:cBhvr>
-                                    </p:animEffect>
-                                  </p:childTnLst>
-                                </p:cTn>
-                              </p:par>
-                              <p:par>
-                                <p:cTn id="57" presetID="10" presetClass="exit" presetSubtype="0" fill="hold" nodeType="withEffect">
-                                  <p:stCondLst>
-                                    <p:cond delay="0"/>
-                                  </p:stCondLst>
-                                  <p:childTnLst>
-                                    <p:animEffect transition="out" filter="fade">
-                                      <p:cBhvr>
-                                        <p:cTn id="58" dur="500"/>
-                                        <p:tgtEl>
-                                          <p:spTgt spid="9"/>
-                                        </p:tgtEl>
-                                      </p:cBhvr>
-                                    </p:animEffect>
-                                    <p:set>
-                                      <p:cBhvr>
-                                        <p:cTn id="59" dur="1" fill="hold">
-                                          <p:stCondLst>
-                                            <p:cond delay="499"/>
-                                          </p:stCondLst>
-                                        </p:cTn>
-                                        <p:tgtEl>
-                                          <p:spTgt spid="9"/>
-                                        </p:tgtEl>
-                                        <p:attrNameLst>
-                                          <p:attrName>style.visibility</p:attrName>
-                                        </p:attrNameLst>
-                                      </p:cBhvr>
-                                      <p:to>
-                                        <p:strVal val="hidden"/>
-                                      </p:to>
-                                    </p:set>
-                                  </p:childTnLst>
-                                </p:cTn>
-                              </p:par>
-                              <p:par>
-                                <p:cTn id="60" presetID="10" presetClass="exit" presetSubtype="0" fill="hold" nodeType="withEffect">
-                                  <p:stCondLst>
-                                    <p:cond delay="0"/>
-                                  </p:stCondLst>
-                                  <p:childTnLst>
-                                    <p:animEffect transition="out" filter="fade">
-                                      <p:cBhvr>
-                                        <p:cTn id="61" dur="500"/>
-                                        <p:tgtEl>
-                                          <p:spTgt spid="11"/>
-                                        </p:tgtEl>
-                                      </p:cBhvr>
-                                    </p:animEffect>
-                                    <p:set>
-                                      <p:cBhvr>
-                                        <p:cTn id="62" dur="1" fill="hold">
-                                          <p:stCondLst>
-                                            <p:cond delay="499"/>
-                                          </p:stCondLst>
-                                        </p:cTn>
-                                        <p:tgtEl>
-                                          <p:spTgt spid="11"/>
-                                        </p:tgtEl>
-                                        <p:attrNameLst>
-                                          <p:attrName>style.visibility</p:attrName>
-                                        </p:attrNameLst>
-                                      </p:cBhvr>
-                                      <p:to>
-                                        <p:strVal val="hidden"/>
-                                      </p:to>
-                                    </p:set>
-                                  </p:childTnLst>
-                                </p:cTn>
-                              </p:par>
-                              <p:par>
-                                <p:cTn id="63" presetID="42" presetClass="entr" presetSubtype="0" fill="hold" nodeType="withEffect">
-                                  <p:stCondLst>
-                                    <p:cond delay="0"/>
-                                  </p:stCondLst>
-                                  <p:childTnLst>
-                                    <p:set>
-                                      <p:cBhvr>
-                                        <p:cTn id="64" dur="1" fill="hold">
-                                          <p:stCondLst>
-                                            <p:cond delay="0"/>
-                                          </p:stCondLst>
-                                        </p:cTn>
-                                        <p:tgtEl>
-                                          <p:spTgt spid="13"/>
-                                        </p:tgtEl>
-                                        <p:attrNameLst>
-                                          <p:attrName>style.visibility</p:attrName>
-                                        </p:attrNameLst>
-                                      </p:cBhvr>
-                                      <p:to>
-                                        <p:strVal val="visible"/>
-                                      </p:to>
-                                    </p:set>
-                                    <p:animEffect transition="in" filter="fade">
-                                      <p:cBhvr>
-                                        <p:cTn id="65" dur="1000"/>
-                                        <p:tgtEl>
-                                          <p:spTgt spid="13"/>
-                                        </p:tgtEl>
-                                      </p:cBhvr>
-                                    </p:animEffect>
-                                    <p:anim calcmode="lin" valueType="num">
-                                      <p:cBhvr>
-                                        <p:cTn id="66" dur="1000" fill="hold"/>
-                                        <p:tgtEl>
-                                          <p:spTgt spid="13"/>
-                                        </p:tgtEl>
-                                        <p:attrNameLst>
-                                          <p:attrName>ppt_x</p:attrName>
-                                        </p:attrNameLst>
-                                      </p:cBhvr>
-                                      <p:tavLst>
-                                        <p:tav tm="0">
-                                          <p:val>
-                                            <p:strVal val="#ppt_x"/>
-                                          </p:val>
-                                        </p:tav>
-                                        <p:tav tm="100000">
-                                          <p:val>
-                                            <p:strVal val="#ppt_x"/>
-                                          </p:val>
-                                        </p:tav>
-                                      </p:tavLst>
-                                    </p:anim>
-                                    <p:anim calcmode="lin" valueType="num">
-                                      <p:cBhvr>
-                                        <p:cTn id="67" dur="1000" fill="hold"/>
-                                        <p:tgtEl>
-                                          <p:spTgt spid="13"/>
-                                        </p:tgtEl>
-                                        <p:attrNameLst>
-                                          <p:attrName>ppt_y</p:attrName>
-                                        </p:attrNameLst>
-                                      </p:cBhvr>
-                                      <p:tavLst>
-                                        <p:tav tm="0">
-                                          <p:val>
-                                            <p:strVal val="#ppt_y+.1"/>
-                                          </p:val>
-                                        </p:tav>
-                                        <p:tav tm="100000">
-                                          <p:val>
-                                            <p:strVal val="#ppt_y"/>
-                                          </p:val>
-                                        </p:tav>
-                                      </p:tavLst>
-                                    </p:anim>
-                                  </p:childTnLst>
-                                </p:cTn>
-                              </p:par>
-                              <p:par>
-                                <p:cTn id="68" presetID="42" presetClass="entr" presetSubtype="0" fill="hold" nodeType="withEffect">
-                                  <p:stCondLst>
-                                    <p:cond delay="0"/>
-                                  </p:stCondLst>
-                                  <p:childTnLst>
-                                    <p:set>
-                                      <p:cBhvr>
-                                        <p:cTn id="69" dur="1" fill="hold">
-                                          <p:stCondLst>
-                                            <p:cond delay="0"/>
-                                          </p:stCondLst>
-                                        </p:cTn>
-                                        <p:tgtEl>
-                                          <p:spTgt spid="15"/>
-                                        </p:tgtEl>
-                                        <p:attrNameLst>
-                                          <p:attrName>style.visibility</p:attrName>
-                                        </p:attrNameLst>
-                                      </p:cBhvr>
-                                      <p:to>
-                                        <p:strVal val="visible"/>
-                                      </p:to>
-                                    </p:set>
-                                    <p:animEffect transition="in" filter="fade">
-                                      <p:cBhvr>
-                                        <p:cTn id="70" dur="1000"/>
-                                        <p:tgtEl>
-                                          <p:spTgt spid="15"/>
-                                        </p:tgtEl>
-                                      </p:cBhvr>
-                                    </p:animEffect>
-                                    <p:anim calcmode="lin" valueType="num">
-                                      <p:cBhvr>
-                                        <p:cTn id="71" dur="1000" fill="hold"/>
-                                        <p:tgtEl>
-                                          <p:spTgt spid="15"/>
-                                        </p:tgtEl>
-                                        <p:attrNameLst>
-                                          <p:attrName>ppt_x</p:attrName>
-                                        </p:attrNameLst>
-                                      </p:cBhvr>
-                                      <p:tavLst>
-                                        <p:tav tm="0">
-                                          <p:val>
-                                            <p:strVal val="#ppt_x"/>
-                                          </p:val>
-                                        </p:tav>
-                                        <p:tav tm="100000">
-                                          <p:val>
-                                            <p:strVal val="#ppt_x"/>
-                                          </p:val>
-                                        </p:tav>
-                                      </p:tavLst>
-                                    </p:anim>
-                                    <p:anim calcmode="lin" valueType="num">
-                                      <p:cBhvr>
-                                        <p:cTn id="72" dur="1000" fill="hold"/>
-                                        <p:tgtEl>
-                                          <p:spTgt spid="15"/>
-                                        </p:tgtEl>
-                                        <p:attrNameLst>
-                                          <p:attrName>ppt_y</p:attrName>
-                                        </p:attrNameLst>
-                                      </p:cBhvr>
-                                      <p:tavLst>
-                                        <p:tav tm="0">
-                                          <p:val>
-                                            <p:strVal val="#ppt_y+.1"/>
-                                          </p:val>
-                                        </p:tav>
-                                        <p:tav tm="100000">
-                                          <p:val>
-                                            <p:strVal val="#ppt_y"/>
-                                          </p:val>
-                                        </p:tav>
-                                      </p:tavLst>
-                                    </p:anim>
-                                  </p:childTnLst>
-                                </p:cTn>
-                              </p:par>
-                            </p:childTnLst>
-                          </p:cTn>
-                        </p:par>
-                      </p:childTnLst>
-                    </p:cTn>
-                  </p:par>
-                  <p:par>
-                    <p:cTn id="73" fill="hold">
-                      <p:stCondLst>
-                        <p:cond delay="indefinite"/>
-                      </p:stCondLst>
-                      <p:childTnLst>
-                        <p:par>
-                          <p:cTn id="74" fill="hold">
-                            <p:stCondLst>
-                              <p:cond delay="0"/>
-                            </p:stCondLst>
-                            <p:childTnLst>
-                              <p:par>
-                                <p:cTn id="75" presetID="10" presetClass="entr" presetSubtype="0" fill="hold" nodeType="clickEffect">
-                                  <p:stCondLst>
-                                    <p:cond delay="0"/>
-                                  </p:stCondLst>
-                                  <p:childTnLst>
-                                    <p:set>
-                                      <p:cBhvr>
-                                        <p:cTn id="76" dur="1" fill="hold">
-                                          <p:stCondLst>
-                                            <p:cond delay="0"/>
-                                          </p:stCondLst>
-                                        </p:cTn>
-                                        <p:tgtEl>
-                                          <p:spTgt spid="3">
-                                            <p:txEl>
-                                              <p:pRg st="8" end="8"/>
-                                            </p:txEl>
-                                          </p:spTgt>
-                                        </p:tgtEl>
-                                        <p:attrNameLst>
-                                          <p:attrName>style.visibility</p:attrName>
-                                        </p:attrNameLst>
-                                      </p:cBhvr>
-                                      <p:to>
-                                        <p:strVal val="visible"/>
-                                      </p:to>
-                                    </p:set>
-                                    <p:animEffect transition="in" filter="fade">
-                                      <p:cBhvr>
-                                        <p:cTn id="77" dur="500"/>
-                                        <p:tgtEl>
-                                          <p:spTgt spid="3">
-                                            <p:txEl>
-                                              <p:pRg st="8" end="8"/>
-                                            </p:txEl>
-                                          </p:spTgt>
-                                        </p:tgtEl>
-                                      </p:cBhvr>
-                                    </p:animEffect>
-                                  </p:childTnLst>
-                                </p:cTn>
-                              </p:par>
-                              <p:par>
-                                <p:cTn id="78" presetID="10" presetClass="exit" presetSubtype="0" fill="hold" nodeType="withEffect">
-                                  <p:stCondLst>
-                                    <p:cond delay="0"/>
-                                  </p:stCondLst>
-                                  <p:childTnLst>
-                                    <p:animEffect transition="out" filter="fade">
-                                      <p:cBhvr>
-                                        <p:cTn id="79" dur="500"/>
-                                        <p:tgtEl>
-                                          <p:spTgt spid="13"/>
-                                        </p:tgtEl>
-                                      </p:cBhvr>
-                                    </p:animEffect>
-                                    <p:set>
-                                      <p:cBhvr>
-                                        <p:cTn id="80" dur="1" fill="hold">
-                                          <p:stCondLst>
-                                            <p:cond delay="499"/>
-                                          </p:stCondLst>
-                                        </p:cTn>
-                                        <p:tgtEl>
-                                          <p:spTgt spid="13"/>
-                                        </p:tgtEl>
-                                        <p:attrNameLst>
-                                          <p:attrName>style.visibility</p:attrName>
-                                        </p:attrNameLst>
-                                      </p:cBhvr>
-                                      <p:to>
-                                        <p:strVal val="hidden"/>
-                                      </p:to>
-                                    </p:set>
-                                  </p:childTnLst>
-                                </p:cTn>
-                              </p:par>
-                              <p:par>
-                                <p:cTn id="81" presetID="10" presetClass="exit" presetSubtype="0" fill="hold" nodeType="withEffect">
-                                  <p:stCondLst>
-                                    <p:cond delay="0"/>
-                                  </p:stCondLst>
-                                  <p:childTnLst>
-                                    <p:animEffect transition="out" filter="fade">
-                                      <p:cBhvr>
-                                        <p:cTn id="82" dur="500"/>
-                                        <p:tgtEl>
-                                          <p:spTgt spid="15"/>
-                                        </p:tgtEl>
-                                      </p:cBhvr>
-                                    </p:animEffect>
-                                    <p:set>
-                                      <p:cBhvr>
-                                        <p:cTn id="83" dur="1" fill="hold">
-                                          <p:stCondLst>
-                                            <p:cond delay="499"/>
-                                          </p:stCondLst>
-                                        </p:cTn>
-                                        <p:tgtEl>
-                                          <p:spTgt spid="15"/>
-                                        </p:tgtEl>
-                                        <p:attrNameLst>
-                                          <p:attrName>style.visibility</p:attrName>
-                                        </p:attrNameLst>
-                                      </p:cBhvr>
-                                      <p:to>
-                                        <p:strVal val="hidden"/>
-                                      </p:to>
-                                    </p:set>
-                                  </p:childTnLst>
-                                </p:cTn>
-                              </p:par>
-                              <p:par>
-                                <p:cTn id="84" presetID="2" presetClass="entr" presetSubtype="4" fill="hold" nodeType="withEffect">
-                                  <p:stCondLst>
-                                    <p:cond delay="0"/>
-                                  </p:stCondLst>
-                                  <p:childTnLst>
-                                    <p:set>
-                                      <p:cBhvr>
-                                        <p:cTn id="85" dur="1" fill="hold">
-                                          <p:stCondLst>
-                                            <p:cond delay="0"/>
-                                          </p:stCondLst>
-                                        </p:cTn>
-                                        <p:tgtEl>
-                                          <p:spTgt spid="17"/>
-                                        </p:tgtEl>
-                                        <p:attrNameLst>
-                                          <p:attrName>style.visibility</p:attrName>
-                                        </p:attrNameLst>
-                                      </p:cBhvr>
-                                      <p:to>
-                                        <p:strVal val="visible"/>
-                                      </p:to>
-                                    </p:set>
-                                    <p:anim calcmode="lin" valueType="num">
-                                      <p:cBhvr additive="base">
-                                        <p:cTn id="86" dur="500" fill="hold"/>
-                                        <p:tgtEl>
-                                          <p:spTgt spid="17"/>
-                                        </p:tgtEl>
-                                        <p:attrNameLst>
-                                          <p:attrName>ppt_x</p:attrName>
-                                        </p:attrNameLst>
-                                      </p:cBhvr>
-                                      <p:tavLst>
-                                        <p:tav tm="0">
-                                          <p:val>
-                                            <p:strVal val="#ppt_x"/>
-                                          </p:val>
-                                        </p:tav>
-                                        <p:tav tm="100000">
-                                          <p:val>
-                                            <p:strVal val="#ppt_x"/>
-                                          </p:val>
-                                        </p:tav>
-                                      </p:tavLst>
-                                    </p:anim>
-                                    <p:anim calcmode="lin" valueType="num">
-                                      <p:cBhvr additive="base">
-                                        <p:cTn id="87" dur="500" fill="hold"/>
-                                        <p:tgtEl>
-                                          <p:spTgt spid="17"/>
-                                        </p:tgtEl>
-                                        <p:attrNameLst>
-                                          <p:attrName>ppt_y</p:attrName>
-                                        </p:attrNameLst>
-                                      </p:cBhvr>
-                                      <p:tavLst>
-                                        <p:tav tm="0">
-                                          <p:val>
-                                            <p:strVal val="1+#ppt_h/2"/>
-                                          </p:val>
-                                        </p:tav>
-                                        <p:tav tm="100000">
-                                          <p:val>
-                                            <p:strVal val="#ppt_y"/>
-                                          </p:val>
-                                        </p:tav>
-                                      </p:tavLst>
-                                    </p:anim>
-                                  </p:childTnLst>
-                                </p:cTn>
-                              </p:par>
-                            </p:childTnLst>
-                          </p:cTn>
-                        </p:par>
-                      </p:childTnLst>
-                    </p:cTn>
-                  </p:par>
-                  <p:par>
-                    <p:cTn id="88" fill="hold">
-                      <p:stCondLst>
-                        <p:cond delay="indefinite"/>
-                      </p:stCondLst>
-                      <p:childTnLst>
-                        <p:par>
-                          <p:cTn id="89" fill="hold">
-                            <p:stCondLst>
-                              <p:cond delay="0"/>
-                            </p:stCondLst>
-                            <p:childTnLst>
-                              <p:par>
-                                <p:cTn id="90" presetID="10" presetClass="entr" presetSubtype="0" fill="hold" nodeType="clickEffect">
-                                  <p:stCondLst>
-                                    <p:cond delay="0"/>
-                                  </p:stCondLst>
-                                  <p:childTnLst>
-                                    <p:set>
-                                      <p:cBhvr>
-                                        <p:cTn id="91" dur="1" fill="hold">
-                                          <p:stCondLst>
-                                            <p:cond delay="0"/>
-                                          </p:stCondLst>
-                                        </p:cTn>
-                                        <p:tgtEl>
-                                          <p:spTgt spid="3">
-                                            <p:txEl>
-                                              <p:pRg st="9" end="9"/>
-                                            </p:txEl>
-                                          </p:spTgt>
-                                        </p:tgtEl>
-                                        <p:attrNameLst>
-                                          <p:attrName>style.visibility</p:attrName>
-                                        </p:attrNameLst>
-                                      </p:cBhvr>
-                                      <p:to>
-                                        <p:strVal val="visible"/>
-                                      </p:to>
-                                    </p:set>
-                                    <p:animEffect transition="in" filter="fade">
-                                      <p:cBhvr>
-                                        <p:cTn id="92" dur="500"/>
-                                        <p:tgtEl>
-                                          <p:spTgt spid="3">
-                                            <p:txEl>
-                                              <p:pRg st="9" end="9"/>
-                                            </p:txEl>
-                                          </p:spTgt>
-                                        </p:tgtEl>
-                                      </p:cBhvr>
-                                    </p:animEffect>
-                                  </p:childTnLst>
-                                </p:cTn>
-                              </p:par>
-                              <p:par>
-                                <p:cTn id="93" presetID="2" presetClass="entr" presetSubtype="4" fill="hold" nodeType="withEffect">
-                                  <p:stCondLst>
-                                    <p:cond delay="0"/>
-                                  </p:stCondLst>
-                                  <p:childTnLst>
-                                    <p:set>
-                                      <p:cBhvr>
-                                        <p:cTn id="94" dur="1" fill="hold">
-                                          <p:stCondLst>
-                                            <p:cond delay="0"/>
-                                          </p:stCondLst>
-                                        </p:cTn>
-                                        <p:tgtEl>
-                                          <p:spTgt spid="19"/>
-                                        </p:tgtEl>
-                                        <p:attrNameLst>
-                                          <p:attrName>style.visibility</p:attrName>
-                                        </p:attrNameLst>
-                                      </p:cBhvr>
-                                      <p:to>
-                                        <p:strVal val="visible"/>
-                                      </p:to>
-                                    </p:set>
-                                    <p:anim calcmode="lin" valueType="num">
-                                      <p:cBhvr additive="base">
-                                        <p:cTn id="95" dur="500" fill="hold"/>
-                                        <p:tgtEl>
-                                          <p:spTgt spid="19"/>
-                                        </p:tgtEl>
-                                        <p:attrNameLst>
-                                          <p:attrName>ppt_x</p:attrName>
-                                        </p:attrNameLst>
-                                      </p:cBhvr>
-                                      <p:tavLst>
-                                        <p:tav tm="0">
-                                          <p:val>
-                                            <p:strVal val="#ppt_x"/>
-                                          </p:val>
-                                        </p:tav>
-                                        <p:tav tm="100000">
-                                          <p:val>
-                                            <p:strVal val="#ppt_x"/>
-                                          </p:val>
-                                        </p:tav>
-                                      </p:tavLst>
-                                    </p:anim>
-                                    <p:anim calcmode="lin" valueType="num">
-                                      <p:cBhvr additive="base">
-                                        <p:cTn id="96" dur="500" fill="hold"/>
-                                        <p:tgtEl>
-                                          <p:spTgt spid="19"/>
-                                        </p:tgtEl>
-                                        <p:attrNameLst>
-                                          <p:attrName>ppt_y</p:attrName>
-                                        </p:attrNameLst>
-                                      </p:cBhvr>
-                                      <p:tavLst>
-                                        <p:tav tm="0">
-                                          <p:val>
-                                            <p:strVal val="1+#ppt_h/2"/>
-                                          </p:val>
-                                        </p:tav>
-                                        <p:tav tm="100000">
-                                          <p:val>
-                                            <p:strVal val="#ppt_y"/>
-                                          </p:val>
-                                        </p:tav>
-                                      </p:tavLst>
-                                    </p:anim>
-                                  </p:childTnLst>
-                                </p:cTn>
-                              </p:par>
-                            </p:childTnLst>
-                          </p:cTn>
-                        </p:par>
-                      </p:childTnLst>
-                    </p:cTn>
-                  </p:par>
-                  <p:par>
-                    <p:cTn id="97" fill="hold">
-                      <p:stCondLst>
-                        <p:cond delay="indefinite"/>
-                      </p:stCondLst>
-                      <p:childTnLst>
-                        <p:par>
-                          <p:cTn id="98" fill="hold">
-                            <p:stCondLst>
-                              <p:cond delay="0"/>
-                            </p:stCondLst>
-                            <p:childTnLst>
-                              <p:par>
-                                <p:cTn id="99" presetID="10" presetClass="entr" presetSubtype="0" fill="hold" nodeType="clickEffect">
-                                  <p:stCondLst>
-                                    <p:cond delay="0"/>
-                                  </p:stCondLst>
-                                  <p:childTnLst>
-                                    <p:set>
-                                      <p:cBhvr>
-                                        <p:cTn id="100" dur="1" fill="hold">
-                                          <p:stCondLst>
-                                            <p:cond delay="0"/>
-                                          </p:stCondLst>
-                                        </p:cTn>
-                                        <p:tgtEl>
-                                          <p:spTgt spid="3">
-                                            <p:txEl>
-                                              <p:pRg st="10" end="10"/>
-                                            </p:txEl>
-                                          </p:spTgt>
-                                        </p:tgtEl>
-                                        <p:attrNameLst>
-                                          <p:attrName>style.visibility</p:attrName>
-                                        </p:attrNameLst>
-                                      </p:cBhvr>
-                                      <p:to>
-                                        <p:strVal val="visible"/>
-                                      </p:to>
-                                    </p:set>
-                                    <p:animEffect transition="in" filter="fade">
-                                      <p:cBhvr>
-                                        <p:cTn id="101" dur="500"/>
-                                        <p:tgtEl>
-                                          <p:spTgt spid="3">
-                                            <p:txEl>
-                                              <p:pRg st="10" end="10"/>
-                                            </p:txEl>
-                                          </p:spTgt>
-                                        </p:tgtEl>
-                                      </p:cBhvr>
-                                    </p:animEffect>
-                                  </p:childTnLst>
-                                </p:cTn>
-                              </p:par>
-                              <p:par>
-                                <p:cTn id="102" presetID="10" presetClass="exit" presetSubtype="0" fill="hold" nodeType="withEffect">
-                                  <p:stCondLst>
-                                    <p:cond delay="0"/>
-                                  </p:stCondLst>
-                                  <p:childTnLst>
-                                    <p:animEffect transition="out" filter="fade">
-                                      <p:cBhvr>
-                                        <p:cTn id="103" dur="500"/>
-                                        <p:tgtEl>
-                                          <p:spTgt spid="17"/>
-                                        </p:tgtEl>
-                                      </p:cBhvr>
-                                    </p:animEffect>
-                                    <p:set>
-                                      <p:cBhvr>
-                                        <p:cTn id="104" dur="1" fill="hold">
-                                          <p:stCondLst>
-                                            <p:cond delay="499"/>
-                                          </p:stCondLst>
-                                        </p:cTn>
-                                        <p:tgtEl>
-                                          <p:spTgt spid="17"/>
-                                        </p:tgtEl>
-                                        <p:attrNameLst>
-                                          <p:attrName>style.visibility</p:attrName>
-                                        </p:attrNameLst>
-                                      </p:cBhvr>
-                                      <p:to>
-                                        <p:strVal val="hidden"/>
-                                      </p:to>
-                                    </p:set>
-                                  </p:childTnLst>
-                                </p:cTn>
-                              </p:par>
-                              <p:par>
-                                <p:cTn id="105" presetID="10" presetClass="exit" presetSubtype="0" fill="hold" nodeType="withEffect">
-                                  <p:stCondLst>
-                                    <p:cond delay="0"/>
-                                  </p:stCondLst>
-                                  <p:childTnLst>
-                                    <p:animEffect transition="out" filter="fade">
-                                      <p:cBhvr>
-                                        <p:cTn id="106" dur="500"/>
-                                        <p:tgtEl>
-                                          <p:spTgt spid="19"/>
-                                        </p:tgtEl>
-                                      </p:cBhvr>
-                                    </p:animEffect>
-                                    <p:set>
-                                      <p:cBhvr>
-                                        <p:cTn id="107" dur="1" fill="hold">
-                                          <p:stCondLst>
-                                            <p:cond delay="499"/>
-                                          </p:stCondLst>
-                                        </p:cTn>
-                                        <p:tgtEl>
-                                          <p:spTgt spid="19"/>
-                                        </p:tgtEl>
-                                        <p:attrNameLst>
-                                          <p:attrName>style.visibility</p:attrName>
-                                        </p:attrNameLst>
-                                      </p:cBhvr>
-                                      <p:to>
-                                        <p:strVal val="hidden"/>
-                                      </p:to>
-                                    </p:set>
-                                  </p:childTnLst>
-                                </p:cTn>
-                              </p:par>
-                              <p:par>
-                                <p:cTn id="108" presetID="2" presetClass="entr" presetSubtype="4" fill="hold" nodeType="withEffect">
-                                  <p:stCondLst>
-                                    <p:cond delay="0"/>
-                                  </p:stCondLst>
-                                  <p:childTnLst>
-                                    <p:set>
-                                      <p:cBhvr>
-                                        <p:cTn id="109" dur="1" fill="hold">
-                                          <p:stCondLst>
-                                            <p:cond delay="0"/>
-                                          </p:stCondLst>
-                                        </p:cTn>
-                                        <p:tgtEl>
-                                          <p:spTgt spid="21"/>
-                                        </p:tgtEl>
-                                        <p:attrNameLst>
-                                          <p:attrName>style.visibility</p:attrName>
-                                        </p:attrNameLst>
-                                      </p:cBhvr>
-                                      <p:to>
-                                        <p:strVal val="visible"/>
-                                      </p:to>
-                                    </p:set>
-                                    <p:anim calcmode="lin" valueType="num">
-                                      <p:cBhvr additive="base">
-                                        <p:cTn id="110" dur="500" fill="hold"/>
-                                        <p:tgtEl>
-                                          <p:spTgt spid="21"/>
-                                        </p:tgtEl>
-                                        <p:attrNameLst>
-                                          <p:attrName>ppt_x</p:attrName>
-                                        </p:attrNameLst>
-                                      </p:cBhvr>
-                                      <p:tavLst>
-                                        <p:tav tm="0">
-                                          <p:val>
-                                            <p:strVal val="#ppt_x"/>
-                                          </p:val>
-                                        </p:tav>
-                                        <p:tav tm="100000">
-                                          <p:val>
-                                            <p:strVal val="#ppt_x"/>
-                                          </p:val>
-                                        </p:tav>
-                                      </p:tavLst>
-                                    </p:anim>
-                                    <p:anim calcmode="lin" valueType="num">
-                                      <p:cBhvr additive="base">
-                                        <p:cTn id="111" dur="500" fill="hold"/>
-                                        <p:tgtEl>
-                                          <p:spTgt spid="21"/>
-                                        </p:tgtEl>
-                                        <p:attrNameLst>
-                                          <p:attrName>ppt_y</p:attrName>
-                                        </p:attrNameLst>
-                                      </p:cBhvr>
-                                      <p:tavLst>
-                                        <p:tav tm="0">
-                                          <p:val>
-                                            <p:strVal val="1+#ppt_h/2"/>
-                                          </p:val>
-                                        </p:tav>
-                                        <p:tav tm="100000">
-                                          <p:val>
-                                            <p:strVal val="#ppt_y"/>
-                                          </p:val>
-                                        </p:tav>
-                                      </p:tavLst>
-                                    </p:anim>
-                                  </p:childTnLst>
-                                </p:cTn>
-                              </p:par>
-                            </p:childTnLst>
-                          </p:cTn>
-                        </p:par>
-                      </p:childTnLst>
-                    </p:cTn>
-                  </p:par>
-                  <p:par>
-                    <p:cTn id="112" fill="hold">
-                      <p:stCondLst>
-                        <p:cond delay="indefinite"/>
-                      </p:stCondLst>
-                      <p:childTnLst>
-                        <p:par>
-                          <p:cTn id="113" fill="hold">
-                            <p:stCondLst>
-                              <p:cond delay="0"/>
-                            </p:stCondLst>
-                            <p:childTnLst>
-                              <p:par>
-                                <p:cTn id="114" presetID="10" presetClass="entr" presetSubtype="0" fill="hold" nodeType="clickEffect">
-                                  <p:stCondLst>
-                                    <p:cond delay="0"/>
-                                  </p:stCondLst>
-                                  <p:childTnLst>
-                                    <p:set>
-                                      <p:cBhvr>
-                                        <p:cTn id="115" dur="1" fill="hold">
-                                          <p:stCondLst>
-                                            <p:cond delay="0"/>
-                                          </p:stCondLst>
-                                        </p:cTn>
-                                        <p:tgtEl>
-                                          <p:spTgt spid="3">
-                                            <p:txEl>
-                                              <p:pRg st="11" end="11"/>
-                                            </p:txEl>
-                                          </p:spTgt>
-                                        </p:tgtEl>
-                                        <p:attrNameLst>
-                                          <p:attrName>style.visibility</p:attrName>
-                                        </p:attrNameLst>
-                                      </p:cBhvr>
-                                      <p:to>
-                                        <p:strVal val="visible"/>
-                                      </p:to>
-                                    </p:set>
-                                    <p:animEffect transition="in" filter="fade">
-                                      <p:cBhvr>
-                                        <p:cTn id="116" dur="500"/>
-                                        <p:tgtEl>
-                                          <p:spTgt spid="3">
-                                            <p:txEl>
-                                              <p:pRg st="11" end="11"/>
-                                            </p:txEl>
-                                          </p:spTgt>
-                                        </p:tgtEl>
-                                      </p:cBhvr>
-                                    </p:animEffect>
-                                  </p:childTnLst>
-                                </p:cTn>
-                              </p:par>
-                              <p:par>
-                                <p:cTn id="117" presetID="10" presetClass="exit" presetSubtype="0" fill="hold" nodeType="withEffect">
-                                  <p:stCondLst>
-                                    <p:cond delay="0"/>
-                                  </p:stCondLst>
-                                  <p:childTnLst>
-                                    <p:animEffect transition="out" filter="fade">
-                                      <p:cBhvr>
-                                        <p:cTn id="118" dur="500"/>
-                                        <p:tgtEl>
-                                          <p:spTgt spid="21"/>
-                                        </p:tgtEl>
-                                      </p:cBhvr>
-                                    </p:animEffect>
-                                    <p:set>
-                                      <p:cBhvr>
-                                        <p:cTn id="119" dur="1" fill="hold">
-                                          <p:stCondLst>
-                                            <p:cond delay="499"/>
-                                          </p:stCondLst>
-                                        </p:cTn>
-                                        <p:tgtEl>
-                                          <p:spTgt spid="21"/>
-                                        </p:tgtEl>
-                                        <p:attrNameLst>
-                                          <p:attrName>style.visibility</p:attrName>
-                                        </p:attrNameLst>
-                                      </p:cBhvr>
-                                      <p:to>
-                                        <p:strVal val="hidden"/>
-                                      </p:to>
-                                    </p:set>
-                                  </p:childTnLst>
-                                </p:cTn>
-                              </p:par>
-                              <p:par>
-                                <p:cTn id="120" presetID="2" presetClass="entr" presetSubtype="4" fill="hold" nodeType="withEffect">
-                                  <p:stCondLst>
-                                    <p:cond delay="0"/>
-                                  </p:stCondLst>
-                                  <p:childTnLst>
-                                    <p:set>
-                                      <p:cBhvr>
-                                        <p:cTn id="121" dur="1" fill="hold">
-                                          <p:stCondLst>
-                                            <p:cond delay="0"/>
-                                          </p:stCondLst>
-                                        </p:cTn>
-                                        <p:tgtEl>
-                                          <p:spTgt spid="23"/>
-                                        </p:tgtEl>
-                                        <p:attrNameLst>
-                                          <p:attrName>style.visibility</p:attrName>
-                                        </p:attrNameLst>
-                                      </p:cBhvr>
-                                      <p:to>
-                                        <p:strVal val="visible"/>
-                                      </p:to>
-                                    </p:set>
-                                    <p:anim calcmode="lin" valueType="num">
-                                      <p:cBhvr additive="base">
-                                        <p:cTn id="122" dur="500" fill="hold"/>
-                                        <p:tgtEl>
-                                          <p:spTgt spid="23"/>
-                                        </p:tgtEl>
-                                        <p:attrNameLst>
-                                          <p:attrName>ppt_x</p:attrName>
-                                        </p:attrNameLst>
-                                      </p:cBhvr>
-                                      <p:tavLst>
-                                        <p:tav tm="0">
-                                          <p:val>
-                                            <p:strVal val="#ppt_x"/>
-                                          </p:val>
-                                        </p:tav>
-                                        <p:tav tm="100000">
-                                          <p:val>
-                                            <p:strVal val="#ppt_x"/>
-                                          </p:val>
-                                        </p:tav>
-                                      </p:tavLst>
-                                    </p:anim>
-                                    <p:anim calcmode="lin" valueType="num">
-                                      <p:cBhvr additive="base">
-                                        <p:cTn id="123" dur="500" fill="hold"/>
-                                        <p:tgtEl>
-                                          <p:spTgt spid="23"/>
-                                        </p:tgtEl>
-                                        <p:attrNameLst>
-                                          <p:attrName>ppt_y</p:attrName>
-                                        </p:attrNameLst>
-                                      </p:cBhvr>
-                                      <p:tavLst>
-                                        <p:tav tm="0">
-                                          <p:val>
-                                            <p:strVal val="1+#ppt_h/2"/>
-                                          </p:val>
-                                        </p:tav>
-                                        <p:tav tm="100000">
-                                          <p:val>
-                                            <p:strVal val="#ppt_y"/>
-                                          </p:val>
-                                        </p:tav>
-                                      </p:tavLst>
-                                    </p:anim>
-                                  </p:childTnLst>
-                                </p:cTn>
-                              </p:par>
-                            </p:childTnLst>
-                          </p:cTn>
-                        </p:par>
-                      </p:childTnLst>
-                    </p:cTn>
-                  </p:par>
-                </p:childTnLst>
-              </p:cTn>
-              <p:prevCondLst>
-                <p:cond evt="onPrev" delay="0">
-                  <p:tgtEl>
-                    <p:sldTgt/>
-                  </p:tgtEl>
-                </p:cond>
-              </p:prevCondLst>
-              <p:nextCondLst>
-                <p:cond evt="onNext" delay="0">
-                  <p:tgtEl>
-                    <p:sldTgt/>
-                  </p:tgtEl>
-                </p:cond>
-              </p:nextCondLst>
-            </p:seq>
-          </p:childTnLst>
-        </p:cTn>
-      </p:par>
-    </p:tnLst>
-  </p:timing>
 </p:sld>
 </file>
 
@@ -23797,15 +25183,6 @@
 </file>
 
 <file path=customXml/item1.xml><?xml version="1.0" encoding="utf-8"?>
-<?mso-contentType ?>
-<FormTemplates xmlns="http://schemas.microsoft.com/sharepoint/v3/contenttype/forms">
-  <Display>DocumentLibraryForm</Display>
-  <Edit>DocumentLibraryForm</Edit>
-  <New>DocumentLibraryForm</New>
-</FormTemplates>
-</file>
-
-<file path=customXml/item2.xml><?xml version="1.0" encoding="utf-8"?>
 <ct:contentTypeSchema xmlns:ct="http://schemas.microsoft.com/office/2006/metadata/contentType" xmlns:ma="http://schemas.microsoft.com/office/2006/metadata/properties/metaAttributes" ct:_="" ma:_="" ma:contentTypeName="Document" ma:contentTypeID="0x0101003CD7339A875CD941873E8F62B401A48F" ma:contentTypeVersion="0" ma:contentTypeDescription="Create a new document." ma:contentTypeScope="" ma:versionID="257cc17a96a0bde58fa768e3bd91ea79">
   <xsd:schema xmlns:xsd="http://www.w3.org/2001/XMLSchema" xmlns:xs="http://www.w3.org/2001/XMLSchema" xmlns:p="http://schemas.microsoft.com/office/2006/metadata/properties" targetNamespace="http://schemas.microsoft.com/office/2006/metadata/properties" ma:root="true" ma:fieldsID="a2c7c6929ac13d639138f20055dd6273">
     <xsd:element name="properties">
@@ -23919,6 +25296,15 @@
 </ct:contentTypeSchema>
 </file>
 
+<file path=customXml/item2.xml><?xml version="1.0" encoding="utf-8"?>
+<?mso-contentType ?>
+<FormTemplates xmlns="http://schemas.microsoft.com/sharepoint/v3/contenttype/forms">
+  <Display>DocumentLibraryForm</Display>
+  <Edit>DocumentLibraryForm</Edit>
+  <New>DocumentLibraryForm</New>
+</FormTemplates>
+</file>
+
 <file path=customXml/item3.xml><?xml version="1.0" encoding="utf-8"?>
 <p:properties xmlns:p="http://schemas.microsoft.com/office/2006/metadata/properties" xmlns:xsi="http://www.w3.org/2001/XMLSchema-instance" xmlns:pc="http://schemas.microsoft.com/office/infopath/2007/PartnerControls">
   <documentManagement/>
@@ -23926,14 +25312,6 @@
 </file>
 
 <file path=customXml/itemProps1.xml><?xml version="1.0" encoding="utf-8"?>
-<ds:datastoreItem xmlns:ds="http://schemas.openxmlformats.org/officeDocument/2006/customXml" ds:itemID="{B11F8234-CE59-4A33-8FA5-FA4063DCA770}">
-  <ds:schemaRefs>
-    <ds:schemaRef ds:uri="http://schemas.microsoft.com/sharepoint/v3/contenttype/forms"/>
-  </ds:schemaRefs>
-</ds:datastoreItem>
-</file>
-
-<file path=customXml/itemProps2.xml><?xml version="1.0" encoding="utf-8"?>
 <ds:datastoreItem xmlns:ds="http://schemas.openxmlformats.org/officeDocument/2006/customXml" ds:itemID="{391B0B70-0C7B-4023-AB27-C9CE1EAB8D7E}">
   <ds:schemaRefs>
     <ds:schemaRef ds:uri="http://schemas.microsoft.com/office/2006/metadata/contentType"/>
@@ -23945,6 +25323,14 @@
     <ds:schemaRef ds:uri="http://purl.org/dc/terms/"/>
     <ds:schemaRef ds:uri="http://schemas.microsoft.com/internal/obd"/>
     <ds:schemaRef ds:uri="http://schemas.microsoft.com/office/infopath/2007/PartnerControls"/>
+  </ds:schemaRefs>
+</ds:datastoreItem>
+</file>
+
+<file path=customXml/itemProps2.xml><?xml version="1.0" encoding="utf-8"?>
+<ds:datastoreItem xmlns:ds="http://schemas.openxmlformats.org/officeDocument/2006/customXml" ds:itemID="{B11F8234-CE59-4A33-8FA5-FA4063DCA770}">
+  <ds:schemaRefs>
+    <ds:schemaRef ds:uri="http://schemas.microsoft.com/sharepoint/v3/contenttype/forms"/>
   </ds:schemaRefs>
 </ds:datastoreItem>
 </file>
